--- a/presentation/presentation.pptx
+++ b/presentation/presentation.pptx
@@ -5,7 +5,7 @@
     <p:sldMasterId id="2147483648" r:id="rId1"/>
   </p:sldMasterIdLst>
   <p:notesMasterIdLst>
-    <p:notesMasterId r:id="rId12"/>
+    <p:notesMasterId r:id="rId14"/>
   </p:notesMasterIdLst>
   <p:sldIdLst>
     <p:sldId id="256" r:id="rId2"/>
@@ -16,8 +16,10 @@
     <p:sldId id="261" r:id="rId7"/>
     <p:sldId id="262" r:id="rId8"/>
     <p:sldId id="263" r:id="rId9"/>
-    <p:sldId id="265" r:id="rId10"/>
-    <p:sldId id="266" r:id="rId11"/>
+    <p:sldId id="267" r:id="rId10"/>
+    <p:sldId id="268" r:id="rId11"/>
+    <p:sldId id="265" r:id="rId12"/>
+    <p:sldId id="266" r:id="rId13"/>
   </p:sldIdLst>
   <p:sldSz cx="9144000" cy="6858000" type="screen4x3"/>
   <p:notesSz cx="6858000" cy="9144000"/>
@@ -201,7 +203,7 @@
           <a:p>
             <a:fld id="{91CD00BB-C703-470A-A795-696BC201BC70}" type="datetimeFigureOut">
               <a:rPr lang="fr-CH" smtClean="0"/>
-              <a:t>15.01.2016</a:t>
+              <a:t>21.01.2016</a:t>
             </a:fld>
             <a:endParaRPr lang="fr-CH"/>
           </a:p>
@@ -734,7 +736,7 @@
           <a:p>
             <a:fld id="{A91E9F44-E5A4-45E8-B381-0A1AD53CA8FC}" type="datetimeFigureOut">
               <a:rPr lang="fr-CH" smtClean="0"/>
-              <a:t>15.01.2016</a:t>
+              <a:t>21.01.2016</a:t>
             </a:fld>
             <a:endParaRPr lang="fr-CH"/>
           </a:p>
@@ -792,6 +794,18 @@
   <p:clrMapOvr>
     <a:masterClrMapping/>
   </p:clrMapOvr>
+  <mc:AlternateContent xmlns:mc="http://schemas.openxmlformats.org/markup-compatibility/2006">
+    <mc:Choice xmlns:p14="http://schemas.microsoft.com/office/powerpoint/2010/main" Requires="p14">
+      <p:transition spd="slow" p14:dur="1200">
+        <p14:prism/>
+      </p:transition>
+    </mc:Choice>
+    <mc:Fallback>
+      <p:transition spd="slow">
+        <p:fade/>
+      </p:transition>
+    </mc:Fallback>
+  </mc:AlternateContent>
 </p:sldLayout>
 </file>
 
@@ -904,7 +918,7 @@
           <a:p>
             <a:fld id="{A91E9F44-E5A4-45E8-B381-0A1AD53CA8FC}" type="datetimeFigureOut">
               <a:rPr lang="fr-CH" smtClean="0"/>
-              <a:t>15.01.2016</a:t>
+              <a:t>21.01.2016</a:t>
             </a:fld>
             <a:endParaRPr lang="fr-CH"/>
           </a:p>
@@ -962,6 +976,18 @@
   <p:clrMapOvr>
     <a:masterClrMapping/>
   </p:clrMapOvr>
+  <mc:AlternateContent xmlns:mc="http://schemas.openxmlformats.org/markup-compatibility/2006">
+    <mc:Choice xmlns:p14="http://schemas.microsoft.com/office/powerpoint/2010/main" Requires="p14">
+      <p:transition spd="slow" p14:dur="1200">
+        <p14:prism/>
+      </p:transition>
+    </mc:Choice>
+    <mc:Fallback>
+      <p:transition spd="slow">
+        <p:fade/>
+      </p:transition>
+    </mc:Fallback>
+  </mc:AlternateContent>
 </p:sldLayout>
 </file>
 
@@ -1084,7 +1110,7 @@
           <a:p>
             <a:fld id="{A91E9F44-E5A4-45E8-B381-0A1AD53CA8FC}" type="datetimeFigureOut">
               <a:rPr lang="fr-CH" smtClean="0"/>
-              <a:t>15.01.2016</a:t>
+              <a:t>21.01.2016</a:t>
             </a:fld>
             <a:endParaRPr lang="fr-CH"/>
           </a:p>
@@ -1142,6 +1168,18 @@
   <p:clrMapOvr>
     <a:masterClrMapping/>
   </p:clrMapOvr>
+  <mc:AlternateContent xmlns:mc="http://schemas.openxmlformats.org/markup-compatibility/2006">
+    <mc:Choice xmlns:p14="http://schemas.microsoft.com/office/powerpoint/2010/main" Requires="p14">
+      <p:transition spd="slow" p14:dur="1200">
+        <p14:prism/>
+      </p:transition>
+    </mc:Choice>
+    <mc:Fallback>
+      <p:transition spd="slow">
+        <p:fade/>
+      </p:transition>
+    </mc:Fallback>
+  </mc:AlternateContent>
 </p:sldLayout>
 </file>
 
@@ -1254,7 +1292,7 @@
           <a:p>
             <a:fld id="{A91E9F44-E5A4-45E8-B381-0A1AD53CA8FC}" type="datetimeFigureOut">
               <a:rPr lang="fr-CH" smtClean="0"/>
-              <a:t>15.01.2016</a:t>
+              <a:t>21.01.2016</a:t>
             </a:fld>
             <a:endParaRPr lang="fr-CH"/>
           </a:p>
@@ -1312,6 +1350,18 @@
   <p:clrMapOvr>
     <a:masterClrMapping/>
   </p:clrMapOvr>
+  <mc:AlternateContent xmlns:mc="http://schemas.openxmlformats.org/markup-compatibility/2006">
+    <mc:Choice xmlns:p14="http://schemas.microsoft.com/office/powerpoint/2010/main" Requires="p14">
+      <p:transition spd="slow" p14:dur="1200">
+        <p14:prism/>
+      </p:transition>
+    </mc:Choice>
+    <mc:Fallback>
+      <p:transition spd="slow">
+        <p:fade/>
+      </p:transition>
+    </mc:Fallback>
+  </mc:AlternateContent>
 </p:sldLayout>
 </file>
 
@@ -1500,7 +1550,7 @@
           <a:p>
             <a:fld id="{A91E9F44-E5A4-45E8-B381-0A1AD53CA8FC}" type="datetimeFigureOut">
               <a:rPr lang="fr-CH" smtClean="0"/>
-              <a:t>15.01.2016</a:t>
+              <a:t>21.01.2016</a:t>
             </a:fld>
             <a:endParaRPr lang="fr-CH"/>
           </a:p>
@@ -1558,6 +1608,18 @@
   <p:clrMapOvr>
     <a:masterClrMapping/>
   </p:clrMapOvr>
+  <mc:AlternateContent xmlns:mc="http://schemas.openxmlformats.org/markup-compatibility/2006">
+    <mc:Choice xmlns:p14="http://schemas.microsoft.com/office/powerpoint/2010/main" Requires="p14">
+      <p:transition spd="slow" p14:dur="1200">
+        <p14:prism/>
+      </p:transition>
+    </mc:Choice>
+    <mc:Fallback>
+      <p:transition spd="slow">
+        <p:fade/>
+      </p:transition>
+    </mc:Fallback>
+  </mc:AlternateContent>
 </p:sldLayout>
 </file>
 
@@ -1788,7 +1850,7 @@
           <a:p>
             <a:fld id="{A91E9F44-E5A4-45E8-B381-0A1AD53CA8FC}" type="datetimeFigureOut">
               <a:rPr lang="fr-CH" smtClean="0"/>
-              <a:t>15.01.2016</a:t>
+              <a:t>21.01.2016</a:t>
             </a:fld>
             <a:endParaRPr lang="fr-CH"/>
           </a:p>
@@ -1846,6 +1908,18 @@
   <p:clrMapOvr>
     <a:masterClrMapping/>
   </p:clrMapOvr>
+  <mc:AlternateContent xmlns:mc="http://schemas.openxmlformats.org/markup-compatibility/2006">
+    <mc:Choice xmlns:p14="http://schemas.microsoft.com/office/powerpoint/2010/main" Requires="p14">
+      <p:transition spd="slow" p14:dur="1200">
+        <p14:prism/>
+      </p:transition>
+    </mc:Choice>
+    <mc:Fallback>
+      <p:transition spd="slow">
+        <p:fade/>
+      </p:transition>
+    </mc:Fallback>
+  </mc:AlternateContent>
 </p:sldLayout>
 </file>
 
@@ -2210,7 +2284,7 @@
           <a:p>
             <a:fld id="{A91E9F44-E5A4-45E8-B381-0A1AD53CA8FC}" type="datetimeFigureOut">
               <a:rPr lang="fr-CH" smtClean="0"/>
-              <a:t>15.01.2016</a:t>
+              <a:t>21.01.2016</a:t>
             </a:fld>
             <a:endParaRPr lang="fr-CH"/>
           </a:p>
@@ -2268,6 +2342,18 @@
   <p:clrMapOvr>
     <a:masterClrMapping/>
   </p:clrMapOvr>
+  <mc:AlternateContent xmlns:mc="http://schemas.openxmlformats.org/markup-compatibility/2006">
+    <mc:Choice xmlns:p14="http://schemas.microsoft.com/office/powerpoint/2010/main" Requires="p14">
+      <p:transition spd="slow" p14:dur="1200">
+        <p14:prism/>
+      </p:transition>
+    </mc:Choice>
+    <mc:Fallback>
+      <p:transition spd="slow">
+        <p:fade/>
+      </p:transition>
+    </mc:Fallback>
+  </mc:AlternateContent>
 </p:sldLayout>
 </file>
 
@@ -2328,7 +2414,7 @@
           <a:p>
             <a:fld id="{A91E9F44-E5A4-45E8-B381-0A1AD53CA8FC}" type="datetimeFigureOut">
               <a:rPr lang="fr-CH" smtClean="0"/>
-              <a:t>15.01.2016</a:t>
+              <a:t>21.01.2016</a:t>
             </a:fld>
             <a:endParaRPr lang="fr-CH"/>
           </a:p>
@@ -2386,6 +2472,18 @@
   <p:clrMapOvr>
     <a:masterClrMapping/>
   </p:clrMapOvr>
+  <mc:AlternateContent xmlns:mc="http://schemas.openxmlformats.org/markup-compatibility/2006">
+    <mc:Choice xmlns:p14="http://schemas.microsoft.com/office/powerpoint/2010/main" Requires="p14">
+      <p:transition spd="slow" p14:dur="1200">
+        <p14:prism/>
+      </p:transition>
+    </mc:Choice>
+    <mc:Fallback>
+      <p:transition spd="slow">
+        <p:fade/>
+      </p:transition>
+    </mc:Fallback>
+  </mc:AlternateContent>
 </p:sldLayout>
 </file>
 
@@ -2423,7 +2521,7 @@
           <a:p>
             <a:fld id="{A91E9F44-E5A4-45E8-B381-0A1AD53CA8FC}" type="datetimeFigureOut">
               <a:rPr lang="fr-CH" smtClean="0"/>
-              <a:t>15.01.2016</a:t>
+              <a:t>21.01.2016</a:t>
             </a:fld>
             <a:endParaRPr lang="fr-CH"/>
           </a:p>
@@ -2481,6 +2579,18 @@
   <p:clrMapOvr>
     <a:masterClrMapping/>
   </p:clrMapOvr>
+  <mc:AlternateContent xmlns:mc="http://schemas.openxmlformats.org/markup-compatibility/2006">
+    <mc:Choice xmlns:p14="http://schemas.microsoft.com/office/powerpoint/2010/main" Requires="p14">
+      <p:transition spd="slow" p14:dur="1200">
+        <p14:prism/>
+      </p:transition>
+    </mc:Choice>
+    <mc:Fallback>
+      <p:transition spd="slow">
+        <p:fade/>
+      </p:transition>
+    </mc:Fallback>
+  </mc:AlternateContent>
 </p:sldLayout>
 </file>
 
@@ -2700,7 +2810,7 @@
           <a:p>
             <a:fld id="{A91E9F44-E5A4-45E8-B381-0A1AD53CA8FC}" type="datetimeFigureOut">
               <a:rPr lang="fr-CH" smtClean="0"/>
-              <a:t>15.01.2016</a:t>
+              <a:t>21.01.2016</a:t>
             </a:fld>
             <a:endParaRPr lang="fr-CH"/>
           </a:p>
@@ -2758,6 +2868,18 @@
   <p:clrMapOvr>
     <a:masterClrMapping/>
   </p:clrMapOvr>
+  <mc:AlternateContent xmlns:mc="http://schemas.openxmlformats.org/markup-compatibility/2006">
+    <mc:Choice xmlns:p14="http://schemas.microsoft.com/office/powerpoint/2010/main" Requires="p14">
+      <p:transition spd="slow" p14:dur="1200">
+        <p14:prism/>
+      </p:transition>
+    </mc:Choice>
+    <mc:Fallback>
+      <p:transition spd="slow">
+        <p:fade/>
+      </p:transition>
+    </mc:Fallback>
+  </mc:AlternateContent>
 </p:sldLayout>
 </file>
 
@@ -2953,7 +3075,7 @@
           <a:p>
             <a:fld id="{A91E9F44-E5A4-45E8-B381-0A1AD53CA8FC}" type="datetimeFigureOut">
               <a:rPr lang="fr-CH" smtClean="0"/>
-              <a:t>15.01.2016</a:t>
+              <a:t>21.01.2016</a:t>
             </a:fld>
             <a:endParaRPr lang="fr-CH"/>
           </a:p>
@@ -3011,6 +3133,18 @@
   <p:clrMapOvr>
     <a:masterClrMapping/>
   </p:clrMapOvr>
+  <mc:AlternateContent xmlns:mc="http://schemas.openxmlformats.org/markup-compatibility/2006">
+    <mc:Choice xmlns:p14="http://schemas.microsoft.com/office/powerpoint/2010/main" Requires="p14">
+      <p:transition spd="slow" p14:dur="1200">
+        <p14:prism/>
+      </p:transition>
+    </mc:Choice>
+    <mc:Fallback>
+      <p:transition spd="slow">
+        <p:fade/>
+      </p:transition>
+    </mc:Fallback>
+  </mc:AlternateContent>
 </p:sldLayout>
 </file>
 
@@ -3166,7 +3300,7 @@
           <a:p>
             <a:fld id="{A91E9F44-E5A4-45E8-B381-0A1AD53CA8FC}" type="datetimeFigureOut">
               <a:rPr lang="fr-CH" smtClean="0"/>
-              <a:t>15.01.2016</a:t>
+              <a:t>21.01.2016</a:t>
             </a:fld>
             <a:endParaRPr lang="fr-CH"/>
           </a:p>
@@ -3271,6 +3405,18 @@
     <p:sldLayoutId id="2147483658" r:id="rId10"/>
     <p:sldLayoutId id="2147483659" r:id="rId11"/>
   </p:sldLayoutIdLst>
+  <mc:AlternateContent xmlns:mc="http://schemas.openxmlformats.org/markup-compatibility/2006">
+    <mc:Choice xmlns:p14="http://schemas.microsoft.com/office/powerpoint/2010/main" Requires="p14">
+      <p:transition spd="slow" p14:dur="1200">
+        <p14:prism/>
+      </p:transition>
+    </mc:Choice>
+    <mc:Fallback>
+      <p:transition spd="slow">
+        <p:fade/>
+      </p:transition>
+    </mc:Fallback>
+  </mc:AlternateContent>
   <p:txStyles>
     <p:titleStyle>
       <a:lvl1pPr algn="ctr" defTabSz="914400" rtl="0" eaLnBrk="1" latinLnBrk="0" hangingPunct="1">
@@ -3680,6 +3826,18 @@
   <p:clrMapOvr>
     <a:masterClrMapping/>
   </p:clrMapOvr>
+  <mc:AlternateContent xmlns:mc="http://schemas.openxmlformats.org/markup-compatibility/2006">
+    <mc:Choice xmlns:p14="http://schemas.microsoft.com/office/powerpoint/2010/main" Requires="p14">
+      <p:transition spd="slow" p14:dur="1200">
+        <p14:prism/>
+      </p:transition>
+    </mc:Choice>
+    <mc:Fallback>
+      <p:transition spd="slow">
+        <p:fade/>
+      </p:transition>
+    </mc:Fallback>
+  </mc:AlternateContent>
   <p:timing>
     <p:tnLst>
       <p:par>
@@ -3691,6 +3849,485 @@
 </file>
 
 <file path=ppt/slides/slide10.xml><?xml version="1.0" encoding="utf-8"?>
+<p:sld xmlns:a="http://schemas.openxmlformats.org/drawingml/2006/main" xmlns:r="http://schemas.openxmlformats.org/officeDocument/2006/relationships" xmlns:p="http://schemas.openxmlformats.org/presentationml/2006/main">
+  <p:cSld>
+    <p:spTree>
+      <p:nvGrpSpPr>
+        <p:cNvPr id="1" name=""/>
+        <p:cNvGrpSpPr/>
+        <p:nvPr/>
+      </p:nvGrpSpPr>
+      <p:grpSpPr>
+        <a:xfrm>
+          <a:off x="0" y="0"/>
+          <a:ext cx="0" cy="0"/>
+          <a:chOff x="0" y="0"/>
+          <a:chExt cx="0" cy="0"/>
+        </a:xfrm>
+      </p:grpSpPr>
+      <p:sp>
+        <p:nvSpPr>
+          <p:cNvPr id="2" name="Titre 1"/>
+          <p:cNvSpPr>
+            <a:spLocks noGrp="1"/>
+          </p:cNvSpPr>
+          <p:nvPr>
+            <p:ph type="title"/>
+          </p:nvPr>
+        </p:nvSpPr>
+        <p:spPr/>
+        <p:txBody>
+          <a:bodyPr>
+            <a:normAutofit fontScale="90000"/>
+          </a:bodyPr>
+          <a:lstStyle/>
+          <a:p>
+            <a:r>
+              <a:rPr lang="fr-CH" dirty="0" smtClean="0"/>
+              <a:t>Phase 3</a:t>
+            </a:r>
+            <a:br>
+              <a:rPr lang="fr-CH" dirty="0" smtClean="0"/>
+            </a:br>
+            <a:r>
+              <a:rPr lang="fr-CH" b="1" dirty="0" smtClean="0"/>
+              <a:t>Difficultés rencontrées</a:t>
+            </a:r>
+            <a:endParaRPr lang="fr-CH" b="1" dirty="0"/>
+          </a:p>
+        </p:txBody>
+      </p:sp>
+    </p:spTree>
+    <p:extLst>
+      <p:ext uri="{BB962C8B-B14F-4D97-AF65-F5344CB8AC3E}">
+        <p14:creationId xmlns:p14="http://schemas.microsoft.com/office/powerpoint/2010/main" val="435331428"/>
+      </p:ext>
+    </p:extLst>
+  </p:cSld>
+  <p:clrMapOvr>
+    <a:masterClrMapping/>
+  </p:clrMapOvr>
+  <mc:AlternateContent xmlns:mc="http://schemas.openxmlformats.org/markup-compatibility/2006">
+    <mc:Choice xmlns:p14="http://schemas.microsoft.com/office/powerpoint/2010/main" Requires="p14">
+      <p:transition spd="slow" p14:dur="1200">
+        <p14:prism/>
+      </p:transition>
+    </mc:Choice>
+    <mc:Fallback>
+      <p:transition spd="slow">
+        <p:fade/>
+      </p:transition>
+    </mc:Fallback>
+  </mc:AlternateContent>
+  <p:timing>
+    <p:tnLst>
+      <p:par>
+        <p:cTn id="1" dur="indefinite" restart="never" nodeType="tmRoot"/>
+      </p:par>
+    </p:tnLst>
+  </p:timing>
+</p:sld>
+</file>
+
+<file path=ppt/slides/slide11.xml><?xml version="1.0" encoding="utf-8"?>
+<p:sld xmlns:a="http://schemas.openxmlformats.org/drawingml/2006/main" xmlns:r="http://schemas.openxmlformats.org/officeDocument/2006/relationships" xmlns:p="http://schemas.openxmlformats.org/presentationml/2006/main">
+  <p:cSld>
+    <p:spTree>
+      <p:nvGrpSpPr>
+        <p:cNvPr id="1" name=""/>
+        <p:cNvGrpSpPr/>
+        <p:nvPr/>
+      </p:nvGrpSpPr>
+      <p:grpSpPr>
+        <a:xfrm>
+          <a:off x="0" y="0"/>
+          <a:ext cx="0" cy="0"/>
+          <a:chOff x="0" y="0"/>
+          <a:chExt cx="0" cy="0"/>
+        </a:xfrm>
+      </p:grpSpPr>
+      <p:sp>
+        <p:nvSpPr>
+          <p:cNvPr id="2" name="Titre 1"/>
+          <p:cNvSpPr>
+            <a:spLocks noGrp="1"/>
+          </p:cNvSpPr>
+          <p:nvPr>
+            <p:ph type="title"/>
+          </p:nvPr>
+        </p:nvSpPr>
+        <p:spPr/>
+        <p:txBody>
+          <a:bodyPr/>
+          <a:lstStyle/>
+          <a:p>
+            <a:r>
+              <a:rPr lang="fr-CH" b="1" dirty="0" smtClean="0"/>
+              <a:t>Améliorations possibles futures</a:t>
+            </a:r>
+            <a:endParaRPr lang="fr-CH" b="1" dirty="0"/>
+          </a:p>
+        </p:txBody>
+      </p:sp>
+      <p:sp>
+        <p:nvSpPr>
+          <p:cNvPr id="3" name="Espace réservé du contenu 2"/>
+          <p:cNvSpPr>
+            <a:spLocks noGrp="1"/>
+          </p:cNvSpPr>
+          <p:nvPr>
+            <p:ph idx="1"/>
+          </p:nvPr>
+        </p:nvSpPr>
+        <p:spPr/>
+        <p:txBody>
+          <a:bodyPr/>
+          <a:lstStyle/>
+          <a:p>
+            <a:r>
+              <a:rPr lang="fr-CH" dirty="0" smtClean="0"/>
+              <a:t>Meilleure gestion des transactions (mettre une contrainte d’intégrité de type UNIQUE pour le couple (Application, </a:t>
+            </a:r>
+            <a:r>
+              <a:rPr lang="fr-CH" dirty="0" err="1" smtClean="0"/>
+              <a:t>EndUserNumber</a:t>
+            </a:r>
+            <a:r>
+              <a:rPr lang="fr-CH" dirty="0" smtClean="0"/>
+              <a:t>)</a:t>
+            </a:r>
+            <a:endParaRPr lang="fr-CH" dirty="0" smtClean="0"/>
+          </a:p>
+          <a:p>
+            <a:r>
+              <a:rPr lang="fr-CH" dirty="0" smtClean="0"/>
+              <a:t>Amélioration du système de règles</a:t>
+            </a:r>
+            <a:endParaRPr lang="fr-CH" dirty="0"/>
+          </a:p>
+          <a:p>
+            <a:r>
+              <a:rPr lang="fr-CH" dirty="0" smtClean="0"/>
+              <a:t>Economiser des écritures lorsque l’on attribue des points (moins de </a:t>
+            </a:r>
+            <a:r>
+              <a:rPr lang="fr-CH" dirty="0" err="1" smtClean="0"/>
+              <a:t>tuples</a:t>
+            </a:r>
+            <a:r>
+              <a:rPr lang="fr-CH" dirty="0" smtClean="0"/>
+              <a:t>)</a:t>
+            </a:r>
+          </a:p>
+          <a:p>
+            <a:r>
+              <a:rPr lang="fr-CH" dirty="0" smtClean="0"/>
+              <a:t>Amélioration des tests automatisés qui peuvent devenir incohérents</a:t>
+            </a:r>
+            <a:endParaRPr lang="fr-CH" dirty="0"/>
+          </a:p>
+        </p:txBody>
+      </p:sp>
+    </p:spTree>
+    <p:extLst>
+      <p:ext uri="{BB962C8B-B14F-4D97-AF65-F5344CB8AC3E}">
+        <p14:creationId xmlns:p14="http://schemas.microsoft.com/office/powerpoint/2010/main" val="3858989865"/>
+      </p:ext>
+    </p:extLst>
+  </p:cSld>
+  <p:clrMapOvr>
+    <a:masterClrMapping/>
+  </p:clrMapOvr>
+  <mc:AlternateContent xmlns:mc="http://schemas.openxmlformats.org/markup-compatibility/2006">
+    <mc:Choice xmlns:p14="http://schemas.microsoft.com/office/powerpoint/2010/main" Requires="p14">
+      <p:transition spd="slow" p14:dur="1200">
+        <p14:prism/>
+      </p:transition>
+    </mc:Choice>
+    <mc:Fallback>
+      <p:transition spd="slow">
+        <p:fade/>
+      </p:transition>
+    </mc:Fallback>
+  </mc:AlternateContent>
+  <p:timing>
+    <p:tnLst>
+      <p:par>
+        <p:cTn id="1" dur="indefinite" restart="never" nodeType="tmRoot">
+          <p:childTnLst>
+            <p:seq concurrent="1" nextAc="seek">
+              <p:cTn id="2" dur="indefinite" nodeType="mainSeq">
+                <p:childTnLst>
+                  <p:par>
+                    <p:cTn id="3" fill="hold">
+                      <p:stCondLst>
+                        <p:cond delay="indefinite"/>
+                      </p:stCondLst>
+                      <p:childTnLst>
+                        <p:par>
+                          <p:cTn id="4" fill="hold">
+                            <p:stCondLst>
+                              <p:cond delay="0"/>
+                            </p:stCondLst>
+                            <p:childTnLst>
+                              <p:par>
+                                <p:cTn id="5" presetID="10" presetClass="entr" presetSubtype="0" fill="hold" nodeType="clickEffect">
+                                  <p:stCondLst>
+                                    <p:cond delay="0"/>
+                                  </p:stCondLst>
+                                  <p:childTnLst>
+                                    <p:set>
+                                      <p:cBhvr>
+                                        <p:cTn id="6" dur="1" fill="hold">
+                                          <p:stCondLst>
+                                            <p:cond delay="0"/>
+                                          </p:stCondLst>
+                                        </p:cTn>
+                                        <p:tgtEl>
+                                          <p:spTgt spid="3">
+                                            <p:txEl>
+                                              <p:pRg st="0" end="0"/>
+                                            </p:txEl>
+                                          </p:spTgt>
+                                        </p:tgtEl>
+                                        <p:attrNameLst>
+                                          <p:attrName>style.visibility</p:attrName>
+                                        </p:attrNameLst>
+                                      </p:cBhvr>
+                                      <p:to>
+                                        <p:strVal val="visible"/>
+                                      </p:to>
+                                    </p:set>
+                                    <p:animEffect transition="in" filter="fade">
+                                      <p:cBhvr>
+                                        <p:cTn id="7" dur="500"/>
+                                        <p:tgtEl>
+                                          <p:spTgt spid="3">
+                                            <p:txEl>
+                                              <p:pRg st="0" end="0"/>
+                                            </p:txEl>
+                                          </p:spTgt>
+                                        </p:tgtEl>
+                                      </p:cBhvr>
+                                    </p:animEffect>
+                                  </p:childTnLst>
+                                </p:cTn>
+                              </p:par>
+                            </p:childTnLst>
+                          </p:cTn>
+                        </p:par>
+                      </p:childTnLst>
+                    </p:cTn>
+                  </p:par>
+                  <p:par>
+                    <p:cTn id="8" fill="hold">
+                      <p:stCondLst>
+                        <p:cond delay="indefinite"/>
+                      </p:stCondLst>
+                      <p:childTnLst>
+                        <p:par>
+                          <p:cTn id="9" fill="hold">
+                            <p:stCondLst>
+                              <p:cond delay="0"/>
+                            </p:stCondLst>
+                            <p:childTnLst>
+                              <p:par>
+                                <p:cTn id="10" presetID="10" presetClass="entr" presetSubtype="0" fill="hold" nodeType="clickEffect">
+                                  <p:stCondLst>
+                                    <p:cond delay="0"/>
+                                  </p:stCondLst>
+                                  <p:childTnLst>
+                                    <p:set>
+                                      <p:cBhvr>
+                                        <p:cTn id="11" dur="1" fill="hold">
+                                          <p:stCondLst>
+                                            <p:cond delay="0"/>
+                                          </p:stCondLst>
+                                        </p:cTn>
+                                        <p:tgtEl>
+                                          <p:spTgt spid="3">
+                                            <p:txEl>
+                                              <p:pRg st="1" end="1"/>
+                                            </p:txEl>
+                                          </p:spTgt>
+                                        </p:tgtEl>
+                                        <p:attrNameLst>
+                                          <p:attrName>style.visibility</p:attrName>
+                                        </p:attrNameLst>
+                                      </p:cBhvr>
+                                      <p:to>
+                                        <p:strVal val="visible"/>
+                                      </p:to>
+                                    </p:set>
+                                    <p:animEffect transition="in" filter="fade">
+                                      <p:cBhvr>
+                                        <p:cTn id="12" dur="500"/>
+                                        <p:tgtEl>
+                                          <p:spTgt spid="3">
+                                            <p:txEl>
+                                              <p:pRg st="1" end="1"/>
+                                            </p:txEl>
+                                          </p:spTgt>
+                                        </p:tgtEl>
+                                      </p:cBhvr>
+                                    </p:animEffect>
+                                  </p:childTnLst>
+                                </p:cTn>
+                              </p:par>
+                            </p:childTnLst>
+                          </p:cTn>
+                        </p:par>
+                      </p:childTnLst>
+                    </p:cTn>
+                  </p:par>
+                  <p:par>
+                    <p:cTn id="13" fill="hold">
+                      <p:stCondLst>
+                        <p:cond delay="indefinite"/>
+                      </p:stCondLst>
+                      <p:childTnLst>
+                        <p:par>
+                          <p:cTn id="14" fill="hold">
+                            <p:stCondLst>
+                              <p:cond delay="0"/>
+                            </p:stCondLst>
+                            <p:childTnLst>
+                              <p:par>
+                                <p:cTn id="15" presetID="10" presetClass="entr" presetSubtype="0" fill="hold" nodeType="clickEffect">
+                                  <p:stCondLst>
+                                    <p:cond delay="0"/>
+                                  </p:stCondLst>
+                                  <p:childTnLst>
+                                    <p:set>
+                                      <p:cBhvr>
+                                        <p:cTn id="16" dur="1" fill="hold">
+                                          <p:stCondLst>
+                                            <p:cond delay="0"/>
+                                          </p:stCondLst>
+                                        </p:cTn>
+                                        <p:tgtEl>
+                                          <p:spTgt spid="3">
+                                            <p:txEl>
+                                              <p:pRg st="2" end="2"/>
+                                            </p:txEl>
+                                          </p:spTgt>
+                                        </p:tgtEl>
+                                        <p:attrNameLst>
+                                          <p:attrName>style.visibility</p:attrName>
+                                        </p:attrNameLst>
+                                      </p:cBhvr>
+                                      <p:to>
+                                        <p:strVal val="visible"/>
+                                      </p:to>
+                                    </p:set>
+                                    <p:animEffect transition="in" filter="fade">
+                                      <p:cBhvr>
+                                        <p:cTn id="17" dur="500"/>
+                                        <p:tgtEl>
+                                          <p:spTgt spid="3">
+                                            <p:txEl>
+                                              <p:pRg st="2" end="2"/>
+                                            </p:txEl>
+                                          </p:spTgt>
+                                        </p:tgtEl>
+                                      </p:cBhvr>
+                                    </p:animEffect>
+                                  </p:childTnLst>
+                                </p:cTn>
+                              </p:par>
+                            </p:childTnLst>
+                          </p:cTn>
+                        </p:par>
+                      </p:childTnLst>
+                    </p:cTn>
+                  </p:par>
+                  <p:par>
+                    <p:cTn id="18" fill="hold">
+                      <p:stCondLst>
+                        <p:cond delay="indefinite"/>
+                      </p:stCondLst>
+                      <p:childTnLst>
+                        <p:par>
+                          <p:cTn id="19" fill="hold">
+                            <p:stCondLst>
+                              <p:cond delay="0"/>
+                            </p:stCondLst>
+                            <p:childTnLst>
+                              <p:par>
+                                <p:cTn id="20" presetID="10" presetClass="entr" presetSubtype="0" fill="hold" nodeType="clickEffect">
+                                  <p:stCondLst>
+                                    <p:cond delay="0"/>
+                                  </p:stCondLst>
+                                  <p:childTnLst>
+                                    <p:set>
+                                      <p:cBhvr>
+                                        <p:cTn id="21" dur="1" fill="hold">
+                                          <p:stCondLst>
+                                            <p:cond delay="0"/>
+                                          </p:stCondLst>
+                                        </p:cTn>
+                                        <p:tgtEl>
+                                          <p:spTgt spid="3">
+                                            <p:txEl>
+                                              <p:pRg st="3" end="3"/>
+                                            </p:txEl>
+                                          </p:spTgt>
+                                        </p:tgtEl>
+                                        <p:attrNameLst>
+                                          <p:attrName>style.visibility</p:attrName>
+                                        </p:attrNameLst>
+                                      </p:cBhvr>
+                                      <p:to>
+                                        <p:strVal val="visible"/>
+                                      </p:to>
+                                    </p:set>
+                                    <p:animEffect transition="in" filter="fade">
+                                      <p:cBhvr>
+                                        <p:cTn id="22" dur="500"/>
+                                        <p:tgtEl>
+                                          <p:spTgt spid="3">
+                                            <p:txEl>
+                                              <p:pRg st="3" end="3"/>
+                                            </p:txEl>
+                                          </p:spTgt>
+                                        </p:tgtEl>
+                                      </p:cBhvr>
+                                    </p:animEffect>
+                                  </p:childTnLst>
+                                </p:cTn>
+                              </p:par>
+                            </p:childTnLst>
+                          </p:cTn>
+                        </p:par>
+                      </p:childTnLst>
+                    </p:cTn>
+                  </p:par>
+                </p:childTnLst>
+              </p:cTn>
+              <p:prevCondLst>
+                <p:cond evt="onPrev" delay="0">
+                  <p:tgtEl>
+                    <p:sldTgt/>
+                  </p:tgtEl>
+                </p:cond>
+              </p:prevCondLst>
+              <p:nextCondLst>
+                <p:cond evt="onNext" delay="0">
+                  <p:tgtEl>
+                    <p:sldTgt/>
+                  </p:tgtEl>
+                </p:cond>
+              </p:nextCondLst>
+            </p:seq>
+          </p:childTnLst>
+        </p:cTn>
+      </p:par>
+    </p:tnLst>
+  </p:timing>
+</p:sld>
+</file>
+
+<file path=ppt/slides/slide12.xml><?xml version="1.0" encoding="utf-8"?>
 <p:sld xmlns:a="http://schemas.openxmlformats.org/drawingml/2006/main" xmlns:r="http://schemas.openxmlformats.org/officeDocument/2006/relationships" xmlns:p="http://schemas.openxmlformats.org/presentationml/2006/main">
   <p:cSld>
     <p:spTree>
@@ -3822,6 +4459,18 @@
   <p:clrMapOvr>
     <a:masterClrMapping/>
   </p:clrMapOvr>
+  <mc:AlternateContent xmlns:mc="http://schemas.openxmlformats.org/markup-compatibility/2006">
+    <mc:Choice xmlns:p14="http://schemas.microsoft.com/office/powerpoint/2010/main" Requires="p14">
+      <p:transition spd="slow" p14:dur="1200">
+        <p14:prism/>
+      </p:transition>
+    </mc:Choice>
+    <mc:Fallback>
+      <p:transition spd="slow">
+        <p:fade/>
+      </p:transition>
+    </mc:Fallback>
+  </mc:AlternateContent>
   <p:timing>
     <p:tnLst>
       <p:par>
@@ -3979,6 +4628,18 @@
   <p:clrMapOvr>
     <a:masterClrMapping/>
   </p:clrMapOvr>
+  <mc:AlternateContent xmlns:mc="http://schemas.openxmlformats.org/markup-compatibility/2006">
+    <mc:Choice xmlns:p14="http://schemas.microsoft.com/office/powerpoint/2010/main" Requires="p14">
+      <p:transition spd="slow" p14:dur="1200">
+        <p14:prism/>
+      </p:transition>
+    </mc:Choice>
+    <mc:Fallback>
+      <p:transition spd="slow">
+        <p:fade/>
+      </p:transition>
+    </mc:Fallback>
+  </mc:AlternateContent>
   <p:timing>
     <p:tnLst>
       <p:par>
@@ -4655,6 +5316,18 @@
   <p:clrMapOvr>
     <a:masterClrMapping/>
   </p:clrMapOvr>
+  <mc:AlternateContent xmlns:mc="http://schemas.openxmlformats.org/markup-compatibility/2006">
+    <mc:Choice xmlns:p14="http://schemas.microsoft.com/office/powerpoint/2010/main" Requires="p14">
+      <p:transition spd="slow" p14:dur="1200">
+        <p14:prism/>
+      </p:transition>
+    </mc:Choice>
+    <mc:Fallback>
+      <p:transition spd="slow">
+        <p:fade/>
+      </p:transition>
+    </mc:Fallback>
+  </mc:AlternateContent>
   <p:timing>
     <p:tnLst>
       <p:par>
@@ -4737,7 +5410,7 @@
         </p:blipFill>
         <p:spPr bwMode="auto">
           <a:xfrm>
-            <a:off x="2411760" y="1916832"/>
+            <a:off x="2411760" y="2204864"/>
             <a:ext cx="5080000" cy="3810000"/>
           </a:xfrm>
           <a:prstGeom prst="rect">
@@ -4765,6 +5438,18 @@
   <p:clrMapOvr>
     <a:masterClrMapping/>
   </p:clrMapOvr>
+  <mc:AlternateContent xmlns:mc="http://schemas.openxmlformats.org/markup-compatibility/2006">
+    <mc:Choice xmlns:p14="http://schemas.microsoft.com/office/powerpoint/2010/main" Requires="p14">
+      <p:transition spd="slow" p14:dur="1200">
+        <p14:prism/>
+      </p:transition>
+    </mc:Choice>
+    <mc:Fallback>
+      <p:transition spd="slow">
+        <p:fade/>
+      </p:transition>
+    </mc:Fallback>
+  </mc:AlternateContent>
   <p:timing>
     <p:tnLst>
       <p:par>
@@ -4842,10 +5527,6 @@
             <a:pPr marL="0" indent="0">
               <a:buNone/>
             </a:pPr>
-            <a:r>
-              <a:rPr lang="fr-CH" dirty="0" smtClean="0"/>
-              <a:t>Expliquer…</a:t>
-            </a:r>
             <a:endParaRPr lang="fr-CH" dirty="0"/>
           </a:p>
         </p:txBody>
@@ -4860,6 +5541,18 @@
   <p:clrMapOvr>
     <a:masterClrMapping/>
   </p:clrMapOvr>
+  <mc:AlternateContent xmlns:mc="http://schemas.openxmlformats.org/markup-compatibility/2006">
+    <mc:Choice xmlns:p14="http://schemas.microsoft.com/office/powerpoint/2010/main" Requires="p14">
+      <p:transition spd="slow" p14:dur="1200">
+        <p14:prism/>
+      </p:transition>
+    </mc:Choice>
+    <mc:Fallback>
+      <p:transition spd="slow">
+        <p:fade/>
+      </p:transition>
+    </mc:Fallback>
+  </mc:AlternateContent>
   <p:timing>
     <p:tnLst>
       <p:par>
@@ -5035,6 +5728,164 @@
           </a:extLst>
         </p:spPr>
       </p:pic>
+      <p:pic>
+        <p:nvPicPr>
+          <p:cNvPr id="2050" name="Picture 2" descr="D:\HEIG-VD\Semestre 5\AMT - Applications multi-tiers\Teaching-HEIGVD-AMT-2015-Project\report\pictures\picturesPartie3\Async5User.PNG"/>
+          <p:cNvPicPr>
+            <a:picLocks noChangeAspect="1" noChangeArrowheads="1"/>
+          </p:cNvPicPr>
+          <p:nvPr/>
+        </p:nvPicPr>
+        <p:blipFill>
+          <a:blip r:embed="rId3">
+            <a:extLst>
+              <a:ext uri="{28A0092B-C50C-407E-A947-70E740481C1C}">
+                <a14:useLocalDpi xmlns:a14="http://schemas.microsoft.com/office/drawing/2010/main" val="0"/>
+              </a:ext>
+            </a:extLst>
+          </a:blip>
+          <a:srcRect/>
+          <a:stretch>
+            <a:fillRect/>
+          </a:stretch>
+        </p:blipFill>
+        <p:spPr bwMode="auto">
+          <a:xfrm>
+            <a:off x="-20550" y="3068960"/>
+            <a:ext cx="9040813" cy="3754760"/>
+          </a:xfrm>
+          <a:prstGeom prst="rect">
+            <a:avLst/>
+          </a:prstGeom>
+          <a:noFill/>
+          <a:extLst>
+            <a:ext uri="{909E8E84-426E-40DD-AFC4-6F175D3DCCD1}">
+              <a14:hiddenFill xmlns:a14="http://schemas.microsoft.com/office/drawing/2010/main">
+                <a:solidFill>
+                  <a:srgbClr val="FFFFFF"/>
+                </a:solidFill>
+              </a14:hiddenFill>
+            </a:ext>
+          </a:extLst>
+        </p:spPr>
+      </p:pic>
+      <p:pic>
+        <p:nvPicPr>
+          <p:cNvPr id="2051" name="Picture 3" descr="D:\HEIG-VD\Semestre 5\AMT - Applications multi-tiers\Teaching-HEIGVD-AMT-2015-Project\report\pictures\picturesPartie3\Sync5user.PNG"/>
+          <p:cNvPicPr>
+            <a:picLocks noChangeAspect="1" noChangeArrowheads="1"/>
+          </p:cNvPicPr>
+          <p:nvPr/>
+        </p:nvPicPr>
+        <p:blipFill>
+          <a:blip r:embed="rId4">
+            <a:extLst>
+              <a:ext uri="{28A0092B-C50C-407E-A947-70E740481C1C}">
+                <a14:useLocalDpi xmlns:a14="http://schemas.microsoft.com/office/drawing/2010/main" val="0"/>
+              </a:ext>
+            </a:extLst>
+          </a:blip>
+          <a:srcRect/>
+          <a:stretch>
+            <a:fillRect/>
+          </a:stretch>
+        </p:blipFill>
+        <p:spPr bwMode="auto">
+          <a:xfrm>
+            <a:off x="-39600" y="0"/>
+            <a:ext cx="9183600" cy="3428999"/>
+          </a:xfrm>
+          <a:prstGeom prst="rect">
+            <a:avLst/>
+          </a:prstGeom>
+          <a:noFill/>
+          <a:extLst>
+            <a:ext uri="{909E8E84-426E-40DD-AFC4-6F175D3DCCD1}">
+              <a14:hiddenFill xmlns:a14="http://schemas.microsoft.com/office/drawing/2010/main">
+                <a:solidFill>
+                  <a:srgbClr val="FFFFFF"/>
+                </a:solidFill>
+              </a14:hiddenFill>
+            </a:ext>
+          </a:extLst>
+        </p:spPr>
+      </p:pic>
+      <p:sp>
+        <p:nvSpPr>
+          <p:cNvPr id="4" name="ZoneTexte 3"/>
+          <p:cNvSpPr txBox="1"/>
+          <p:nvPr/>
+        </p:nvSpPr>
+        <p:spPr>
+          <a:xfrm>
+            <a:off x="7020272" y="379653"/>
+            <a:ext cx="1856086" cy="553998"/>
+          </a:xfrm>
+          <a:prstGeom prst="rect">
+            <a:avLst/>
+          </a:prstGeom>
+          <a:noFill/>
+        </p:spPr>
+        <p:txBody>
+          <a:bodyPr wrap="none" rtlCol="0">
+            <a:spAutoFit/>
+          </a:bodyPr>
+          <a:lstStyle/>
+          <a:p>
+            <a:r>
+              <a:rPr lang="fr-CH" sz="3000" b="1" dirty="0" smtClean="0">
+                <a:solidFill>
+                  <a:srgbClr val="FF0000"/>
+                </a:solidFill>
+              </a:rPr>
+              <a:t>Synchrone</a:t>
+            </a:r>
+            <a:endParaRPr lang="fr-CH" sz="3000" b="1" dirty="0">
+              <a:solidFill>
+                <a:srgbClr val="FF0000"/>
+              </a:solidFill>
+            </a:endParaRPr>
+          </a:p>
+        </p:txBody>
+      </p:sp>
+      <p:sp>
+        <p:nvSpPr>
+          <p:cNvPr id="8" name="ZoneTexte 7"/>
+          <p:cNvSpPr txBox="1"/>
+          <p:nvPr/>
+        </p:nvSpPr>
+        <p:spPr>
+          <a:xfrm>
+            <a:off x="6815473" y="3573016"/>
+            <a:ext cx="2060885" cy="553998"/>
+          </a:xfrm>
+          <a:prstGeom prst="rect">
+            <a:avLst/>
+          </a:prstGeom>
+          <a:noFill/>
+        </p:spPr>
+        <p:txBody>
+          <a:bodyPr wrap="none" rtlCol="0">
+            <a:spAutoFit/>
+          </a:bodyPr>
+          <a:lstStyle/>
+          <a:p>
+            <a:r>
+              <a:rPr lang="fr-CH" sz="3000" b="1" dirty="0" smtClean="0">
+                <a:solidFill>
+                  <a:srgbClr val="00B050"/>
+                </a:solidFill>
+              </a:rPr>
+              <a:t>Asynchrone</a:t>
+            </a:r>
+            <a:endParaRPr lang="fr-CH" sz="3000" b="1" dirty="0">
+              <a:solidFill>
+                <a:srgbClr val="00B050"/>
+              </a:solidFill>
+            </a:endParaRPr>
+          </a:p>
+        </p:txBody>
+      </p:sp>
     </p:spTree>
     <p:extLst>
       <p:ext uri="{BB962C8B-B14F-4D97-AF65-F5344CB8AC3E}">
@@ -5045,6 +5896,18 @@
   <p:clrMapOvr>
     <a:masterClrMapping/>
   </p:clrMapOvr>
+  <mc:AlternateContent xmlns:mc="http://schemas.openxmlformats.org/markup-compatibility/2006">
+    <mc:Choice xmlns:p14="http://schemas.microsoft.com/office/powerpoint/2010/main" Requires="p14">
+      <p:transition spd="slow" p14:dur="1200">
+        <p14:prism/>
+      </p:transition>
+    </mc:Choice>
+    <mc:Fallback>
+      <p:transition spd="slow">
+        <p:fade/>
+      </p:transition>
+    </mc:Fallback>
+  </mc:AlternateContent>
   <p:timing>
     <p:tnLst>
       <p:par>
@@ -5289,6 +6152,164 @@
                       </p:childTnLst>
                     </p:cTn>
                   </p:par>
+                  <p:par>
+                    <p:cTn id="23" fill="hold">
+                      <p:stCondLst>
+                        <p:cond delay="indefinite"/>
+                      </p:stCondLst>
+                      <p:childTnLst>
+                        <p:par>
+                          <p:cTn id="24" fill="hold">
+                            <p:stCondLst>
+                              <p:cond delay="0"/>
+                            </p:stCondLst>
+                            <p:childTnLst>
+                              <p:par>
+                                <p:cTn id="25" presetID="10" presetClass="entr" presetSubtype="0" fill="hold" grpId="0" nodeType="clickEffect">
+                                  <p:stCondLst>
+                                    <p:cond delay="0"/>
+                                  </p:stCondLst>
+                                  <p:childTnLst>
+                                    <p:set>
+                                      <p:cBhvr>
+                                        <p:cTn id="26" dur="1" fill="hold">
+                                          <p:stCondLst>
+                                            <p:cond delay="0"/>
+                                          </p:stCondLst>
+                                        </p:cTn>
+                                        <p:tgtEl>
+                                          <p:spTgt spid="4"/>
+                                        </p:tgtEl>
+                                        <p:attrNameLst>
+                                          <p:attrName>style.visibility</p:attrName>
+                                        </p:attrNameLst>
+                                      </p:cBhvr>
+                                      <p:to>
+                                        <p:strVal val="visible"/>
+                                      </p:to>
+                                    </p:set>
+                                    <p:animEffect transition="in" filter="fade">
+                                      <p:cBhvr>
+                                        <p:cTn id="27" dur="500"/>
+                                        <p:tgtEl>
+                                          <p:spTgt spid="4"/>
+                                        </p:tgtEl>
+                                      </p:cBhvr>
+                                    </p:animEffect>
+                                  </p:childTnLst>
+                                </p:cTn>
+                              </p:par>
+                              <p:par>
+                                <p:cTn id="28" presetID="10" presetClass="entr" presetSubtype="0" fill="hold" nodeType="withEffect">
+                                  <p:stCondLst>
+                                    <p:cond delay="0"/>
+                                  </p:stCondLst>
+                                  <p:childTnLst>
+                                    <p:set>
+                                      <p:cBhvr>
+                                        <p:cTn id="29" dur="1" fill="hold">
+                                          <p:stCondLst>
+                                            <p:cond delay="0"/>
+                                          </p:stCondLst>
+                                        </p:cTn>
+                                        <p:tgtEl>
+                                          <p:spTgt spid="2051"/>
+                                        </p:tgtEl>
+                                        <p:attrNameLst>
+                                          <p:attrName>style.visibility</p:attrName>
+                                        </p:attrNameLst>
+                                      </p:cBhvr>
+                                      <p:to>
+                                        <p:strVal val="visible"/>
+                                      </p:to>
+                                    </p:set>
+                                    <p:animEffect transition="in" filter="fade">
+                                      <p:cBhvr>
+                                        <p:cTn id="30" dur="500"/>
+                                        <p:tgtEl>
+                                          <p:spTgt spid="2051"/>
+                                        </p:tgtEl>
+                                      </p:cBhvr>
+                                    </p:animEffect>
+                                  </p:childTnLst>
+                                </p:cTn>
+                              </p:par>
+                              <p:par>
+                                <p:cTn id="31" presetID="10" presetClass="entr" presetSubtype="0" fill="hold" nodeType="withEffect">
+                                  <p:stCondLst>
+                                    <p:cond delay="0"/>
+                                  </p:stCondLst>
+                                  <p:childTnLst>
+                                    <p:set>
+                                      <p:cBhvr>
+                                        <p:cTn id="32" dur="1" fill="hold">
+                                          <p:stCondLst>
+                                            <p:cond delay="0"/>
+                                          </p:stCondLst>
+                                        </p:cTn>
+                                        <p:tgtEl>
+                                          <p:spTgt spid="2050"/>
+                                        </p:tgtEl>
+                                        <p:attrNameLst>
+                                          <p:attrName>style.visibility</p:attrName>
+                                        </p:attrNameLst>
+                                      </p:cBhvr>
+                                      <p:to>
+                                        <p:strVal val="visible"/>
+                                      </p:to>
+                                    </p:set>
+                                    <p:animEffect transition="in" filter="fade">
+                                      <p:cBhvr>
+                                        <p:cTn id="33" dur="500"/>
+                                        <p:tgtEl>
+                                          <p:spTgt spid="2050"/>
+                                        </p:tgtEl>
+                                      </p:cBhvr>
+                                    </p:animEffect>
+                                  </p:childTnLst>
+                                </p:cTn>
+                              </p:par>
+                              <p:par>
+                                <p:cTn id="34" presetID="10" presetClass="entr" presetSubtype="0" fill="hold" grpId="0" nodeType="withEffect">
+                                  <p:stCondLst>
+                                    <p:cond delay="0"/>
+                                  </p:stCondLst>
+                                  <p:childTnLst>
+                                    <p:set>
+                                      <p:cBhvr>
+                                        <p:cTn id="35" dur="1" fill="hold">
+                                          <p:stCondLst>
+                                            <p:cond delay="0"/>
+                                          </p:stCondLst>
+                                        </p:cTn>
+                                        <p:tgtEl>
+                                          <p:spTgt spid="8"/>
+                                        </p:tgtEl>
+                                        <p:attrNameLst>
+                                          <p:attrName>style.visibility</p:attrName>
+                                        </p:attrNameLst>
+                                      </p:cBhvr>
+                                      <p:to>
+                                        <p:strVal val="visible"/>
+                                      </p:to>
+                                    </p:set>
+                                    <p:animEffect transition="in" filter="fade">
+                                      <p:cBhvr>
+                                        <p:cTn id="36" dur="500"/>
+                                        <p:tgtEl>
+                                          <p:spTgt spid="8"/>
+                                        </p:tgtEl>
+                                      </p:cBhvr>
+                                    </p:animEffect>
+                                  </p:childTnLst>
+                                </p:cTn>
+                              </p:par>
+                            </p:childTnLst>
+                          </p:cTn>
+                        </p:par>
+                      </p:childTnLst>
+                    </p:cTn>
+                  </p:par>
                 </p:childTnLst>
               </p:cTn>
               <p:prevCondLst>
@@ -5310,6 +6331,10 @@
         </p:cTn>
       </p:par>
     </p:tnLst>
+    <p:bldLst>
+      <p:bldP spid="4" grpId="0"/>
+      <p:bldP spid="8" grpId="0"/>
+    </p:bldLst>
   </p:timing>
 </p:sld>
 </file>
@@ -5384,9 +6409,22 @@
           </a:bodyPr>
           <a:lstStyle/>
           <a:p>
+            <a:pPr marL="0" indent="0">
+              <a:buNone/>
+            </a:pPr>
+            <a:r>
+              <a:rPr lang="fr-CH" dirty="0" smtClean="0">
+                <a:sym typeface="Wingdings" panose="05000000000000000000" pitchFamily="2" charset="2"/>
+              </a:rPr>
+              <a:t>    </a:t>
+            </a:r>
             <a:r>
               <a:rPr lang="fr-CH" dirty="0" smtClean="0"/>
-              <a:t>Lors de la réception d’événement</a:t>
+              <a:t>Lors </a:t>
+            </a:r>
+            <a:r>
+              <a:rPr lang="fr-CH" dirty="0" smtClean="0"/>
+              <a:t>de la réception d’événement</a:t>
             </a:r>
           </a:p>
           <a:p>
@@ -5399,11 +6437,23 @@
             </a:r>
             <a:r>
               <a:rPr lang="fr-CH" b="1" dirty="0" smtClean="0"/>
-              <a:t>verrouillage pessimiste</a:t>
+              <a:t>verrouillage </a:t>
+            </a:r>
+            <a:r>
+              <a:rPr lang="fr-CH" b="1" dirty="0" smtClean="0"/>
+              <a:t>pessimiste de l’applicatio</a:t>
+            </a:r>
+            <a:r>
+              <a:rPr lang="fr-CH" b="1" dirty="0" smtClean="0"/>
+              <a:t>n concernée</a:t>
             </a:r>
             <a:r>
               <a:rPr lang="fr-CH" dirty="0" smtClean="0"/>
-              <a:t>) à chaque réception d’événement</a:t>
+              <a:t>) </a:t>
+            </a:r>
+            <a:r>
+              <a:rPr lang="fr-CH" dirty="0" smtClean="0"/>
+              <a:t>à chaque réception d’événement</a:t>
             </a:r>
           </a:p>
           <a:p>
@@ -5496,6 +6546,18 @@
   <p:clrMapOvr>
     <a:masterClrMapping/>
   </p:clrMapOvr>
+  <mc:AlternateContent xmlns:mc="http://schemas.openxmlformats.org/markup-compatibility/2006">
+    <mc:Choice xmlns:p14="http://schemas.microsoft.com/office/powerpoint/2010/main" Requires="p14">
+      <p:transition spd="slow" p14:dur="1200">
+        <p14:prism/>
+      </p:transition>
+    </mc:Choice>
+    <mc:Fallback>
+      <p:transition spd="slow">
+        <p:fade/>
+      </p:transition>
+    </mc:Fallback>
+  </mc:AlternateContent>
   <p:timing>
     <p:tnLst>
       <p:par>
@@ -5909,7 +6971,7 @@
           <a:p>
             <a:r>
               <a:rPr lang="fr-CH" dirty="0" smtClean="0"/>
-              <a:t>Expliquer fonctionnement…</a:t>
+              <a:t>Expliquer…</a:t>
             </a:r>
             <a:endParaRPr lang="fr-CH" dirty="0"/>
           </a:p>
@@ -5925,6 +6987,18 @@
   <p:clrMapOvr>
     <a:masterClrMapping/>
   </p:clrMapOvr>
+  <mc:AlternateContent xmlns:mc="http://schemas.openxmlformats.org/markup-compatibility/2006">
+    <mc:Choice xmlns:p14="http://schemas.microsoft.com/office/powerpoint/2010/main" Requires="p14">
+      <p:transition spd="slow" p14:dur="1200">
+        <p14:prism/>
+      </p:transition>
+    </mc:Choice>
+    <mc:Fallback>
+      <p:transition spd="slow">
+        <p:fade/>
+      </p:transition>
+    </mc:Fallback>
+  </mc:AlternateContent>
   <p:timing>
     <p:tnLst>
       <p:par>
@@ -5994,6 +7068,67 @@
                       </p:childTnLst>
                     </p:cTn>
                   </p:par>
+                  <p:par>
+                    <p:cTn id="8" fill="hold">
+                      <p:stCondLst>
+                        <p:cond delay="indefinite"/>
+                      </p:stCondLst>
+                      <p:childTnLst>
+                        <p:par>
+                          <p:cTn id="9" fill="hold">
+                            <p:stCondLst>
+                              <p:cond delay="0"/>
+                            </p:stCondLst>
+                            <p:childTnLst>
+                              <p:par>
+                                <p:cTn id="10" presetID="10" presetClass="entr" presetSubtype="0" fill="hold" nodeType="clickEffect">
+                                  <p:stCondLst>
+                                    <p:cond delay="0"/>
+                                  </p:stCondLst>
+                                  <p:childTnLst>
+                                    <p:set>
+                                      <p:cBhvr>
+                                        <p:cTn id="11" dur="1" fill="hold">
+                                          <p:stCondLst>
+                                            <p:cond delay="0"/>
+                                          </p:stCondLst>
+                                        </p:cTn>
+                                        <p:tgtEl>
+                                          <p:spTgt spid="3">
+                                            <p:txEl>
+                                              <p:pRg st="2" end="2"/>
+                                            </p:txEl>
+                                          </p:spTgt>
+                                        </p:tgtEl>
+                                        <p:attrNameLst>
+                                          <p:attrName>style.visibility</p:attrName>
+                                        </p:attrNameLst>
+                                      </p:cBhvr>
+                                      <p:to>
+                                        <p:strVal val="visible"/>
+                                      </p:to>
+                                    </p:set>
+                                    <p:animEffect transition="in" filter="fade">
+                                      <p:cBhvr>
+                                        <p:cTn id="12" dur="500"/>
+                                        <p:tgtEl>
+                                          <p:spTgt spid="3">
+                                            <p:txEl>
+                                              <p:pRg st="2" end="2"/>
+                                            </p:txEl>
+                                          </p:spTgt>
+                                        </p:tgtEl>
+                                      </p:cBhvr>
+                                    </p:animEffect>
+                                  </p:childTnLst>
+                                </p:cTn>
+                              </p:par>
+                            </p:childTnLst>
+                          </p:cTn>
+                        </p:par>
+                      </p:childTnLst>
+                    </p:cTn>
+                  </p:par>
                 </p:childTnLst>
               </p:cTn>
               <p:prevCondLst>
@@ -6048,56 +7183,403 @@
         </p:nvSpPr>
         <p:spPr/>
         <p:txBody>
-          <a:bodyPr/>
+          <a:bodyPr>
+            <a:normAutofit fontScale="90000"/>
+          </a:bodyPr>
           <a:lstStyle/>
           <a:p>
             <a:r>
+              <a:rPr lang="fr-CH" dirty="0" smtClean="0"/>
+              <a:t>Phase 3</a:t>
+            </a:r>
+            <a:br>
+              <a:rPr lang="fr-CH" dirty="0" smtClean="0"/>
+            </a:br>
+            <a:r>
               <a:rPr lang="fr-CH" b="1" dirty="0" smtClean="0"/>
-              <a:t>Améliorations possibles futures</a:t>
+              <a:t>Sans cache VS Avec cache (Synchrone)</a:t>
             </a:r>
             <a:endParaRPr lang="fr-CH" b="1" dirty="0"/>
           </a:p>
         </p:txBody>
       </p:sp>
-      <p:sp>
-        <p:nvSpPr>
-          <p:cNvPr id="3" name="Espace réservé du contenu 2"/>
-          <p:cNvSpPr>
-            <a:spLocks noGrp="1"/>
-          </p:cNvSpPr>
-          <p:nvPr>
-            <p:ph idx="1"/>
-          </p:nvPr>
-        </p:nvSpPr>
-        <p:spPr/>
-        <p:txBody>
-          <a:bodyPr/>
+      <p:pic>
+        <p:nvPicPr>
+          <p:cNvPr id="1026" name="Picture 2" descr="D:\HEIG-VD\Semestre 5\AMT - Applications multi-tiers\Teaching-HEIGVD-AMT-2015-Project\report\pictures\picturesPartie3\VersionSansCache\Sync\Pool10.PNG"/>
+          <p:cNvPicPr>
+            <a:picLocks noChangeAspect="1" noChangeArrowheads="1"/>
+          </p:cNvPicPr>
+          <p:nvPr/>
+        </p:nvPicPr>
+        <p:blipFill rotWithShape="1">
+          <a:blip r:embed="rId2">
+            <a:extLst>
+              <a:ext uri="{28A0092B-C50C-407E-A947-70E740481C1C}">
+                <a14:useLocalDpi xmlns:a14="http://schemas.microsoft.com/office/drawing/2010/main" val="0"/>
+              </a:ext>
+            </a:extLst>
+          </a:blip>
+          <a:srcRect l="1172" t="16039" r="6581" b="5486"/>
+          <a:stretch/>
+        </p:blipFill>
+        <p:spPr bwMode="auto">
+          <a:xfrm>
+            <a:off x="23711" y="1988840"/>
+            <a:ext cx="8796761" cy="4032448"/>
+          </a:xfrm>
+          <a:prstGeom prst="rect">
+            <a:avLst/>
+          </a:prstGeom>
+          <a:noFill/>
+          <a:extLst>
+            <a:ext uri="{909E8E84-426E-40DD-AFC4-6F175D3DCCD1}">
+              <a14:hiddenFill xmlns:a14="http://schemas.microsoft.com/office/drawing/2010/main">
+                <a:solidFill>
+                  <a:srgbClr val="FFFFFF"/>
+                </a:solidFill>
+              </a14:hiddenFill>
+            </a:ext>
+          </a:extLst>
+        </p:spPr>
+      </p:pic>
+      <p:pic>
+        <p:nvPicPr>
+          <p:cNvPr id="1027" name="Picture 3" descr="D:\HEIG-VD\Semestre 5\AMT - Applications multi-tiers\Teaching-HEIGVD-AMT-2015-Project\report\pictures\picturesPartie3\VersionAvecCache\Sync\Pool10.PNG"/>
+          <p:cNvPicPr>
+            <a:picLocks noChangeAspect="1" noChangeArrowheads="1"/>
+          </p:cNvPicPr>
+          <p:nvPr/>
+        </p:nvPicPr>
+        <p:blipFill>
+          <a:blip r:embed="rId3">
+            <a:extLst>
+              <a:ext uri="{28A0092B-C50C-407E-A947-70E740481C1C}">
+                <a14:useLocalDpi xmlns:a14="http://schemas.microsoft.com/office/drawing/2010/main" val="0"/>
+              </a:ext>
+            </a:extLst>
+          </a:blip>
+          <a:srcRect/>
+          <a:stretch>
+            <a:fillRect/>
+          </a:stretch>
+        </p:blipFill>
+        <p:spPr bwMode="auto">
+          <a:xfrm>
+            <a:off x="1358203" y="3212977"/>
+            <a:ext cx="7798048" cy="3672408"/>
+          </a:xfrm>
+          <a:prstGeom prst="rect">
+            <a:avLst/>
+          </a:prstGeom>
+          <a:noFill/>
+          <a:extLst>
+            <a:ext uri="{909E8E84-426E-40DD-AFC4-6F175D3DCCD1}">
+              <a14:hiddenFill xmlns:a14="http://schemas.microsoft.com/office/drawing/2010/main">
+                <a:solidFill>
+                  <a:srgbClr val="FFFFFF"/>
+                </a:solidFill>
+              </a14:hiddenFill>
+            </a:ext>
+          </a:extLst>
+        </p:spPr>
+      </p:pic>
+      <p:sp>
+        <p:nvSpPr>
+          <p:cNvPr id="5" name="ZoneTexte 4"/>
+          <p:cNvSpPr txBox="1"/>
+          <p:nvPr/>
+        </p:nvSpPr>
+        <p:spPr>
+          <a:xfrm>
+            <a:off x="251520" y="1772816"/>
+            <a:ext cx="1326004" cy="769441"/>
+          </a:xfrm>
+          <a:prstGeom prst="rect">
+            <a:avLst/>
+          </a:prstGeom>
+          <a:noFill/>
+        </p:spPr>
+        <p:txBody>
+          <a:bodyPr wrap="none" rtlCol="0">
+            <a:spAutoFit/>
+          </a:bodyPr>
           <a:lstStyle/>
           <a:p>
             <a:r>
-              <a:rPr lang="fr-CH" dirty="0" smtClean="0"/>
-              <a:t>A faire… </a:t>
-            </a:r>
-            <a:endParaRPr lang="fr-CH" dirty="0"/>
+              <a:rPr lang="fr-CH" sz="4400" b="1" dirty="0" smtClean="0">
+                <a:solidFill>
+                  <a:srgbClr val="FF0000"/>
+                </a:solidFill>
+              </a:rPr>
+              <a:t>6400</a:t>
+            </a:r>
+          </a:p>
+        </p:txBody>
+      </p:sp>
+      <p:sp>
+        <p:nvSpPr>
+          <p:cNvPr id="8" name="ZoneTexte 7"/>
+          <p:cNvSpPr txBox="1"/>
+          <p:nvPr/>
+        </p:nvSpPr>
+        <p:spPr>
+          <a:xfrm>
+            <a:off x="1365099" y="2996951"/>
+            <a:ext cx="1326004" cy="769441"/>
+          </a:xfrm>
+          <a:prstGeom prst="rect">
+            <a:avLst/>
+          </a:prstGeom>
+          <a:noFill/>
+        </p:spPr>
+        <p:txBody>
+          <a:bodyPr wrap="none" rtlCol="0">
+            <a:spAutoFit/>
+          </a:bodyPr>
+          <a:lstStyle/>
+          <a:p>
+            <a:r>
+              <a:rPr lang="fr-CH" sz="4400" b="1" dirty="0" smtClean="0">
+                <a:solidFill>
+                  <a:srgbClr val="00B050"/>
+                </a:solidFill>
+              </a:rPr>
+              <a:t>4000</a:t>
+            </a:r>
           </a:p>
         </p:txBody>
       </p:sp>
     </p:spTree>
     <p:extLst>
       <p:ext uri="{BB962C8B-B14F-4D97-AF65-F5344CB8AC3E}">
-        <p14:creationId xmlns:p14="http://schemas.microsoft.com/office/powerpoint/2010/main" val="3858989865"/>
+        <p14:creationId xmlns:p14="http://schemas.microsoft.com/office/powerpoint/2010/main" val="3643684807"/>
       </p:ext>
     </p:extLst>
   </p:cSld>
   <p:clrMapOvr>
     <a:masterClrMapping/>
   </p:clrMapOvr>
+  <mc:AlternateContent xmlns:mc="http://schemas.openxmlformats.org/markup-compatibility/2006">
+    <mc:Choice xmlns:p14="http://schemas.microsoft.com/office/powerpoint/2010/main" Requires="p14">
+      <p:transition spd="slow" p14:dur="1200">
+        <p14:prism/>
+      </p:transition>
+    </mc:Choice>
+    <mc:Fallback>
+      <p:transition spd="slow">
+        <p:fade/>
+      </p:transition>
+    </mc:Fallback>
+  </mc:AlternateContent>
   <p:timing>
     <p:tnLst>
       <p:par>
-        <p:cTn id="1" dur="indefinite" restart="never" nodeType="tmRoot"/>
+        <p:cTn id="1" dur="indefinite" restart="never" nodeType="tmRoot">
+          <p:childTnLst>
+            <p:seq concurrent="1" nextAc="seek">
+              <p:cTn id="2" dur="indefinite" nodeType="mainSeq">
+                <p:childTnLst>
+                  <p:par>
+                    <p:cTn id="3" fill="hold">
+                      <p:stCondLst>
+                        <p:cond delay="indefinite"/>
+                      </p:stCondLst>
+                      <p:childTnLst>
+                        <p:par>
+                          <p:cTn id="4" fill="hold">
+                            <p:stCondLst>
+                              <p:cond delay="0"/>
+                            </p:stCondLst>
+                            <p:childTnLst>
+                              <p:par>
+                                <p:cTn id="5" presetID="10" presetClass="entr" presetSubtype="0" fill="hold" grpId="0" nodeType="clickEffect">
+                                  <p:stCondLst>
+                                    <p:cond delay="0"/>
+                                  </p:stCondLst>
+                                  <p:childTnLst>
+                                    <p:set>
+                                      <p:cBhvr>
+                                        <p:cTn id="6" dur="1" fill="hold">
+                                          <p:stCondLst>
+                                            <p:cond delay="0"/>
+                                          </p:stCondLst>
+                                        </p:cTn>
+                                        <p:tgtEl>
+                                          <p:spTgt spid="5"/>
+                                        </p:tgtEl>
+                                        <p:attrNameLst>
+                                          <p:attrName>style.visibility</p:attrName>
+                                        </p:attrNameLst>
+                                      </p:cBhvr>
+                                      <p:to>
+                                        <p:strVal val="visible"/>
+                                      </p:to>
+                                    </p:set>
+                                    <p:animEffect transition="in" filter="fade">
+                                      <p:cBhvr>
+                                        <p:cTn id="7" dur="500"/>
+                                        <p:tgtEl>
+                                          <p:spTgt spid="5"/>
+                                        </p:tgtEl>
+                                      </p:cBhvr>
+                                    </p:animEffect>
+                                  </p:childTnLst>
+                                </p:cTn>
+                              </p:par>
+                              <p:par>
+                                <p:cTn id="8" presetID="10" presetClass="entr" presetSubtype="0" fill="hold" nodeType="withEffect">
+                                  <p:stCondLst>
+                                    <p:cond delay="0"/>
+                                  </p:stCondLst>
+                                  <p:childTnLst>
+                                    <p:set>
+                                      <p:cBhvr>
+                                        <p:cTn id="9" dur="1" fill="hold">
+                                          <p:stCondLst>
+                                            <p:cond delay="0"/>
+                                          </p:stCondLst>
+                                        </p:cTn>
+                                        <p:tgtEl>
+                                          <p:spTgt spid="1026"/>
+                                        </p:tgtEl>
+                                        <p:attrNameLst>
+                                          <p:attrName>style.visibility</p:attrName>
+                                        </p:attrNameLst>
+                                      </p:cBhvr>
+                                      <p:to>
+                                        <p:strVal val="visible"/>
+                                      </p:to>
+                                    </p:set>
+                                    <p:animEffect transition="in" filter="fade">
+                                      <p:cBhvr>
+                                        <p:cTn id="10" dur="500"/>
+                                        <p:tgtEl>
+                                          <p:spTgt spid="1026"/>
+                                        </p:tgtEl>
+                                      </p:cBhvr>
+                                    </p:animEffect>
+                                  </p:childTnLst>
+                                </p:cTn>
+                              </p:par>
+                            </p:childTnLst>
+                          </p:cTn>
+                        </p:par>
+                      </p:childTnLst>
+                    </p:cTn>
+                  </p:par>
+                  <p:par>
+                    <p:cTn id="11" fill="hold">
+                      <p:stCondLst>
+                        <p:cond delay="indefinite"/>
+                      </p:stCondLst>
+                      <p:childTnLst>
+                        <p:par>
+                          <p:cTn id="12" fill="hold">
+                            <p:stCondLst>
+                              <p:cond delay="0"/>
+                            </p:stCondLst>
+                            <p:childTnLst>
+                              <p:par>
+                                <p:cTn id="13" presetID="10" presetClass="entr" presetSubtype="0" fill="hold" nodeType="clickEffect">
+                                  <p:stCondLst>
+                                    <p:cond delay="0"/>
+                                  </p:stCondLst>
+                                  <p:childTnLst>
+                                    <p:set>
+                                      <p:cBhvr>
+                                        <p:cTn id="14" dur="1" fill="hold">
+                                          <p:stCondLst>
+                                            <p:cond delay="0"/>
+                                          </p:stCondLst>
+                                        </p:cTn>
+                                        <p:tgtEl>
+                                          <p:spTgt spid="1027"/>
+                                        </p:tgtEl>
+                                        <p:attrNameLst>
+                                          <p:attrName>style.visibility</p:attrName>
+                                        </p:attrNameLst>
+                                      </p:cBhvr>
+                                      <p:to>
+                                        <p:strVal val="visible"/>
+                                      </p:to>
+                                    </p:set>
+                                    <p:animEffect transition="in" filter="fade">
+                                      <p:cBhvr>
+                                        <p:cTn id="15" dur="500"/>
+                                        <p:tgtEl>
+                                          <p:spTgt spid="1027"/>
+                                        </p:tgtEl>
+                                      </p:cBhvr>
+                                    </p:animEffect>
+                                  </p:childTnLst>
+                                </p:cTn>
+                              </p:par>
+                              <p:par>
+                                <p:cTn id="16" presetID="10" presetClass="entr" presetSubtype="0" fill="hold" grpId="0" nodeType="withEffect">
+                                  <p:stCondLst>
+                                    <p:cond delay="0"/>
+                                  </p:stCondLst>
+                                  <p:childTnLst>
+                                    <p:set>
+                                      <p:cBhvr>
+                                        <p:cTn id="17" dur="1" fill="hold">
+                                          <p:stCondLst>
+                                            <p:cond delay="0"/>
+                                          </p:stCondLst>
+                                        </p:cTn>
+                                        <p:tgtEl>
+                                          <p:spTgt spid="8"/>
+                                        </p:tgtEl>
+                                        <p:attrNameLst>
+                                          <p:attrName>style.visibility</p:attrName>
+                                        </p:attrNameLst>
+                                      </p:cBhvr>
+                                      <p:to>
+                                        <p:strVal val="visible"/>
+                                      </p:to>
+                                    </p:set>
+                                    <p:animEffect transition="in" filter="fade">
+                                      <p:cBhvr>
+                                        <p:cTn id="18" dur="500"/>
+                                        <p:tgtEl>
+                                          <p:spTgt spid="8"/>
+                                        </p:tgtEl>
+                                      </p:cBhvr>
+                                    </p:animEffect>
+                                  </p:childTnLst>
+                                </p:cTn>
+                              </p:par>
+                            </p:childTnLst>
+                          </p:cTn>
+                        </p:par>
+                      </p:childTnLst>
+                    </p:cTn>
+                  </p:par>
+                </p:childTnLst>
+              </p:cTn>
+              <p:prevCondLst>
+                <p:cond evt="onPrev" delay="0">
+                  <p:tgtEl>
+                    <p:sldTgt/>
+                  </p:tgtEl>
+                </p:cond>
+              </p:prevCondLst>
+              <p:nextCondLst>
+                <p:cond evt="onNext" delay="0">
+                  <p:tgtEl>
+                    <p:sldTgt/>
+                  </p:tgtEl>
+                </p:cond>
+              </p:nextCondLst>
+            </p:seq>
+          </p:childTnLst>
+        </p:cTn>
       </p:par>
     </p:tnLst>
+    <p:bldLst>
+      <p:bldP spid="5" grpId="0"/>
+      <p:bldP spid="8" grpId="0"/>
+    </p:bldLst>
   </p:timing>
 </p:sld>
 </file>

--- a/presentation/presentation.pptx
+++ b/presentation/presentation.pptx
@@ -5,7 +5,7 @@
     <p:sldMasterId id="2147483648" r:id="rId1"/>
   </p:sldMasterIdLst>
   <p:notesMasterIdLst>
-    <p:notesMasterId r:id="rId14"/>
+    <p:notesMasterId r:id="rId15"/>
   </p:notesMasterIdLst>
   <p:sldIdLst>
     <p:sldId id="256" r:id="rId2"/>
@@ -13,13 +13,14 @@
     <p:sldId id="258" r:id="rId4"/>
     <p:sldId id="259" r:id="rId5"/>
     <p:sldId id="260" r:id="rId6"/>
-    <p:sldId id="261" r:id="rId7"/>
-    <p:sldId id="262" r:id="rId8"/>
-    <p:sldId id="263" r:id="rId9"/>
-    <p:sldId id="267" r:id="rId10"/>
-    <p:sldId id="268" r:id="rId11"/>
-    <p:sldId id="265" r:id="rId12"/>
-    <p:sldId id="266" r:id="rId13"/>
+    <p:sldId id="269" r:id="rId7"/>
+    <p:sldId id="261" r:id="rId8"/>
+    <p:sldId id="262" r:id="rId9"/>
+    <p:sldId id="263" r:id="rId10"/>
+    <p:sldId id="267" r:id="rId11"/>
+    <p:sldId id="268" r:id="rId12"/>
+    <p:sldId id="265" r:id="rId13"/>
+    <p:sldId id="266" r:id="rId14"/>
   </p:sldIdLst>
   <p:sldSz cx="9144000" cy="6858000" type="screen4x3"/>
   <p:notesSz cx="6858000" cy="9144000"/>
@@ -203,7 +204,7 @@
           <a:p>
             <a:fld id="{91CD00BB-C703-470A-A795-696BC201BC70}" type="datetimeFigureOut">
               <a:rPr lang="fr-CH" smtClean="0"/>
-              <a:t>21.01.2016</a:t>
+              <a:t>22.01.2016</a:t>
             </a:fld>
             <a:endParaRPr lang="fr-CH"/>
           </a:p>
@@ -515,7 +516,10 @@
           <a:bodyPr/>
           <a:lstStyle/>
           <a:p>
-            <a:endParaRPr lang="fr-CH" dirty="0"/>
+            <a:r>
+              <a:rPr lang="fr-CH" dirty="0" smtClean="0"/>
+              <a:t>RAPHAEL</a:t>
+            </a:r>
           </a:p>
         </p:txBody>
       </p:sp>
@@ -546,6 +550,1063 @@
     <p:extLst>
       <p:ext uri="{BB962C8B-B14F-4D97-AF65-F5344CB8AC3E}">
         <p14:creationId xmlns:p14="http://schemas.microsoft.com/office/powerpoint/2010/main" val="1317214448"/>
+      </p:ext>
+    </p:extLst>
+  </p:cSld>
+  <p:clrMapOvr>
+    <a:masterClrMapping/>
+  </p:clrMapOvr>
+</p:notes>
+</file>
+
+<file path=ppt/notesSlides/notesSlide10.xml><?xml version="1.0" encoding="utf-8"?>
+<p:notes xmlns:a="http://schemas.openxmlformats.org/drawingml/2006/main" xmlns:r="http://schemas.openxmlformats.org/officeDocument/2006/relationships" xmlns:p="http://schemas.openxmlformats.org/presentationml/2006/main">
+  <p:cSld>
+    <p:spTree>
+      <p:nvGrpSpPr>
+        <p:cNvPr id="1" name=""/>
+        <p:cNvGrpSpPr/>
+        <p:nvPr/>
+      </p:nvGrpSpPr>
+      <p:grpSpPr>
+        <a:xfrm>
+          <a:off x="0" y="0"/>
+          <a:ext cx="0" cy="0"/>
+          <a:chOff x="0" y="0"/>
+          <a:chExt cx="0" cy="0"/>
+        </a:xfrm>
+      </p:grpSpPr>
+      <p:sp>
+        <p:nvSpPr>
+          <p:cNvPr id="2" name="Espace réservé de l'image des diapositives 1"/>
+          <p:cNvSpPr>
+            <a:spLocks noGrp="1" noRot="1" noChangeAspect="1"/>
+          </p:cNvSpPr>
+          <p:nvPr>
+            <p:ph type="sldImg"/>
+          </p:nvPr>
+        </p:nvSpPr>
+        <p:spPr/>
+      </p:sp>
+      <p:sp>
+        <p:nvSpPr>
+          <p:cNvPr id="3" name="Espace réservé des commentaires 2"/>
+          <p:cNvSpPr>
+            <a:spLocks noGrp="1"/>
+          </p:cNvSpPr>
+          <p:nvPr>
+            <p:ph type="body" idx="1"/>
+          </p:nvPr>
+        </p:nvSpPr>
+        <p:spPr/>
+        <p:txBody>
+          <a:bodyPr/>
+          <a:lstStyle/>
+          <a:p>
+            <a:r>
+              <a:rPr lang="fr-CH" dirty="0" smtClean="0"/>
+              <a:t>ALEX</a:t>
+            </a:r>
+          </a:p>
+          <a:p>
+            <a:endParaRPr lang="fr-CH" dirty="0"/>
+          </a:p>
+        </p:txBody>
+      </p:sp>
+      <p:sp>
+        <p:nvSpPr>
+          <p:cNvPr id="4" name="Espace réservé du numéro de diapositive 3"/>
+          <p:cNvSpPr>
+            <a:spLocks noGrp="1"/>
+          </p:cNvSpPr>
+          <p:nvPr>
+            <p:ph type="sldNum" sz="quarter" idx="10"/>
+          </p:nvPr>
+        </p:nvSpPr>
+        <p:spPr/>
+        <p:txBody>
+          <a:bodyPr/>
+          <a:lstStyle/>
+          <a:p>
+            <a:fld id="{D6F7544D-4A33-4349-BD60-D2B025AB68C3}" type="slidenum">
+              <a:rPr lang="fr-CH" smtClean="0"/>
+              <a:t>10</a:t>
+            </a:fld>
+            <a:endParaRPr lang="fr-CH"/>
+          </a:p>
+        </p:txBody>
+      </p:sp>
+    </p:spTree>
+    <p:extLst>
+      <p:ext uri="{BB962C8B-B14F-4D97-AF65-F5344CB8AC3E}">
+        <p14:creationId xmlns:p14="http://schemas.microsoft.com/office/powerpoint/2010/main" val="221279232"/>
+      </p:ext>
+    </p:extLst>
+  </p:cSld>
+  <p:clrMapOvr>
+    <a:masterClrMapping/>
+  </p:clrMapOvr>
+</p:notes>
+</file>
+
+<file path=ppt/notesSlides/notesSlide11.xml><?xml version="1.0" encoding="utf-8"?>
+<p:notes xmlns:a="http://schemas.openxmlformats.org/drawingml/2006/main" xmlns:r="http://schemas.openxmlformats.org/officeDocument/2006/relationships" xmlns:p="http://schemas.openxmlformats.org/presentationml/2006/main">
+  <p:cSld>
+    <p:spTree>
+      <p:nvGrpSpPr>
+        <p:cNvPr id="1" name=""/>
+        <p:cNvGrpSpPr/>
+        <p:nvPr/>
+      </p:nvGrpSpPr>
+      <p:grpSpPr>
+        <a:xfrm>
+          <a:off x="0" y="0"/>
+          <a:ext cx="0" cy="0"/>
+          <a:chOff x="0" y="0"/>
+          <a:chExt cx="0" cy="0"/>
+        </a:xfrm>
+      </p:grpSpPr>
+      <p:sp>
+        <p:nvSpPr>
+          <p:cNvPr id="2" name="Espace réservé de l'image des diapositives 1"/>
+          <p:cNvSpPr>
+            <a:spLocks noGrp="1" noRot="1" noChangeAspect="1"/>
+          </p:cNvSpPr>
+          <p:nvPr>
+            <p:ph type="sldImg"/>
+          </p:nvPr>
+        </p:nvSpPr>
+        <p:spPr/>
+      </p:sp>
+      <p:sp>
+        <p:nvSpPr>
+          <p:cNvPr id="3" name="Espace réservé des commentaires 2"/>
+          <p:cNvSpPr>
+            <a:spLocks noGrp="1"/>
+          </p:cNvSpPr>
+          <p:nvPr>
+            <p:ph type="body" idx="1"/>
+          </p:nvPr>
+        </p:nvSpPr>
+        <p:spPr/>
+        <p:txBody>
+          <a:bodyPr/>
+          <a:lstStyle/>
+          <a:p>
+            <a:r>
+              <a:rPr lang="fr-CH" dirty="0" smtClean="0"/>
+              <a:t>VANESSA</a:t>
+            </a:r>
+          </a:p>
+        </p:txBody>
+      </p:sp>
+      <p:sp>
+        <p:nvSpPr>
+          <p:cNvPr id="4" name="Espace réservé du numéro de diapositive 3"/>
+          <p:cNvSpPr>
+            <a:spLocks noGrp="1"/>
+          </p:cNvSpPr>
+          <p:nvPr>
+            <p:ph type="sldNum" sz="quarter" idx="10"/>
+          </p:nvPr>
+        </p:nvSpPr>
+        <p:spPr/>
+        <p:txBody>
+          <a:bodyPr/>
+          <a:lstStyle/>
+          <a:p>
+            <a:fld id="{D6F7544D-4A33-4349-BD60-D2B025AB68C3}" type="slidenum">
+              <a:rPr lang="fr-CH" smtClean="0"/>
+              <a:t>11</a:t>
+            </a:fld>
+            <a:endParaRPr lang="fr-CH"/>
+          </a:p>
+        </p:txBody>
+      </p:sp>
+    </p:spTree>
+    <p:extLst>
+      <p:ext uri="{BB962C8B-B14F-4D97-AF65-F5344CB8AC3E}">
+        <p14:creationId xmlns:p14="http://schemas.microsoft.com/office/powerpoint/2010/main" val="4130058673"/>
+      </p:ext>
+    </p:extLst>
+  </p:cSld>
+  <p:clrMapOvr>
+    <a:masterClrMapping/>
+  </p:clrMapOvr>
+</p:notes>
+</file>
+
+<file path=ppt/notesSlides/notesSlide12.xml><?xml version="1.0" encoding="utf-8"?>
+<p:notes xmlns:a="http://schemas.openxmlformats.org/drawingml/2006/main" xmlns:r="http://schemas.openxmlformats.org/officeDocument/2006/relationships" xmlns:p="http://schemas.openxmlformats.org/presentationml/2006/main">
+  <p:cSld>
+    <p:spTree>
+      <p:nvGrpSpPr>
+        <p:cNvPr id="1" name=""/>
+        <p:cNvGrpSpPr/>
+        <p:nvPr/>
+      </p:nvGrpSpPr>
+      <p:grpSpPr>
+        <a:xfrm>
+          <a:off x="0" y="0"/>
+          <a:ext cx="0" cy="0"/>
+          <a:chOff x="0" y="0"/>
+          <a:chExt cx="0" cy="0"/>
+        </a:xfrm>
+      </p:grpSpPr>
+      <p:sp>
+        <p:nvSpPr>
+          <p:cNvPr id="2" name="Espace réservé de l'image des diapositives 1"/>
+          <p:cNvSpPr>
+            <a:spLocks noGrp="1" noRot="1" noChangeAspect="1"/>
+          </p:cNvSpPr>
+          <p:nvPr>
+            <p:ph type="sldImg"/>
+          </p:nvPr>
+        </p:nvSpPr>
+        <p:spPr/>
+      </p:sp>
+      <p:sp>
+        <p:nvSpPr>
+          <p:cNvPr id="3" name="Espace réservé des commentaires 2"/>
+          <p:cNvSpPr>
+            <a:spLocks noGrp="1"/>
+          </p:cNvSpPr>
+          <p:nvPr>
+            <p:ph type="body" idx="1"/>
+          </p:nvPr>
+        </p:nvSpPr>
+        <p:spPr/>
+        <p:txBody>
+          <a:bodyPr/>
+          <a:lstStyle/>
+          <a:p>
+            <a:r>
+              <a:rPr lang="fr-CH" dirty="0" smtClean="0"/>
+              <a:t>RAPHAEL</a:t>
+            </a:r>
+            <a:endParaRPr lang="fr-CH" dirty="0"/>
+          </a:p>
+        </p:txBody>
+      </p:sp>
+      <p:sp>
+        <p:nvSpPr>
+          <p:cNvPr id="4" name="Espace réservé du numéro de diapositive 3"/>
+          <p:cNvSpPr>
+            <a:spLocks noGrp="1"/>
+          </p:cNvSpPr>
+          <p:nvPr>
+            <p:ph type="sldNum" sz="quarter" idx="10"/>
+          </p:nvPr>
+        </p:nvSpPr>
+        <p:spPr/>
+        <p:txBody>
+          <a:bodyPr/>
+          <a:lstStyle/>
+          <a:p>
+            <a:fld id="{D6F7544D-4A33-4349-BD60-D2B025AB68C3}" type="slidenum">
+              <a:rPr lang="fr-CH" smtClean="0"/>
+              <a:t>12</a:t>
+            </a:fld>
+            <a:endParaRPr lang="fr-CH"/>
+          </a:p>
+        </p:txBody>
+      </p:sp>
+    </p:spTree>
+    <p:extLst>
+      <p:ext uri="{BB962C8B-B14F-4D97-AF65-F5344CB8AC3E}">
+        <p14:creationId xmlns:p14="http://schemas.microsoft.com/office/powerpoint/2010/main" val="3660782404"/>
+      </p:ext>
+    </p:extLst>
+  </p:cSld>
+  <p:clrMapOvr>
+    <a:masterClrMapping/>
+  </p:clrMapOvr>
+</p:notes>
+</file>
+
+<file path=ppt/notesSlides/notesSlide13.xml><?xml version="1.0" encoding="utf-8"?>
+<p:notes xmlns:a="http://schemas.openxmlformats.org/drawingml/2006/main" xmlns:r="http://schemas.openxmlformats.org/officeDocument/2006/relationships" xmlns:p="http://schemas.openxmlformats.org/presentationml/2006/main">
+  <p:cSld>
+    <p:spTree>
+      <p:nvGrpSpPr>
+        <p:cNvPr id="1" name=""/>
+        <p:cNvGrpSpPr/>
+        <p:nvPr/>
+      </p:nvGrpSpPr>
+      <p:grpSpPr>
+        <a:xfrm>
+          <a:off x="0" y="0"/>
+          <a:ext cx="0" cy="0"/>
+          <a:chOff x="0" y="0"/>
+          <a:chExt cx="0" cy="0"/>
+        </a:xfrm>
+      </p:grpSpPr>
+      <p:sp>
+        <p:nvSpPr>
+          <p:cNvPr id="2" name="Espace réservé de l'image des diapositives 1"/>
+          <p:cNvSpPr>
+            <a:spLocks noGrp="1" noRot="1" noChangeAspect="1"/>
+          </p:cNvSpPr>
+          <p:nvPr>
+            <p:ph type="sldImg"/>
+          </p:nvPr>
+        </p:nvSpPr>
+        <p:spPr/>
+      </p:sp>
+      <p:sp>
+        <p:nvSpPr>
+          <p:cNvPr id="3" name="Espace réservé des commentaires 2"/>
+          <p:cNvSpPr>
+            <a:spLocks noGrp="1"/>
+          </p:cNvSpPr>
+          <p:nvPr>
+            <p:ph type="body" idx="1"/>
+          </p:nvPr>
+        </p:nvSpPr>
+        <p:spPr/>
+        <p:txBody>
+          <a:bodyPr/>
+          <a:lstStyle/>
+          <a:p>
+            <a:r>
+              <a:rPr lang="fr-CH" dirty="0" smtClean="0"/>
+              <a:t>RAPHAEL</a:t>
+            </a:r>
+            <a:endParaRPr lang="fr-CH" dirty="0"/>
+          </a:p>
+        </p:txBody>
+      </p:sp>
+      <p:sp>
+        <p:nvSpPr>
+          <p:cNvPr id="4" name="Espace réservé du numéro de diapositive 3"/>
+          <p:cNvSpPr>
+            <a:spLocks noGrp="1"/>
+          </p:cNvSpPr>
+          <p:nvPr>
+            <p:ph type="sldNum" sz="quarter" idx="10"/>
+          </p:nvPr>
+        </p:nvSpPr>
+        <p:spPr/>
+        <p:txBody>
+          <a:bodyPr/>
+          <a:lstStyle/>
+          <a:p>
+            <a:fld id="{D6F7544D-4A33-4349-BD60-D2B025AB68C3}" type="slidenum">
+              <a:rPr lang="fr-CH" smtClean="0"/>
+              <a:t>13</a:t>
+            </a:fld>
+            <a:endParaRPr lang="fr-CH"/>
+          </a:p>
+        </p:txBody>
+      </p:sp>
+    </p:spTree>
+    <p:extLst>
+      <p:ext uri="{BB962C8B-B14F-4D97-AF65-F5344CB8AC3E}">
+        <p14:creationId xmlns:p14="http://schemas.microsoft.com/office/powerpoint/2010/main" val="2545207999"/>
+      </p:ext>
+    </p:extLst>
+  </p:cSld>
+  <p:clrMapOvr>
+    <a:masterClrMapping/>
+  </p:clrMapOvr>
+</p:notes>
+</file>
+
+<file path=ppt/notesSlides/notesSlide2.xml><?xml version="1.0" encoding="utf-8"?>
+<p:notes xmlns:a="http://schemas.openxmlformats.org/drawingml/2006/main" xmlns:r="http://schemas.openxmlformats.org/officeDocument/2006/relationships" xmlns:p="http://schemas.openxmlformats.org/presentationml/2006/main">
+  <p:cSld>
+    <p:spTree>
+      <p:nvGrpSpPr>
+        <p:cNvPr id="1" name=""/>
+        <p:cNvGrpSpPr/>
+        <p:nvPr/>
+      </p:nvGrpSpPr>
+      <p:grpSpPr>
+        <a:xfrm>
+          <a:off x="0" y="0"/>
+          <a:ext cx="0" cy="0"/>
+          <a:chOff x="0" y="0"/>
+          <a:chExt cx="0" cy="0"/>
+        </a:xfrm>
+      </p:grpSpPr>
+      <p:sp>
+        <p:nvSpPr>
+          <p:cNvPr id="2" name="Espace réservé de l'image des diapositives 1"/>
+          <p:cNvSpPr>
+            <a:spLocks noGrp="1" noRot="1" noChangeAspect="1"/>
+          </p:cNvSpPr>
+          <p:nvPr>
+            <p:ph type="sldImg"/>
+          </p:nvPr>
+        </p:nvSpPr>
+        <p:spPr/>
+      </p:sp>
+      <p:sp>
+        <p:nvSpPr>
+          <p:cNvPr id="3" name="Espace réservé des commentaires 2"/>
+          <p:cNvSpPr>
+            <a:spLocks noGrp="1"/>
+          </p:cNvSpPr>
+          <p:nvPr>
+            <p:ph type="body" idx="1"/>
+          </p:nvPr>
+        </p:nvSpPr>
+        <p:spPr/>
+        <p:txBody>
+          <a:bodyPr/>
+          <a:lstStyle/>
+          <a:p>
+            <a:r>
+              <a:rPr lang="fr-CH" dirty="0" smtClean="0"/>
+              <a:t>RAPHAEL</a:t>
+            </a:r>
+          </a:p>
+        </p:txBody>
+      </p:sp>
+      <p:sp>
+        <p:nvSpPr>
+          <p:cNvPr id="4" name="Espace réservé du numéro de diapositive 3"/>
+          <p:cNvSpPr>
+            <a:spLocks noGrp="1"/>
+          </p:cNvSpPr>
+          <p:nvPr>
+            <p:ph type="sldNum" sz="quarter" idx="10"/>
+          </p:nvPr>
+        </p:nvSpPr>
+        <p:spPr/>
+        <p:txBody>
+          <a:bodyPr/>
+          <a:lstStyle/>
+          <a:p>
+            <a:fld id="{D6F7544D-4A33-4349-BD60-D2B025AB68C3}" type="slidenum">
+              <a:rPr lang="fr-CH" smtClean="0"/>
+              <a:t>2</a:t>
+            </a:fld>
+            <a:endParaRPr lang="fr-CH"/>
+          </a:p>
+        </p:txBody>
+      </p:sp>
+    </p:spTree>
+    <p:extLst>
+      <p:ext uri="{BB962C8B-B14F-4D97-AF65-F5344CB8AC3E}">
+        <p14:creationId xmlns:p14="http://schemas.microsoft.com/office/powerpoint/2010/main" val="1617236111"/>
+      </p:ext>
+    </p:extLst>
+  </p:cSld>
+  <p:clrMapOvr>
+    <a:masterClrMapping/>
+  </p:clrMapOvr>
+</p:notes>
+</file>
+
+<file path=ppt/notesSlides/notesSlide3.xml><?xml version="1.0" encoding="utf-8"?>
+<p:notes xmlns:a="http://schemas.openxmlformats.org/drawingml/2006/main" xmlns:r="http://schemas.openxmlformats.org/officeDocument/2006/relationships" xmlns:p="http://schemas.openxmlformats.org/presentationml/2006/main">
+  <p:cSld>
+    <p:spTree>
+      <p:nvGrpSpPr>
+        <p:cNvPr id="1" name=""/>
+        <p:cNvGrpSpPr/>
+        <p:nvPr/>
+      </p:nvGrpSpPr>
+      <p:grpSpPr>
+        <a:xfrm>
+          <a:off x="0" y="0"/>
+          <a:ext cx="0" cy="0"/>
+          <a:chOff x="0" y="0"/>
+          <a:chExt cx="0" cy="0"/>
+        </a:xfrm>
+      </p:grpSpPr>
+      <p:sp>
+        <p:nvSpPr>
+          <p:cNvPr id="2" name="Espace réservé de l'image des diapositives 1"/>
+          <p:cNvSpPr>
+            <a:spLocks noGrp="1" noRot="1" noChangeAspect="1"/>
+          </p:cNvSpPr>
+          <p:nvPr>
+            <p:ph type="sldImg"/>
+          </p:nvPr>
+        </p:nvSpPr>
+        <p:spPr/>
+      </p:sp>
+      <p:sp>
+        <p:nvSpPr>
+          <p:cNvPr id="3" name="Espace réservé des commentaires 2"/>
+          <p:cNvSpPr>
+            <a:spLocks noGrp="1"/>
+          </p:cNvSpPr>
+          <p:nvPr>
+            <p:ph type="body" idx="1"/>
+          </p:nvPr>
+        </p:nvSpPr>
+        <p:spPr/>
+        <p:txBody>
+          <a:bodyPr/>
+          <a:lstStyle/>
+          <a:p>
+            <a:r>
+              <a:rPr lang="fr-CH" dirty="0" smtClean="0"/>
+              <a:t>VANESSA</a:t>
+            </a:r>
+            <a:endParaRPr lang="fr-CH" dirty="0"/>
+          </a:p>
+        </p:txBody>
+      </p:sp>
+      <p:sp>
+        <p:nvSpPr>
+          <p:cNvPr id="4" name="Espace réservé du numéro de diapositive 3"/>
+          <p:cNvSpPr>
+            <a:spLocks noGrp="1"/>
+          </p:cNvSpPr>
+          <p:nvPr>
+            <p:ph type="sldNum" sz="quarter" idx="10"/>
+          </p:nvPr>
+        </p:nvSpPr>
+        <p:spPr/>
+        <p:txBody>
+          <a:bodyPr/>
+          <a:lstStyle/>
+          <a:p>
+            <a:fld id="{D6F7544D-4A33-4349-BD60-D2B025AB68C3}" type="slidenum">
+              <a:rPr lang="fr-CH" smtClean="0"/>
+              <a:t>3</a:t>
+            </a:fld>
+            <a:endParaRPr lang="fr-CH"/>
+          </a:p>
+        </p:txBody>
+      </p:sp>
+    </p:spTree>
+    <p:extLst>
+      <p:ext uri="{BB962C8B-B14F-4D97-AF65-F5344CB8AC3E}">
+        <p14:creationId xmlns:p14="http://schemas.microsoft.com/office/powerpoint/2010/main" val="1583028872"/>
+      </p:ext>
+    </p:extLst>
+  </p:cSld>
+  <p:clrMapOvr>
+    <a:masterClrMapping/>
+  </p:clrMapOvr>
+</p:notes>
+</file>
+
+<file path=ppt/notesSlides/notesSlide4.xml><?xml version="1.0" encoding="utf-8"?>
+<p:notes xmlns:a="http://schemas.openxmlformats.org/drawingml/2006/main" xmlns:r="http://schemas.openxmlformats.org/officeDocument/2006/relationships" xmlns:p="http://schemas.openxmlformats.org/presentationml/2006/main">
+  <p:cSld>
+    <p:spTree>
+      <p:nvGrpSpPr>
+        <p:cNvPr id="1" name=""/>
+        <p:cNvGrpSpPr/>
+        <p:nvPr/>
+      </p:nvGrpSpPr>
+      <p:grpSpPr>
+        <a:xfrm>
+          <a:off x="0" y="0"/>
+          <a:ext cx="0" cy="0"/>
+          <a:chOff x="0" y="0"/>
+          <a:chExt cx="0" cy="0"/>
+        </a:xfrm>
+      </p:grpSpPr>
+      <p:sp>
+        <p:nvSpPr>
+          <p:cNvPr id="2" name="Espace réservé de l'image des diapositives 1"/>
+          <p:cNvSpPr>
+            <a:spLocks noGrp="1" noRot="1" noChangeAspect="1"/>
+          </p:cNvSpPr>
+          <p:nvPr>
+            <p:ph type="sldImg"/>
+          </p:nvPr>
+        </p:nvSpPr>
+        <p:spPr/>
+      </p:sp>
+      <p:sp>
+        <p:nvSpPr>
+          <p:cNvPr id="3" name="Espace réservé des commentaires 2"/>
+          <p:cNvSpPr>
+            <a:spLocks noGrp="1"/>
+          </p:cNvSpPr>
+          <p:nvPr>
+            <p:ph type="body" idx="1"/>
+          </p:nvPr>
+        </p:nvSpPr>
+        <p:spPr/>
+        <p:txBody>
+          <a:bodyPr/>
+          <a:lstStyle/>
+          <a:p>
+            <a:r>
+              <a:rPr lang="fr-CH" dirty="0" smtClean="0"/>
+              <a:t>RAPHAEL</a:t>
+            </a:r>
+            <a:endParaRPr lang="fr-CH" dirty="0"/>
+          </a:p>
+        </p:txBody>
+      </p:sp>
+      <p:sp>
+        <p:nvSpPr>
+          <p:cNvPr id="4" name="Espace réservé du numéro de diapositive 3"/>
+          <p:cNvSpPr>
+            <a:spLocks noGrp="1"/>
+          </p:cNvSpPr>
+          <p:nvPr>
+            <p:ph type="sldNum" sz="quarter" idx="10"/>
+          </p:nvPr>
+        </p:nvSpPr>
+        <p:spPr/>
+        <p:txBody>
+          <a:bodyPr/>
+          <a:lstStyle/>
+          <a:p>
+            <a:fld id="{D6F7544D-4A33-4349-BD60-D2B025AB68C3}" type="slidenum">
+              <a:rPr lang="fr-CH" smtClean="0"/>
+              <a:t>4</a:t>
+            </a:fld>
+            <a:endParaRPr lang="fr-CH"/>
+          </a:p>
+        </p:txBody>
+      </p:sp>
+    </p:spTree>
+    <p:extLst>
+      <p:ext uri="{BB962C8B-B14F-4D97-AF65-F5344CB8AC3E}">
+        <p14:creationId xmlns:p14="http://schemas.microsoft.com/office/powerpoint/2010/main" val="2049256669"/>
+      </p:ext>
+    </p:extLst>
+  </p:cSld>
+  <p:clrMapOvr>
+    <a:masterClrMapping/>
+  </p:clrMapOvr>
+</p:notes>
+</file>
+
+<file path=ppt/notesSlides/notesSlide5.xml><?xml version="1.0" encoding="utf-8"?>
+<p:notes xmlns:a="http://schemas.openxmlformats.org/drawingml/2006/main" xmlns:r="http://schemas.openxmlformats.org/officeDocument/2006/relationships" xmlns:p="http://schemas.openxmlformats.org/presentationml/2006/main">
+  <p:cSld>
+    <p:spTree>
+      <p:nvGrpSpPr>
+        <p:cNvPr id="1" name=""/>
+        <p:cNvGrpSpPr/>
+        <p:nvPr/>
+      </p:nvGrpSpPr>
+      <p:grpSpPr>
+        <a:xfrm>
+          <a:off x="0" y="0"/>
+          <a:ext cx="0" cy="0"/>
+          <a:chOff x="0" y="0"/>
+          <a:chExt cx="0" cy="0"/>
+        </a:xfrm>
+      </p:grpSpPr>
+      <p:sp>
+        <p:nvSpPr>
+          <p:cNvPr id="2" name="Espace réservé de l'image des diapositives 1"/>
+          <p:cNvSpPr>
+            <a:spLocks noGrp="1" noRot="1" noChangeAspect="1"/>
+          </p:cNvSpPr>
+          <p:nvPr>
+            <p:ph type="sldImg"/>
+          </p:nvPr>
+        </p:nvSpPr>
+        <p:spPr/>
+      </p:sp>
+      <p:sp>
+        <p:nvSpPr>
+          <p:cNvPr id="3" name="Espace réservé des commentaires 2"/>
+          <p:cNvSpPr>
+            <a:spLocks noGrp="1"/>
+          </p:cNvSpPr>
+          <p:nvPr>
+            <p:ph type="body" idx="1"/>
+          </p:nvPr>
+        </p:nvSpPr>
+        <p:spPr/>
+        <p:txBody>
+          <a:bodyPr/>
+          <a:lstStyle/>
+          <a:p>
+            <a:r>
+              <a:rPr lang="fr-CH" dirty="0" smtClean="0"/>
+              <a:t>SAMIRA</a:t>
+            </a:r>
+            <a:endParaRPr lang="fr-CH" dirty="0"/>
+          </a:p>
+        </p:txBody>
+      </p:sp>
+      <p:sp>
+        <p:nvSpPr>
+          <p:cNvPr id="4" name="Espace réservé du numéro de diapositive 3"/>
+          <p:cNvSpPr>
+            <a:spLocks noGrp="1"/>
+          </p:cNvSpPr>
+          <p:nvPr>
+            <p:ph type="sldNum" sz="quarter" idx="10"/>
+          </p:nvPr>
+        </p:nvSpPr>
+        <p:spPr/>
+        <p:txBody>
+          <a:bodyPr/>
+          <a:lstStyle/>
+          <a:p>
+            <a:fld id="{D6F7544D-4A33-4349-BD60-D2B025AB68C3}" type="slidenum">
+              <a:rPr lang="fr-CH" smtClean="0"/>
+              <a:t>5</a:t>
+            </a:fld>
+            <a:endParaRPr lang="fr-CH"/>
+          </a:p>
+        </p:txBody>
+      </p:sp>
+    </p:spTree>
+    <p:extLst>
+      <p:ext uri="{BB962C8B-B14F-4D97-AF65-F5344CB8AC3E}">
+        <p14:creationId xmlns:p14="http://schemas.microsoft.com/office/powerpoint/2010/main" val="4055181634"/>
+      </p:ext>
+    </p:extLst>
+  </p:cSld>
+  <p:clrMapOvr>
+    <a:masterClrMapping/>
+  </p:clrMapOvr>
+</p:notes>
+</file>
+
+<file path=ppt/notesSlides/notesSlide6.xml><?xml version="1.0" encoding="utf-8"?>
+<p:notes xmlns:a="http://schemas.openxmlformats.org/drawingml/2006/main" xmlns:r="http://schemas.openxmlformats.org/officeDocument/2006/relationships" xmlns:p="http://schemas.openxmlformats.org/presentationml/2006/main">
+  <p:cSld>
+    <p:spTree>
+      <p:nvGrpSpPr>
+        <p:cNvPr id="1" name=""/>
+        <p:cNvGrpSpPr/>
+        <p:nvPr/>
+      </p:nvGrpSpPr>
+      <p:grpSpPr>
+        <a:xfrm>
+          <a:off x="0" y="0"/>
+          <a:ext cx="0" cy="0"/>
+          <a:chOff x="0" y="0"/>
+          <a:chExt cx="0" cy="0"/>
+        </a:xfrm>
+      </p:grpSpPr>
+      <p:sp>
+        <p:nvSpPr>
+          <p:cNvPr id="2" name="Espace réservé de l'image des diapositives 1"/>
+          <p:cNvSpPr>
+            <a:spLocks noGrp="1" noRot="1" noChangeAspect="1"/>
+          </p:cNvSpPr>
+          <p:nvPr>
+            <p:ph type="sldImg"/>
+          </p:nvPr>
+        </p:nvSpPr>
+        <p:spPr/>
+      </p:sp>
+      <p:sp>
+        <p:nvSpPr>
+          <p:cNvPr id="3" name="Espace réservé des commentaires 2"/>
+          <p:cNvSpPr>
+            <a:spLocks noGrp="1"/>
+          </p:cNvSpPr>
+          <p:nvPr>
+            <p:ph type="body" idx="1"/>
+          </p:nvPr>
+        </p:nvSpPr>
+        <p:spPr/>
+        <p:txBody>
+          <a:bodyPr/>
+          <a:lstStyle/>
+          <a:p>
+            <a:r>
+              <a:rPr lang="fr-CH" dirty="0" smtClean="0"/>
+              <a:t>ALEXANDRE</a:t>
+            </a:r>
+            <a:endParaRPr lang="fr-CH" dirty="0"/>
+          </a:p>
+        </p:txBody>
+      </p:sp>
+      <p:sp>
+        <p:nvSpPr>
+          <p:cNvPr id="4" name="Espace réservé du numéro de diapositive 3"/>
+          <p:cNvSpPr>
+            <a:spLocks noGrp="1"/>
+          </p:cNvSpPr>
+          <p:nvPr>
+            <p:ph type="sldNum" sz="quarter" idx="10"/>
+          </p:nvPr>
+        </p:nvSpPr>
+        <p:spPr/>
+        <p:txBody>
+          <a:bodyPr/>
+          <a:lstStyle/>
+          <a:p>
+            <a:fld id="{D6F7544D-4A33-4349-BD60-D2B025AB68C3}" type="slidenum">
+              <a:rPr lang="fr-CH" smtClean="0"/>
+              <a:t>6</a:t>
+            </a:fld>
+            <a:endParaRPr lang="fr-CH"/>
+          </a:p>
+        </p:txBody>
+      </p:sp>
+    </p:spTree>
+    <p:extLst>
+      <p:ext uri="{BB962C8B-B14F-4D97-AF65-F5344CB8AC3E}">
+        <p14:creationId xmlns:p14="http://schemas.microsoft.com/office/powerpoint/2010/main" val="3250024718"/>
+      </p:ext>
+    </p:extLst>
+  </p:cSld>
+  <p:clrMapOvr>
+    <a:masterClrMapping/>
+  </p:clrMapOvr>
+</p:notes>
+</file>
+
+<file path=ppt/notesSlides/notesSlide7.xml><?xml version="1.0" encoding="utf-8"?>
+<p:notes xmlns:a="http://schemas.openxmlformats.org/drawingml/2006/main" xmlns:r="http://schemas.openxmlformats.org/officeDocument/2006/relationships" xmlns:p="http://schemas.openxmlformats.org/presentationml/2006/main">
+  <p:cSld>
+    <p:spTree>
+      <p:nvGrpSpPr>
+        <p:cNvPr id="1" name=""/>
+        <p:cNvGrpSpPr/>
+        <p:nvPr/>
+      </p:nvGrpSpPr>
+      <p:grpSpPr>
+        <a:xfrm>
+          <a:off x="0" y="0"/>
+          <a:ext cx="0" cy="0"/>
+          <a:chOff x="0" y="0"/>
+          <a:chExt cx="0" cy="0"/>
+        </a:xfrm>
+      </p:grpSpPr>
+      <p:sp>
+        <p:nvSpPr>
+          <p:cNvPr id="2" name="Espace réservé de l'image des diapositives 1"/>
+          <p:cNvSpPr>
+            <a:spLocks noGrp="1" noRot="1" noChangeAspect="1"/>
+          </p:cNvSpPr>
+          <p:nvPr>
+            <p:ph type="sldImg"/>
+          </p:nvPr>
+        </p:nvSpPr>
+        <p:spPr/>
+      </p:sp>
+      <p:sp>
+        <p:nvSpPr>
+          <p:cNvPr id="3" name="Espace réservé des commentaires 2"/>
+          <p:cNvSpPr>
+            <a:spLocks noGrp="1"/>
+          </p:cNvSpPr>
+          <p:nvPr>
+            <p:ph type="body" idx="1"/>
+          </p:nvPr>
+        </p:nvSpPr>
+        <p:spPr/>
+        <p:txBody>
+          <a:bodyPr/>
+          <a:lstStyle/>
+          <a:p>
+            <a:r>
+              <a:rPr lang="fr-CH" dirty="0" smtClean="0"/>
+              <a:t>ALEX</a:t>
+            </a:r>
+          </a:p>
+          <a:p>
+            <a:endParaRPr lang="fr-CH" dirty="0"/>
+          </a:p>
+        </p:txBody>
+      </p:sp>
+      <p:sp>
+        <p:nvSpPr>
+          <p:cNvPr id="4" name="Espace réservé du numéro de diapositive 3"/>
+          <p:cNvSpPr>
+            <a:spLocks noGrp="1"/>
+          </p:cNvSpPr>
+          <p:nvPr>
+            <p:ph type="sldNum" sz="quarter" idx="10"/>
+          </p:nvPr>
+        </p:nvSpPr>
+        <p:spPr/>
+        <p:txBody>
+          <a:bodyPr/>
+          <a:lstStyle/>
+          <a:p>
+            <a:fld id="{D6F7544D-4A33-4349-BD60-D2B025AB68C3}" type="slidenum">
+              <a:rPr lang="fr-CH" smtClean="0"/>
+              <a:t>7</a:t>
+            </a:fld>
+            <a:endParaRPr lang="fr-CH"/>
+          </a:p>
+        </p:txBody>
+      </p:sp>
+    </p:spTree>
+    <p:extLst>
+      <p:ext uri="{BB962C8B-B14F-4D97-AF65-F5344CB8AC3E}">
+        <p14:creationId xmlns:p14="http://schemas.microsoft.com/office/powerpoint/2010/main" val="478595277"/>
+      </p:ext>
+    </p:extLst>
+  </p:cSld>
+  <p:clrMapOvr>
+    <a:masterClrMapping/>
+  </p:clrMapOvr>
+</p:notes>
+</file>
+
+<file path=ppt/notesSlides/notesSlide8.xml><?xml version="1.0" encoding="utf-8"?>
+<p:notes xmlns:a="http://schemas.openxmlformats.org/drawingml/2006/main" xmlns:r="http://schemas.openxmlformats.org/officeDocument/2006/relationships" xmlns:p="http://schemas.openxmlformats.org/presentationml/2006/main">
+  <p:cSld>
+    <p:spTree>
+      <p:nvGrpSpPr>
+        <p:cNvPr id="1" name=""/>
+        <p:cNvGrpSpPr/>
+        <p:nvPr/>
+      </p:nvGrpSpPr>
+      <p:grpSpPr>
+        <a:xfrm>
+          <a:off x="0" y="0"/>
+          <a:ext cx="0" cy="0"/>
+          <a:chOff x="0" y="0"/>
+          <a:chExt cx="0" cy="0"/>
+        </a:xfrm>
+      </p:grpSpPr>
+      <p:sp>
+        <p:nvSpPr>
+          <p:cNvPr id="2" name="Espace réservé de l'image des diapositives 1"/>
+          <p:cNvSpPr>
+            <a:spLocks noGrp="1" noRot="1" noChangeAspect="1"/>
+          </p:cNvSpPr>
+          <p:nvPr>
+            <p:ph type="sldImg"/>
+          </p:nvPr>
+        </p:nvSpPr>
+        <p:spPr/>
+      </p:sp>
+      <p:sp>
+        <p:nvSpPr>
+          <p:cNvPr id="3" name="Espace réservé des commentaires 2"/>
+          <p:cNvSpPr>
+            <a:spLocks noGrp="1"/>
+          </p:cNvSpPr>
+          <p:nvPr>
+            <p:ph type="body" idx="1"/>
+          </p:nvPr>
+        </p:nvSpPr>
+        <p:spPr/>
+        <p:txBody>
+          <a:bodyPr/>
+          <a:lstStyle/>
+          <a:p>
+            <a:r>
+              <a:rPr lang="fr-CH" dirty="0" smtClean="0"/>
+              <a:t>RAPHAEL</a:t>
+            </a:r>
+            <a:endParaRPr lang="fr-CH" dirty="0"/>
+          </a:p>
+        </p:txBody>
+      </p:sp>
+      <p:sp>
+        <p:nvSpPr>
+          <p:cNvPr id="4" name="Espace réservé du numéro de diapositive 3"/>
+          <p:cNvSpPr>
+            <a:spLocks noGrp="1"/>
+          </p:cNvSpPr>
+          <p:nvPr>
+            <p:ph type="sldNum" sz="quarter" idx="10"/>
+          </p:nvPr>
+        </p:nvSpPr>
+        <p:spPr/>
+        <p:txBody>
+          <a:bodyPr/>
+          <a:lstStyle/>
+          <a:p>
+            <a:fld id="{D6F7544D-4A33-4349-BD60-D2B025AB68C3}" type="slidenum">
+              <a:rPr lang="fr-CH" smtClean="0"/>
+              <a:t>8</a:t>
+            </a:fld>
+            <a:endParaRPr lang="fr-CH"/>
+          </a:p>
+        </p:txBody>
+      </p:sp>
+    </p:spTree>
+    <p:extLst>
+      <p:ext uri="{BB962C8B-B14F-4D97-AF65-F5344CB8AC3E}">
+        <p14:creationId xmlns:p14="http://schemas.microsoft.com/office/powerpoint/2010/main" val="1074402607"/>
+      </p:ext>
+    </p:extLst>
+  </p:cSld>
+  <p:clrMapOvr>
+    <a:masterClrMapping/>
+  </p:clrMapOvr>
+</p:notes>
+</file>
+
+<file path=ppt/notesSlides/notesSlide9.xml><?xml version="1.0" encoding="utf-8"?>
+<p:notes xmlns:a="http://schemas.openxmlformats.org/drawingml/2006/main" xmlns:r="http://schemas.openxmlformats.org/officeDocument/2006/relationships" xmlns:p="http://schemas.openxmlformats.org/presentationml/2006/main">
+  <p:cSld>
+    <p:spTree>
+      <p:nvGrpSpPr>
+        <p:cNvPr id="1" name=""/>
+        <p:cNvGrpSpPr/>
+        <p:nvPr/>
+      </p:nvGrpSpPr>
+      <p:grpSpPr>
+        <a:xfrm>
+          <a:off x="0" y="0"/>
+          <a:ext cx="0" cy="0"/>
+          <a:chOff x="0" y="0"/>
+          <a:chExt cx="0" cy="0"/>
+        </a:xfrm>
+      </p:grpSpPr>
+      <p:sp>
+        <p:nvSpPr>
+          <p:cNvPr id="2" name="Espace réservé de l'image des diapositives 1"/>
+          <p:cNvSpPr>
+            <a:spLocks noGrp="1" noRot="1" noChangeAspect="1"/>
+          </p:cNvSpPr>
+          <p:nvPr>
+            <p:ph type="sldImg"/>
+          </p:nvPr>
+        </p:nvSpPr>
+        <p:spPr/>
+      </p:sp>
+      <p:sp>
+        <p:nvSpPr>
+          <p:cNvPr id="3" name="Espace réservé des commentaires 2"/>
+          <p:cNvSpPr>
+            <a:spLocks noGrp="1"/>
+          </p:cNvSpPr>
+          <p:nvPr>
+            <p:ph type="body" idx="1"/>
+          </p:nvPr>
+        </p:nvSpPr>
+        <p:spPr/>
+        <p:txBody>
+          <a:bodyPr/>
+          <a:lstStyle/>
+          <a:p>
+            <a:r>
+              <a:rPr lang="fr-CH" dirty="0" smtClean="0"/>
+              <a:t>ALEX</a:t>
+            </a:r>
+          </a:p>
+        </p:txBody>
+      </p:sp>
+      <p:sp>
+        <p:nvSpPr>
+          <p:cNvPr id="4" name="Espace réservé du numéro de diapositive 3"/>
+          <p:cNvSpPr>
+            <a:spLocks noGrp="1"/>
+          </p:cNvSpPr>
+          <p:nvPr>
+            <p:ph type="sldNum" sz="quarter" idx="10"/>
+          </p:nvPr>
+        </p:nvSpPr>
+        <p:spPr/>
+        <p:txBody>
+          <a:bodyPr/>
+          <a:lstStyle/>
+          <a:p>
+            <a:fld id="{D6F7544D-4A33-4349-BD60-D2B025AB68C3}" type="slidenum">
+              <a:rPr lang="fr-CH" smtClean="0"/>
+              <a:t>9</a:t>
+            </a:fld>
+            <a:endParaRPr lang="fr-CH"/>
+          </a:p>
+        </p:txBody>
+      </p:sp>
+    </p:spTree>
+    <p:extLst>
+      <p:ext uri="{BB962C8B-B14F-4D97-AF65-F5344CB8AC3E}">
+        <p14:creationId xmlns:p14="http://schemas.microsoft.com/office/powerpoint/2010/main" val="3043498887"/>
       </p:ext>
     </p:extLst>
   </p:cSld>
@@ -736,7 +1797,7 @@
           <a:p>
             <a:fld id="{A91E9F44-E5A4-45E8-B381-0A1AD53CA8FC}" type="datetimeFigureOut">
               <a:rPr lang="fr-CH" smtClean="0"/>
-              <a:t>21.01.2016</a:t>
+              <a:t>22.01.2016</a:t>
             </a:fld>
             <a:endParaRPr lang="fr-CH"/>
           </a:p>
@@ -794,13 +1855,13 @@
   <p:clrMapOvr>
     <a:masterClrMapping/>
   </p:clrMapOvr>
-  <mc:AlternateContent xmlns:mc="http://schemas.openxmlformats.org/markup-compatibility/2006">
-    <mc:Choice xmlns:p14="http://schemas.microsoft.com/office/powerpoint/2010/main" Requires="p14">
+  <mc:AlternateContent xmlns:mc="http://schemas.openxmlformats.org/markup-compatibility/2006" xmlns:p14="http://schemas.microsoft.com/office/powerpoint/2010/main">
+    <mc:Choice Requires="p14">
       <p:transition spd="slow" p14:dur="1200">
         <p14:prism/>
       </p:transition>
     </mc:Choice>
-    <mc:Fallback>
+    <mc:Fallback xmlns="">
       <p:transition spd="slow">
         <p:fade/>
       </p:transition>
@@ -918,7 +1979,7 @@
           <a:p>
             <a:fld id="{A91E9F44-E5A4-45E8-B381-0A1AD53CA8FC}" type="datetimeFigureOut">
               <a:rPr lang="fr-CH" smtClean="0"/>
-              <a:t>21.01.2016</a:t>
+              <a:t>22.01.2016</a:t>
             </a:fld>
             <a:endParaRPr lang="fr-CH"/>
           </a:p>
@@ -976,13 +2037,13 @@
   <p:clrMapOvr>
     <a:masterClrMapping/>
   </p:clrMapOvr>
-  <mc:AlternateContent xmlns:mc="http://schemas.openxmlformats.org/markup-compatibility/2006">
-    <mc:Choice xmlns:p14="http://schemas.microsoft.com/office/powerpoint/2010/main" Requires="p14">
+  <mc:AlternateContent xmlns:mc="http://schemas.openxmlformats.org/markup-compatibility/2006" xmlns:p14="http://schemas.microsoft.com/office/powerpoint/2010/main">
+    <mc:Choice Requires="p14">
       <p:transition spd="slow" p14:dur="1200">
         <p14:prism/>
       </p:transition>
     </mc:Choice>
-    <mc:Fallback>
+    <mc:Fallback xmlns="">
       <p:transition spd="slow">
         <p:fade/>
       </p:transition>
@@ -1110,7 +2171,7 @@
           <a:p>
             <a:fld id="{A91E9F44-E5A4-45E8-B381-0A1AD53CA8FC}" type="datetimeFigureOut">
               <a:rPr lang="fr-CH" smtClean="0"/>
-              <a:t>21.01.2016</a:t>
+              <a:t>22.01.2016</a:t>
             </a:fld>
             <a:endParaRPr lang="fr-CH"/>
           </a:p>
@@ -1168,13 +2229,13 @@
   <p:clrMapOvr>
     <a:masterClrMapping/>
   </p:clrMapOvr>
-  <mc:AlternateContent xmlns:mc="http://schemas.openxmlformats.org/markup-compatibility/2006">
-    <mc:Choice xmlns:p14="http://schemas.microsoft.com/office/powerpoint/2010/main" Requires="p14">
+  <mc:AlternateContent xmlns:mc="http://schemas.openxmlformats.org/markup-compatibility/2006" xmlns:p14="http://schemas.microsoft.com/office/powerpoint/2010/main">
+    <mc:Choice Requires="p14">
       <p:transition spd="slow" p14:dur="1200">
         <p14:prism/>
       </p:transition>
     </mc:Choice>
-    <mc:Fallback>
+    <mc:Fallback xmlns="">
       <p:transition spd="slow">
         <p:fade/>
       </p:transition>
@@ -1292,7 +2353,7 @@
           <a:p>
             <a:fld id="{A91E9F44-E5A4-45E8-B381-0A1AD53CA8FC}" type="datetimeFigureOut">
               <a:rPr lang="fr-CH" smtClean="0"/>
-              <a:t>21.01.2016</a:t>
+              <a:t>22.01.2016</a:t>
             </a:fld>
             <a:endParaRPr lang="fr-CH"/>
           </a:p>
@@ -1350,13 +2411,13 @@
   <p:clrMapOvr>
     <a:masterClrMapping/>
   </p:clrMapOvr>
-  <mc:AlternateContent xmlns:mc="http://schemas.openxmlformats.org/markup-compatibility/2006">
-    <mc:Choice xmlns:p14="http://schemas.microsoft.com/office/powerpoint/2010/main" Requires="p14">
+  <mc:AlternateContent xmlns:mc="http://schemas.openxmlformats.org/markup-compatibility/2006" xmlns:p14="http://schemas.microsoft.com/office/powerpoint/2010/main">
+    <mc:Choice Requires="p14">
       <p:transition spd="slow" p14:dur="1200">
         <p14:prism/>
       </p:transition>
     </mc:Choice>
-    <mc:Fallback>
+    <mc:Fallback xmlns="">
       <p:transition spd="slow">
         <p:fade/>
       </p:transition>
@@ -1550,7 +2611,7 @@
           <a:p>
             <a:fld id="{A91E9F44-E5A4-45E8-B381-0A1AD53CA8FC}" type="datetimeFigureOut">
               <a:rPr lang="fr-CH" smtClean="0"/>
-              <a:t>21.01.2016</a:t>
+              <a:t>22.01.2016</a:t>
             </a:fld>
             <a:endParaRPr lang="fr-CH"/>
           </a:p>
@@ -1608,13 +2669,13 @@
   <p:clrMapOvr>
     <a:masterClrMapping/>
   </p:clrMapOvr>
-  <mc:AlternateContent xmlns:mc="http://schemas.openxmlformats.org/markup-compatibility/2006">
-    <mc:Choice xmlns:p14="http://schemas.microsoft.com/office/powerpoint/2010/main" Requires="p14">
+  <mc:AlternateContent xmlns:mc="http://schemas.openxmlformats.org/markup-compatibility/2006" xmlns:p14="http://schemas.microsoft.com/office/powerpoint/2010/main">
+    <mc:Choice Requires="p14">
       <p:transition spd="slow" p14:dur="1200">
         <p14:prism/>
       </p:transition>
     </mc:Choice>
-    <mc:Fallback>
+    <mc:Fallback xmlns="">
       <p:transition spd="slow">
         <p:fade/>
       </p:transition>
@@ -1850,7 +2911,7 @@
           <a:p>
             <a:fld id="{A91E9F44-E5A4-45E8-B381-0A1AD53CA8FC}" type="datetimeFigureOut">
               <a:rPr lang="fr-CH" smtClean="0"/>
-              <a:t>21.01.2016</a:t>
+              <a:t>22.01.2016</a:t>
             </a:fld>
             <a:endParaRPr lang="fr-CH"/>
           </a:p>
@@ -1908,13 +2969,13 @@
   <p:clrMapOvr>
     <a:masterClrMapping/>
   </p:clrMapOvr>
-  <mc:AlternateContent xmlns:mc="http://schemas.openxmlformats.org/markup-compatibility/2006">
-    <mc:Choice xmlns:p14="http://schemas.microsoft.com/office/powerpoint/2010/main" Requires="p14">
+  <mc:AlternateContent xmlns:mc="http://schemas.openxmlformats.org/markup-compatibility/2006" xmlns:p14="http://schemas.microsoft.com/office/powerpoint/2010/main">
+    <mc:Choice Requires="p14">
       <p:transition spd="slow" p14:dur="1200">
         <p14:prism/>
       </p:transition>
     </mc:Choice>
-    <mc:Fallback>
+    <mc:Fallback xmlns="">
       <p:transition spd="slow">
         <p:fade/>
       </p:transition>
@@ -2284,7 +3345,7 @@
           <a:p>
             <a:fld id="{A91E9F44-E5A4-45E8-B381-0A1AD53CA8FC}" type="datetimeFigureOut">
               <a:rPr lang="fr-CH" smtClean="0"/>
-              <a:t>21.01.2016</a:t>
+              <a:t>22.01.2016</a:t>
             </a:fld>
             <a:endParaRPr lang="fr-CH"/>
           </a:p>
@@ -2342,13 +3403,13 @@
   <p:clrMapOvr>
     <a:masterClrMapping/>
   </p:clrMapOvr>
-  <mc:AlternateContent xmlns:mc="http://schemas.openxmlformats.org/markup-compatibility/2006">
-    <mc:Choice xmlns:p14="http://schemas.microsoft.com/office/powerpoint/2010/main" Requires="p14">
+  <mc:AlternateContent xmlns:mc="http://schemas.openxmlformats.org/markup-compatibility/2006" xmlns:p14="http://schemas.microsoft.com/office/powerpoint/2010/main">
+    <mc:Choice Requires="p14">
       <p:transition spd="slow" p14:dur="1200">
         <p14:prism/>
       </p:transition>
     </mc:Choice>
-    <mc:Fallback>
+    <mc:Fallback xmlns="">
       <p:transition spd="slow">
         <p:fade/>
       </p:transition>
@@ -2414,7 +3475,7 @@
           <a:p>
             <a:fld id="{A91E9F44-E5A4-45E8-B381-0A1AD53CA8FC}" type="datetimeFigureOut">
               <a:rPr lang="fr-CH" smtClean="0"/>
-              <a:t>21.01.2016</a:t>
+              <a:t>22.01.2016</a:t>
             </a:fld>
             <a:endParaRPr lang="fr-CH"/>
           </a:p>
@@ -2472,13 +3533,13 @@
   <p:clrMapOvr>
     <a:masterClrMapping/>
   </p:clrMapOvr>
-  <mc:AlternateContent xmlns:mc="http://schemas.openxmlformats.org/markup-compatibility/2006">
-    <mc:Choice xmlns:p14="http://schemas.microsoft.com/office/powerpoint/2010/main" Requires="p14">
+  <mc:AlternateContent xmlns:mc="http://schemas.openxmlformats.org/markup-compatibility/2006" xmlns:p14="http://schemas.microsoft.com/office/powerpoint/2010/main">
+    <mc:Choice Requires="p14">
       <p:transition spd="slow" p14:dur="1200">
         <p14:prism/>
       </p:transition>
     </mc:Choice>
-    <mc:Fallback>
+    <mc:Fallback xmlns="">
       <p:transition spd="slow">
         <p:fade/>
       </p:transition>
@@ -2521,7 +3582,7 @@
           <a:p>
             <a:fld id="{A91E9F44-E5A4-45E8-B381-0A1AD53CA8FC}" type="datetimeFigureOut">
               <a:rPr lang="fr-CH" smtClean="0"/>
-              <a:t>21.01.2016</a:t>
+              <a:t>22.01.2016</a:t>
             </a:fld>
             <a:endParaRPr lang="fr-CH"/>
           </a:p>
@@ -2579,13 +3640,13 @@
   <p:clrMapOvr>
     <a:masterClrMapping/>
   </p:clrMapOvr>
-  <mc:AlternateContent xmlns:mc="http://schemas.openxmlformats.org/markup-compatibility/2006">
-    <mc:Choice xmlns:p14="http://schemas.microsoft.com/office/powerpoint/2010/main" Requires="p14">
+  <mc:AlternateContent xmlns:mc="http://schemas.openxmlformats.org/markup-compatibility/2006" xmlns:p14="http://schemas.microsoft.com/office/powerpoint/2010/main">
+    <mc:Choice Requires="p14">
       <p:transition spd="slow" p14:dur="1200">
         <p14:prism/>
       </p:transition>
     </mc:Choice>
-    <mc:Fallback>
+    <mc:Fallback xmlns="">
       <p:transition spd="slow">
         <p:fade/>
       </p:transition>
@@ -2810,7 +3871,7 @@
           <a:p>
             <a:fld id="{A91E9F44-E5A4-45E8-B381-0A1AD53CA8FC}" type="datetimeFigureOut">
               <a:rPr lang="fr-CH" smtClean="0"/>
-              <a:t>21.01.2016</a:t>
+              <a:t>22.01.2016</a:t>
             </a:fld>
             <a:endParaRPr lang="fr-CH"/>
           </a:p>
@@ -2868,13 +3929,13 @@
   <p:clrMapOvr>
     <a:masterClrMapping/>
   </p:clrMapOvr>
-  <mc:AlternateContent xmlns:mc="http://schemas.openxmlformats.org/markup-compatibility/2006">
-    <mc:Choice xmlns:p14="http://schemas.microsoft.com/office/powerpoint/2010/main" Requires="p14">
+  <mc:AlternateContent xmlns:mc="http://schemas.openxmlformats.org/markup-compatibility/2006" xmlns:p14="http://schemas.microsoft.com/office/powerpoint/2010/main">
+    <mc:Choice Requires="p14">
       <p:transition spd="slow" p14:dur="1200">
         <p14:prism/>
       </p:transition>
     </mc:Choice>
-    <mc:Fallback>
+    <mc:Fallback xmlns="">
       <p:transition spd="slow">
         <p:fade/>
       </p:transition>
@@ -3075,7 +4136,7 @@
           <a:p>
             <a:fld id="{A91E9F44-E5A4-45E8-B381-0A1AD53CA8FC}" type="datetimeFigureOut">
               <a:rPr lang="fr-CH" smtClean="0"/>
-              <a:t>21.01.2016</a:t>
+              <a:t>22.01.2016</a:t>
             </a:fld>
             <a:endParaRPr lang="fr-CH"/>
           </a:p>
@@ -3133,13 +4194,13 @@
   <p:clrMapOvr>
     <a:masterClrMapping/>
   </p:clrMapOvr>
-  <mc:AlternateContent xmlns:mc="http://schemas.openxmlformats.org/markup-compatibility/2006">
-    <mc:Choice xmlns:p14="http://schemas.microsoft.com/office/powerpoint/2010/main" Requires="p14">
+  <mc:AlternateContent xmlns:mc="http://schemas.openxmlformats.org/markup-compatibility/2006" xmlns:p14="http://schemas.microsoft.com/office/powerpoint/2010/main">
+    <mc:Choice Requires="p14">
       <p:transition spd="slow" p14:dur="1200">
         <p14:prism/>
       </p:transition>
     </mc:Choice>
-    <mc:Fallback>
+    <mc:Fallback xmlns="">
       <p:transition spd="slow">
         <p:fade/>
       </p:transition>
@@ -3300,7 +4361,7 @@
           <a:p>
             <a:fld id="{A91E9F44-E5A4-45E8-B381-0A1AD53CA8FC}" type="datetimeFigureOut">
               <a:rPr lang="fr-CH" smtClean="0"/>
-              <a:t>21.01.2016</a:t>
+              <a:t>22.01.2016</a:t>
             </a:fld>
             <a:endParaRPr lang="fr-CH"/>
           </a:p>
@@ -3405,13 +4466,13 @@
     <p:sldLayoutId id="2147483658" r:id="rId10"/>
     <p:sldLayoutId id="2147483659" r:id="rId11"/>
   </p:sldLayoutIdLst>
-  <mc:AlternateContent xmlns:mc="http://schemas.openxmlformats.org/markup-compatibility/2006">
-    <mc:Choice xmlns:p14="http://schemas.microsoft.com/office/powerpoint/2010/main" Requires="p14">
+  <mc:AlternateContent xmlns:mc="http://schemas.openxmlformats.org/markup-compatibility/2006" xmlns:p14="http://schemas.microsoft.com/office/powerpoint/2010/main">
+    <mc:Choice Requires="p14">
       <p:transition spd="slow" p14:dur="1200">
         <p14:prism/>
       </p:transition>
     </mc:Choice>
-    <mc:Fallback>
+    <mc:Fallback xmlns="">
       <p:transition spd="slow">
         <p:fade/>
       </p:transition>
@@ -3826,13 +4887,13 @@
   <p:clrMapOvr>
     <a:masterClrMapping/>
   </p:clrMapOvr>
-  <mc:AlternateContent xmlns:mc="http://schemas.openxmlformats.org/markup-compatibility/2006">
-    <mc:Choice xmlns:p14="http://schemas.microsoft.com/office/powerpoint/2010/main" Requires="p14">
+  <mc:AlternateContent xmlns:mc="http://schemas.openxmlformats.org/markup-compatibility/2006" xmlns:p14="http://schemas.microsoft.com/office/powerpoint/2010/main">
+    <mc:Choice Requires="p14">
       <p:transition spd="slow" p14:dur="1200">
         <p14:prism/>
       </p:transition>
     </mc:Choice>
-    <mc:Fallback>
+    <mc:Fallback xmlns="">
       <p:transition spd="slow">
         <p:fade/>
       </p:transition>
@@ -3891,29 +4952,175 @@
             </a:br>
             <a:r>
               <a:rPr lang="fr-CH" b="1" dirty="0" smtClean="0"/>
-              <a:t>Difficultés rencontrées</a:t>
+              <a:t>Sans cache VS Avec cache (Synchrone)</a:t>
             </a:r>
             <a:endParaRPr lang="fr-CH" b="1" dirty="0"/>
+          </a:p>
+        </p:txBody>
+      </p:sp>
+      <p:pic>
+        <p:nvPicPr>
+          <p:cNvPr id="1026" name="Picture 2" descr="D:\HEIG-VD\Semestre 5\AMT - Applications multi-tiers\Teaching-HEIGVD-AMT-2015-Project\report\pictures\picturesPartie3\VersionSansCache\Sync\Pool10.PNG"/>
+          <p:cNvPicPr>
+            <a:picLocks noChangeAspect="1" noChangeArrowheads="1"/>
+          </p:cNvPicPr>
+          <p:nvPr/>
+        </p:nvPicPr>
+        <p:blipFill rotWithShape="1">
+          <a:blip r:embed="rId3">
+            <a:extLst>
+              <a:ext uri="{28A0092B-C50C-407E-A947-70E740481C1C}">
+                <a14:useLocalDpi xmlns:a14="http://schemas.microsoft.com/office/drawing/2010/main" val="0"/>
+              </a:ext>
+            </a:extLst>
+          </a:blip>
+          <a:srcRect l="1172" t="16039" r="6581" b="5486"/>
+          <a:stretch/>
+        </p:blipFill>
+        <p:spPr bwMode="auto">
+          <a:xfrm>
+            <a:off x="23711" y="1988840"/>
+            <a:ext cx="8796761" cy="4032448"/>
+          </a:xfrm>
+          <a:prstGeom prst="rect">
+            <a:avLst/>
+          </a:prstGeom>
+          <a:noFill/>
+          <a:extLst>
+            <a:ext uri="{909E8E84-426E-40DD-AFC4-6F175D3DCCD1}">
+              <a14:hiddenFill xmlns:a14="http://schemas.microsoft.com/office/drawing/2010/main">
+                <a:solidFill>
+                  <a:srgbClr val="FFFFFF"/>
+                </a:solidFill>
+              </a14:hiddenFill>
+            </a:ext>
+          </a:extLst>
+        </p:spPr>
+      </p:pic>
+      <p:pic>
+        <p:nvPicPr>
+          <p:cNvPr id="1027" name="Picture 3" descr="D:\HEIG-VD\Semestre 5\AMT - Applications multi-tiers\Teaching-HEIGVD-AMT-2015-Project\report\pictures\picturesPartie3\VersionAvecCache\Sync\Pool10.PNG"/>
+          <p:cNvPicPr>
+            <a:picLocks noChangeAspect="1" noChangeArrowheads="1"/>
+          </p:cNvPicPr>
+          <p:nvPr/>
+        </p:nvPicPr>
+        <p:blipFill>
+          <a:blip r:embed="rId4">
+            <a:extLst>
+              <a:ext uri="{28A0092B-C50C-407E-A947-70E740481C1C}">
+                <a14:useLocalDpi xmlns:a14="http://schemas.microsoft.com/office/drawing/2010/main" val="0"/>
+              </a:ext>
+            </a:extLst>
+          </a:blip>
+          <a:srcRect/>
+          <a:stretch>
+            <a:fillRect/>
+          </a:stretch>
+        </p:blipFill>
+        <p:spPr bwMode="auto">
+          <a:xfrm>
+            <a:off x="1358203" y="3212977"/>
+            <a:ext cx="7798048" cy="3672408"/>
+          </a:xfrm>
+          <a:prstGeom prst="rect">
+            <a:avLst/>
+          </a:prstGeom>
+          <a:noFill/>
+          <a:extLst>
+            <a:ext uri="{909E8E84-426E-40DD-AFC4-6F175D3DCCD1}">
+              <a14:hiddenFill xmlns:a14="http://schemas.microsoft.com/office/drawing/2010/main">
+                <a:solidFill>
+                  <a:srgbClr val="FFFFFF"/>
+                </a:solidFill>
+              </a14:hiddenFill>
+            </a:ext>
+          </a:extLst>
+        </p:spPr>
+      </p:pic>
+      <p:sp>
+        <p:nvSpPr>
+          <p:cNvPr id="5" name="ZoneTexte 4"/>
+          <p:cNvSpPr txBox="1"/>
+          <p:nvPr/>
+        </p:nvSpPr>
+        <p:spPr>
+          <a:xfrm>
+            <a:off x="251520" y="1772816"/>
+            <a:ext cx="1326004" cy="769441"/>
+          </a:xfrm>
+          <a:prstGeom prst="rect">
+            <a:avLst/>
+          </a:prstGeom>
+          <a:noFill/>
+        </p:spPr>
+        <p:txBody>
+          <a:bodyPr wrap="none" rtlCol="0">
+            <a:spAutoFit/>
+          </a:bodyPr>
+          <a:lstStyle/>
+          <a:p>
+            <a:r>
+              <a:rPr lang="fr-CH" sz="4400" b="1" dirty="0" smtClean="0">
+                <a:solidFill>
+                  <a:srgbClr val="FF0000"/>
+                </a:solidFill>
+              </a:rPr>
+              <a:t>6400</a:t>
+            </a:r>
+          </a:p>
+        </p:txBody>
+      </p:sp>
+      <p:sp>
+        <p:nvSpPr>
+          <p:cNvPr id="8" name="ZoneTexte 7"/>
+          <p:cNvSpPr txBox="1"/>
+          <p:nvPr/>
+        </p:nvSpPr>
+        <p:spPr>
+          <a:xfrm>
+            <a:off x="1365099" y="2996951"/>
+            <a:ext cx="1326004" cy="769441"/>
+          </a:xfrm>
+          <a:prstGeom prst="rect">
+            <a:avLst/>
+          </a:prstGeom>
+          <a:noFill/>
+        </p:spPr>
+        <p:txBody>
+          <a:bodyPr wrap="none" rtlCol="0">
+            <a:spAutoFit/>
+          </a:bodyPr>
+          <a:lstStyle/>
+          <a:p>
+            <a:r>
+              <a:rPr lang="fr-CH" sz="4400" b="1" dirty="0" smtClean="0">
+                <a:solidFill>
+                  <a:srgbClr val="00B050"/>
+                </a:solidFill>
+              </a:rPr>
+              <a:t>4000</a:t>
+            </a:r>
           </a:p>
         </p:txBody>
       </p:sp>
     </p:spTree>
     <p:extLst>
       <p:ext uri="{BB962C8B-B14F-4D97-AF65-F5344CB8AC3E}">
-        <p14:creationId xmlns:p14="http://schemas.microsoft.com/office/powerpoint/2010/main" val="435331428"/>
+        <p14:creationId xmlns:p14="http://schemas.microsoft.com/office/powerpoint/2010/main" val="3643684807"/>
       </p:ext>
     </p:extLst>
   </p:cSld>
   <p:clrMapOvr>
     <a:masterClrMapping/>
   </p:clrMapOvr>
-  <mc:AlternateContent xmlns:mc="http://schemas.openxmlformats.org/markup-compatibility/2006">
-    <mc:Choice xmlns:p14="http://schemas.microsoft.com/office/powerpoint/2010/main" Requires="p14">
+  <mc:AlternateContent xmlns:mc="http://schemas.openxmlformats.org/markup-compatibility/2006" xmlns:p14="http://schemas.microsoft.com/office/powerpoint/2010/main">
+    <mc:Choice Requires="p14">
       <p:transition spd="slow" p14:dur="1200">
         <p14:prism/>
       </p:transition>
     </mc:Choice>
-    <mc:Fallback>
+    <mc:Fallback xmlns="">
       <p:transition spd="slow">
         <p:fade/>
       </p:transition>
@@ -3922,9 +5129,212 @@
   <p:timing>
     <p:tnLst>
       <p:par>
-        <p:cTn id="1" dur="indefinite" restart="never" nodeType="tmRoot"/>
+        <p:cTn id="1" dur="indefinite" restart="never" nodeType="tmRoot">
+          <p:childTnLst>
+            <p:seq concurrent="1" nextAc="seek">
+              <p:cTn id="2" dur="indefinite" nodeType="mainSeq">
+                <p:childTnLst>
+                  <p:par>
+                    <p:cTn id="3" fill="hold">
+                      <p:stCondLst>
+                        <p:cond delay="indefinite"/>
+                      </p:stCondLst>
+                      <p:childTnLst>
+                        <p:par>
+                          <p:cTn id="4" fill="hold">
+                            <p:stCondLst>
+                              <p:cond delay="0"/>
+                            </p:stCondLst>
+                            <p:childTnLst>
+                              <p:par>
+                                <p:cTn id="5" presetID="10" presetClass="entr" presetSubtype="0" fill="hold" grpId="0" nodeType="clickEffect">
+                                  <p:stCondLst>
+                                    <p:cond delay="0"/>
+                                  </p:stCondLst>
+                                  <p:childTnLst>
+                                    <p:set>
+                                      <p:cBhvr>
+                                        <p:cTn id="6" dur="1" fill="hold">
+                                          <p:stCondLst>
+                                            <p:cond delay="0"/>
+                                          </p:stCondLst>
+                                        </p:cTn>
+                                        <p:tgtEl>
+                                          <p:spTgt spid="5"/>
+                                        </p:tgtEl>
+                                        <p:attrNameLst>
+                                          <p:attrName>style.visibility</p:attrName>
+                                        </p:attrNameLst>
+                                      </p:cBhvr>
+                                      <p:to>
+                                        <p:strVal val="visible"/>
+                                      </p:to>
+                                    </p:set>
+                                    <p:animEffect transition="in" filter="fade">
+                                      <p:cBhvr>
+                                        <p:cTn id="7" dur="500"/>
+                                        <p:tgtEl>
+                                          <p:spTgt spid="5"/>
+                                        </p:tgtEl>
+                                      </p:cBhvr>
+                                    </p:animEffect>
+                                  </p:childTnLst>
+                                </p:cTn>
+                              </p:par>
+                              <p:par>
+                                <p:cTn id="8" presetID="10" presetClass="entr" presetSubtype="0" fill="hold" nodeType="withEffect">
+                                  <p:stCondLst>
+                                    <p:cond delay="0"/>
+                                  </p:stCondLst>
+                                  <p:childTnLst>
+                                    <p:set>
+                                      <p:cBhvr>
+                                        <p:cTn id="9" dur="1" fill="hold">
+                                          <p:stCondLst>
+                                            <p:cond delay="0"/>
+                                          </p:stCondLst>
+                                        </p:cTn>
+                                        <p:tgtEl>
+                                          <p:spTgt spid="1026"/>
+                                        </p:tgtEl>
+                                        <p:attrNameLst>
+                                          <p:attrName>style.visibility</p:attrName>
+                                        </p:attrNameLst>
+                                      </p:cBhvr>
+                                      <p:to>
+                                        <p:strVal val="visible"/>
+                                      </p:to>
+                                    </p:set>
+                                    <p:animEffect transition="in" filter="fade">
+                                      <p:cBhvr>
+                                        <p:cTn id="10" dur="500"/>
+                                        <p:tgtEl>
+                                          <p:spTgt spid="1026"/>
+                                        </p:tgtEl>
+                                      </p:cBhvr>
+                                    </p:animEffect>
+                                  </p:childTnLst>
+                                </p:cTn>
+                              </p:par>
+                            </p:childTnLst>
+                          </p:cTn>
+                        </p:par>
+                      </p:childTnLst>
+                    </p:cTn>
+                  </p:par>
+                  <p:par>
+                    <p:cTn id="11" fill="hold">
+                      <p:stCondLst>
+                        <p:cond delay="indefinite"/>
+                      </p:stCondLst>
+                      <p:childTnLst>
+                        <p:par>
+                          <p:cTn id="12" fill="hold">
+                            <p:stCondLst>
+                              <p:cond delay="0"/>
+                            </p:stCondLst>
+                            <p:childTnLst>
+                              <p:par>
+                                <p:cTn id="13" presetID="10" presetClass="entr" presetSubtype="0" fill="hold" nodeType="clickEffect">
+                                  <p:stCondLst>
+                                    <p:cond delay="0"/>
+                                  </p:stCondLst>
+                                  <p:childTnLst>
+                                    <p:set>
+                                      <p:cBhvr>
+                                        <p:cTn id="14" dur="1" fill="hold">
+                                          <p:stCondLst>
+                                            <p:cond delay="0"/>
+                                          </p:stCondLst>
+                                        </p:cTn>
+                                        <p:tgtEl>
+                                          <p:spTgt spid="1027"/>
+                                        </p:tgtEl>
+                                        <p:attrNameLst>
+                                          <p:attrName>style.visibility</p:attrName>
+                                        </p:attrNameLst>
+                                      </p:cBhvr>
+                                      <p:to>
+                                        <p:strVal val="visible"/>
+                                      </p:to>
+                                    </p:set>
+                                    <p:animEffect transition="in" filter="fade">
+                                      <p:cBhvr>
+                                        <p:cTn id="15" dur="500"/>
+                                        <p:tgtEl>
+                                          <p:spTgt spid="1027"/>
+                                        </p:tgtEl>
+                                      </p:cBhvr>
+                                    </p:animEffect>
+                                  </p:childTnLst>
+                                </p:cTn>
+                              </p:par>
+                              <p:par>
+                                <p:cTn id="16" presetID="10" presetClass="entr" presetSubtype="0" fill="hold" grpId="0" nodeType="withEffect">
+                                  <p:stCondLst>
+                                    <p:cond delay="0"/>
+                                  </p:stCondLst>
+                                  <p:childTnLst>
+                                    <p:set>
+                                      <p:cBhvr>
+                                        <p:cTn id="17" dur="1" fill="hold">
+                                          <p:stCondLst>
+                                            <p:cond delay="0"/>
+                                          </p:stCondLst>
+                                        </p:cTn>
+                                        <p:tgtEl>
+                                          <p:spTgt spid="8"/>
+                                        </p:tgtEl>
+                                        <p:attrNameLst>
+                                          <p:attrName>style.visibility</p:attrName>
+                                        </p:attrNameLst>
+                                      </p:cBhvr>
+                                      <p:to>
+                                        <p:strVal val="visible"/>
+                                      </p:to>
+                                    </p:set>
+                                    <p:animEffect transition="in" filter="fade">
+                                      <p:cBhvr>
+                                        <p:cTn id="18" dur="500"/>
+                                        <p:tgtEl>
+                                          <p:spTgt spid="8"/>
+                                        </p:tgtEl>
+                                      </p:cBhvr>
+                                    </p:animEffect>
+                                  </p:childTnLst>
+                                </p:cTn>
+                              </p:par>
+                            </p:childTnLst>
+                          </p:cTn>
+                        </p:par>
+                      </p:childTnLst>
+                    </p:cTn>
+                  </p:par>
+                </p:childTnLst>
+              </p:cTn>
+              <p:prevCondLst>
+                <p:cond evt="onPrev" delay="0">
+                  <p:tgtEl>
+                    <p:sldTgt/>
+                  </p:tgtEl>
+                </p:cond>
+              </p:prevCondLst>
+              <p:nextCondLst>
+                <p:cond evt="onNext" delay="0">
+                  <p:tgtEl>
+                    <p:sldTgt/>
+                  </p:tgtEl>
+                </p:cond>
+              </p:nextCondLst>
+            </p:seq>
+          </p:childTnLst>
+        </p:cTn>
       </p:par>
     </p:tnLst>
+    <p:bldLst>
+      <p:bldP spid="5" grpId="0"/>
+      <p:bldP spid="8" grpId="0"/>
+    </p:bldLst>
   </p:timing>
 </p:sld>
 </file>
@@ -3958,6 +5368,418 @@
         </p:nvSpPr>
         <p:spPr/>
         <p:txBody>
+          <a:bodyPr>
+            <a:normAutofit fontScale="90000"/>
+          </a:bodyPr>
+          <a:lstStyle/>
+          <a:p>
+            <a:r>
+              <a:rPr lang="fr-CH" dirty="0" smtClean="0"/>
+              <a:t>Phase 3</a:t>
+            </a:r>
+            <a:br>
+              <a:rPr lang="fr-CH" dirty="0" smtClean="0"/>
+            </a:br>
+            <a:r>
+              <a:rPr lang="fr-CH" b="1" dirty="0" smtClean="0"/>
+              <a:t>Difficultés rencontrées</a:t>
+            </a:r>
+            <a:endParaRPr lang="fr-CH" b="1" dirty="0"/>
+          </a:p>
+        </p:txBody>
+      </p:sp>
+      <p:sp>
+        <p:nvSpPr>
+          <p:cNvPr id="3" name="Espace réservé du contenu 2"/>
+          <p:cNvSpPr>
+            <a:spLocks noGrp="1"/>
+          </p:cNvSpPr>
+          <p:nvPr>
+            <p:ph idx="1"/>
+          </p:nvPr>
+        </p:nvSpPr>
+        <p:spPr>
+          <a:xfrm>
+            <a:off x="457200" y="1600200"/>
+            <a:ext cx="8229600" cy="4525963"/>
+          </a:xfrm>
+        </p:spPr>
+        <p:txBody>
+          <a:bodyPr>
+            <a:normAutofit fontScale="77500" lnSpcReduction="20000"/>
+          </a:bodyPr>
+          <a:lstStyle/>
+          <a:p>
+            <a:r>
+              <a:rPr lang="fr-CH" dirty="0" smtClean="0"/>
+              <a:t>Beaucoup de facteurs à prendre en compte (tant du côté client que du côté serveur)</a:t>
+            </a:r>
+          </a:p>
+          <a:p>
+            <a:endParaRPr lang="fr-CH" dirty="0" smtClean="0"/>
+          </a:p>
+          <a:p>
+            <a:r>
+              <a:rPr lang="fr-CH" dirty="0" smtClean="0"/>
+              <a:t>Interprétation des temps de réponses parfois compliquée (</a:t>
+            </a:r>
+            <a:r>
+              <a:rPr lang="fr-CH" dirty="0" err="1" smtClean="0"/>
+              <a:t>garbage</a:t>
+            </a:r>
+            <a:r>
+              <a:rPr lang="fr-CH" dirty="0" smtClean="0"/>
+              <a:t> collector, latences réseau, accès BD, Thread Pool…)</a:t>
+            </a:r>
+          </a:p>
+          <a:p>
+            <a:endParaRPr lang="fr-CH" dirty="0" smtClean="0"/>
+          </a:p>
+          <a:p>
+            <a:r>
+              <a:rPr lang="fr-CH" dirty="0" smtClean="0"/>
+              <a:t>Trouver une solution pour améliorer les performances (pas forcément facile si on veut maintenir le fonctionnement de l’application)</a:t>
+            </a:r>
+          </a:p>
+          <a:p>
+            <a:endParaRPr lang="fr-CH" dirty="0"/>
+          </a:p>
+          <a:p>
+            <a:r>
+              <a:rPr lang="fr-CH" dirty="0" smtClean="0"/>
+              <a:t>Coordination du groupe</a:t>
+            </a:r>
+          </a:p>
+        </p:txBody>
+      </p:sp>
+    </p:spTree>
+    <p:extLst>
+      <p:ext uri="{BB962C8B-B14F-4D97-AF65-F5344CB8AC3E}">
+        <p14:creationId xmlns:p14="http://schemas.microsoft.com/office/powerpoint/2010/main" val="435331428"/>
+      </p:ext>
+    </p:extLst>
+  </p:cSld>
+  <p:clrMapOvr>
+    <a:masterClrMapping/>
+  </p:clrMapOvr>
+  <mc:AlternateContent xmlns:mc="http://schemas.openxmlformats.org/markup-compatibility/2006" xmlns:p14="http://schemas.microsoft.com/office/powerpoint/2010/main">
+    <mc:Choice Requires="p14">
+      <p:transition spd="slow" p14:dur="1200">
+        <p14:prism/>
+      </p:transition>
+    </mc:Choice>
+    <mc:Fallback xmlns="">
+      <p:transition spd="slow">
+        <p:fade/>
+      </p:transition>
+    </mc:Fallback>
+  </mc:AlternateContent>
+  <p:timing>
+    <p:tnLst>
+      <p:par>
+        <p:cTn id="1" dur="indefinite" restart="never" nodeType="tmRoot">
+          <p:childTnLst>
+            <p:seq concurrent="1" nextAc="seek">
+              <p:cTn id="2" dur="indefinite" nodeType="mainSeq">
+                <p:childTnLst>
+                  <p:par>
+                    <p:cTn id="3" fill="hold">
+                      <p:stCondLst>
+                        <p:cond delay="indefinite"/>
+                      </p:stCondLst>
+                      <p:childTnLst>
+                        <p:par>
+                          <p:cTn id="4" fill="hold">
+                            <p:stCondLst>
+                              <p:cond delay="0"/>
+                            </p:stCondLst>
+                            <p:childTnLst>
+                              <p:par>
+                                <p:cTn id="5" presetID="10" presetClass="entr" presetSubtype="0" fill="hold" nodeType="clickEffect">
+                                  <p:stCondLst>
+                                    <p:cond delay="0"/>
+                                  </p:stCondLst>
+                                  <p:childTnLst>
+                                    <p:set>
+                                      <p:cBhvr>
+                                        <p:cTn id="6" dur="1" fill="hold">
+                                          <p:stCondLst>
+                                            <p:cond delay="0"/>
+                                          </p:stCondLst>
+                                        </p:cTn>
+                                        <p:tgtEl>
+                                          <p:spTgt spid="3">
+                                            <p:txEl>
+                                              <p:pRg st="0" end="0"/>
+                                            </p:txEl>
+                                          </p:spTgt>
+                                        </p:tgtEl>
+                                        <p:attrNameLst>
+                                          <p:attrName>style.visibility</p:attrName>
+                                        </p:attrNameLst>
+                                      </p:cBhvr>
+                                      <p:to>
+                                        <p:strVal val="visible"/>
+                                      </p:to>
+                                    </p:set>
+                                    <p:animEffect transition="in" filter="fade">
+                                      <p:cBhvr>
+                                        <p:cTn id="7" dur="500"/>
+                                        <p:tgtEl>
+                                          <p:spTgt spid="3">
+                                            <p:txEl>
+                                              <p:pRg st="0" end="0"/>
+                                            </p:txEl>
+                                          </p:spTgt>
+                                        </p:tgtEl>
+                                      </p:cBhvr>
+                                    </p:animEffect>
+                                  </p:childTnLst>
+                                </p:cTn>
+                              </p:par>
+                            </p:childTnLst>
+                          </p:cTn>
+                        </p:par>
+                      </p:childTnLst>
+                    </p:cTn>
+                  </p:par>
+                  <p:par>
+                    <p:cTn id="8" fill="hold">
+                      <p:stCondLst>
+                        <p:cond delay="indefinite"/>
+                      </p:stCondLst>
+                      <p:childTnLst>
+                        <p:par>
+                          <p:cTn id="9" fill="hold">
+                            <p:stCondLst>
+                              <p:cond delay="0"/>
+                            </p:stCondLst>
+                            <p:childTnLst>
+                              <p:par>
+                                <p:cTn id="10" presetID="10" presetClass="entr" presetSubtype="0" fill="hold" nodeType="clickEffect">
+                                  <p:stCondLst>
+                                    <p:cond delay="0"/>
+                                  </p:stCondLst>
+                                  <p:childTnLst>
+                                    <p:set>
+                                      <p:cBhvr>
+                                        <p:cTn id="11" dur="1" fill="hold">
+                                          <p:stCondLst>
+                                            <p:cond delay="0"/>
+                                          </p:stCondLst>
+                                        </p:cTn>
+                                        <p:tgtEl>
+                                          <p:spTgt spid="3">
+                                            <p:txEl>
+                                              <p:pRg st="2" end="2"/>
+                                            </p:txEl>
+                                          </p:spTgt>
+                                        </p:tgtEl>
+                                        <p:attrNameLst>
+                                          <p:attrName>style.visibility</p:attrName>
+                                        </p:attrNameLst>
+                                      </p:cBhvr>
+                                      <p:to>
+                                        <p:strVal val="visible"/>
+                                      </p:to>
+                                    </p:set>
+                                    <p:animEffect transition="in" filter="fade">
+                                      <p:cBhvr>
+                                        <p:cTn id="12" dur="500"/>
+                                        <p:tgtEl>
+                                          <p:spTgt spid="3">
+                                            <p:txEl>
+                                              <p:pRg st="2" end="2"/>
+                                            </p:txEl>
+                                          </p:spTgt>
+                                        </p:tgtEl>
+                                      </p:cBhvr>
+                                    </p:animEffect>
+                                  </p:childTnLst>
+                                </p:cTn>
+                              </p:par>
+                            </p:childTnLst>
+                          </p:cTn>
+                        </p:par>
+                      </p:childTnLst>
+                    </p:cTn>
+                  </p:par>
+                  <p:par>
+                    <p:cTn id="13" fill="hold">
+                      <p:stCondLst>
+                        <p:cond delay="indefinite"/>
+                      </p:stCondLst>
+                      <p:childTnLst>
+                        <p:par>
+                          <p:cTn id="14" fill="hold">
+                            <p:stCondLst>
+                              <p:cond delay="0"/>
+                            </p:stCondLst>
+                            <p:childTnLst>
+                              <p:par>
+                                <p:cTn id="15" presetID="10" presetClass="entr" presetSubtype="0" fill="hold" nodeType="clickEffect">
+                                  <p:stCondLst>
+                                    <p:cond delay="0"/>
+                                  </p:stCondLst>
+                                  <p:childTnLst>
+                                    <p:set>
+                                      <p:cBhvr>
+                                        <p:cTn id="16" dur="1" fill="hold">
+                                          <p:stCondLst>
+                                            <p:cond delay="0"/>
+                                          </p:stCondLst>
+                                        </p:cTn>
+                                        <p:tgtEl>
+                                          <p:spTgt spid="3">
+                                            <p:txEl>
+                                              <p:pRg st="4" end="4"/>
+                                            </p:txEl>
+                                          </p:spTgt>
+                                        </p:tgtEl>
+                                        <p:attrNameLst>
+                                          <p:attrName>style.visibility</p:attrName>
+                                        </p:attrNameLst>
+                                      </p:cBhvr>
+                                      <p:to>
+                                        <p:strVal val="visible"/>
+                                      </p:to>
+                                    </p:set>
+                                    <p:animEffect transition="in" filter="fade">
+                                      <p:cBhvr>
+                                        <p:cTn id="17" dur="500"/>
+                                        <p:tgtEl>
+                                          <p:spTgt spid="3">
+                                            <p:txEl>
+                                              <p:pRg st="4" end="4"/>
+                                            </p:txEl>
+                                          </p:spTgt>
+                                        </p:tgtEl>
+                                      </p:cBhvr>
+                                    </p:animEffect>
+                                  </p:childTnLst>
+                                </p:cTn>
+                              </p:par>
+                            </p:childTnLst>
+                          </p:cTn>
+                        </p:par>
+                      </p:childTnLst>
+                    </p:cTn>
+                  </p:par>
+                  <p:par>
+                    <p:cTn id="18" fill="hold">
+                      <p:stCondLst>
+                        <p:cond delay="indefinite"/>
+                      </p:stCondLst>
+                      <p:childTnLst>
+                        <p:par>
+                          <p:cTn id="19" fill="hold">
+                            <p:stCondLst>
+                              <p:cond delay="0"/>
+                            </p:stCondLst>
+                            <p:childTnLst>
+                              <p:par>
+                                <p:cTn id="20" presetID="10" presetClass="entr" presetSubtype="0" fill="hold" nodeType="clickEffect">
+                                  <p:stCondLst>
+                                    <p:cond delay="0"/>
+                                  </p:stCondLst>
+                                  <p:childTnLst>
+                                    <p:set>
+                                      <p:cBhvr>
+                                        <p:cTn id="21" dur="1" fill="hold">
+                                          <p:stCondLst>
+                                            <p:cond delay="0"/>
+                                          </p:stCondLst>
+                                        </p:cTn>
+                                        <p:tgtEl>
+                                          <p:spTgt spid="3">
+                                            <p:txEl>
+                                              <p:pRg st="6" end="6"/>
+                                            </p:txEl>
+                                          </p:spTgt>
+                                        </p:tgtEl>
+                                        <p:attrNameLst>
+                                          <p:attrName>style.visibility</p:attrName>
+                                        </p:attrNameLst>
+                                      </p:cBhvr>
+                                      <p:to>
+                                        <p:strVal val="visible"/>
+                                      </p:to>
+                                    </p:set>
+                                    <p:animEffect transition="in" filter="fade">
+                                      <p:cBhvr>
+                                        <p:cTn id="22" dur="500"/>
+                                        <p:tgtEl>
+                                          <p:spTgt spid="3">
+                                            <p:txEl>
+                                              <p:pRg st="6" end="6"/>
+                                            </p:txEl>
+                                          </p:spTgt>
+                                        </p:tgtEl>
+                                      </p:cBhvr>
+                                    </p:animEffect>
+                                  </p:childTnLst>
+                                </p:cTn>
+                              </p:par>
+                            </p:childTnLst>
+                          </p:cTn>
+                        </p:par>
+                      </p:childTnLst>
+                    </p:cTn>
+                  </p:par>
+                </p:childTnLst>
+              </p:cTn>
+              <p:prevCondLst>
+                <p:cond evt="onPrev" delay="0">
+                  <p:tgtEl>
+                    <p:sldTgt/>
+                  </p:tgtEl>
+                </p:cond>
+              </p:prevCondLst>
+              <p:nextCondLst>
+                <p:cond evt="onNext" delay="0">
+                  <p:tgtEl>
+                    <p:sldTgt/>
+                  </p:tgtEl>
+                </p:cond>
+              </p:nextCondLst>
+            </p:seq>
+          </p:childTnLst>
+        </p:cTn>
+      </p:par>
+    </p:tnLst>
+  </p:timing>
+</p:sld>
+</file>
+
+<file path=ppt/slides/slide12.xml><?xml version="1.0" encoding="utf-8"?>
+<p:sld xmlns:a="http://schemas.openxmlformats.org/drawingml/2006/main" xmlns:r="http://schemas.openxmlformats.org/officeDocument/2006/relationships" xmlns:p="http://schemas.openxmlformats.org/presentationml/2006/main">
+  <p:cSld>
+    <p:spTree>
+      <p:nvGrpSpPr>
+        <p:cNvPr id="1" name=""/>
+        <p:cNvGrpSpPr/>
+        <p:nvPr/>
+      </p:nvGrpSpPr>
+      <p:grpSpPr>
+        <a:xfrm>
+          <a:off x="0" y="0"/>
+          <a:ext cx="0" cy="0"/>
+          <a:chOff x="0" y="0"/>
+          <a:chExt cx="0" cy="0"/>
+        </a:xfrm>
+      </p:grpSpPr>
+      <p:sp>
+        <p:nvSpPr>
+          <p:cNvPr id="2" name="Titre 1"/>
+          <p:cNvSpPr>
+            <a:spLocks noGrp="1"/>
+          </p:cNvSpPr>
+          <p:nvPr>
+            <p:ph type="title"/>
+          </p:nvPr>
+        </p:nvSpPr>
+        <p:spPr/>
+        <p:txBody>
           <a:bodyPr/>
           <a:lstStyle/>
           <a:p>
@@ -3996,7 +5818,6 @@
               <a:rPr lang="fr-CH" dirty="0" smtClean="0"/>
               <a:t>)</a:t>
             </a:r>
-            <a:endParaRPr lang="fr-CH" dirty="0" smtClean="0"/>
           </a:p>
           <a:p>
             <a:r>
@@ -4038,13 +5859,13 @@
   <p:clrMapOvr>
     <a:masterClrMapping/>
   </p:clrMapOvr>
-  <mc:AlternateContent xmlns:mc="http://schemas.openxmlformats.org/markup-compatibility/2006">
-    <mc:Choice xmlns:p14="http://schemas.microsoft.com/office/powerpoint/2010/main" Requires="p14">
+  <mc:AlternateContent xmlns:mc="http://schemas.openxmlformats.org/markup-compatibility/2006" xmlns:p14="http://schemas.microsoft.com/office/powerpoint/2010/main">
+    <mc:Choice Requires="p14">
       <p:transition spd="slow" p14:dur="1200">
         <p14:prism/>
       </p:transition>
     </mc:Choice>
-    <mc:Fallback>
+    <mc:Fallback xmlns="">
       <p:transition spd="slow">
         <p:fade/>
       </p:transition>
@@ -4327,7 +6148,7 @@
 </p:sld>
 </file>
 
-<file path=ppt/slides/slide12.xml><?xml version="1.0" encoding="utf-8"?>
+<file path=ppt/slides/slide13.xml><?xml version="1.0" encoding="utf-8"?>
 <p:sld xmlns:a="http://schemas.openxmlformats.org/drawingml/2006/main" xmlns:r="http://schemas.openxmlformats.org/officeDocument/2006/relationships" xmlns:p="http://schemas.openxmlformats.org/presentationml/2006/main">
   <p:cSld>
     <p:spTree>
@@ -4376,7 +6197,7 @@
           <p:nvPr/>
         </p:nvPicPr>
         <p:blipFill>
-          <a:blip r:embed="rId2">
+          <a:blip r:embed="rId3">
             <a:extLst>
               <a:ext uri="{28A0092B-C50C-407E-A947-70E740481C1C}">
                 <a14:useLocalDpi xmlns:a14="http://schemas.microsoft.com/office/drawing/2010/main" val="0"/>
@@ -4417,7 +6238,7 @@
           <p:nvPr/>
         </p:nvPicPr>
         <p:blipFill>
-          <a:blip r:embed="rId3">
+          <a:blip r:embed="rId4">
             <a:extLst>
               <a:ext uri="{28A0092B-C50C-407E-A947-70E740481C1C}">
                 <a14:useLocalDpi xmlns:a14="http://schemas.microsoft.com/office/drawing/2010/main" val="0"/>
@@ -4459,13 +6280,13 @@
   <p:clrMapOvr>
     <a:masterClrMapping/>
   </p:clrMapOvr>
-  <mc:AlternateContent xmlns:mc="http://schemas.openxmlformats.org/markup-compatibility/2006">
-    <mc:Choice xmlns:p14="http://schemas.microsoft.com/office/powerpoint/2010/main" Requires="p14">
+  <mc:AlternateContent xmlns:mc="http://schemas.openxmlformats.org/markup-compatibility/2006" xmlns:p14="http://schemas.microsoft.com/office/powerpoint/2010/main">
+    <mc:Choice Requires="p14">
       <p:transition spd="slow" p14:dur="1200">
         <p14:prism/>
       </p:transition>
     </mc:Choice>
-    <mc:Fallback>
+    <mc:Fallback xmlns="">
       <p:transition spd="slow">
         <p:fade/>
       </p:transition>
@@ -4628,13 +6449,13 @@
   <p:clrMapOvr>
     <a:masterClrMapping/>
   </p:clrMapOvr>
-  <mc:AlternateContent xmlns:mc="http://schemas.openxmlformats.org/markup-compatibility/2006">
-    <mc:Choice xmlns:p14="http://schemas.microsoft.com/office/powerpoint/2010/main" Requires="p14">
+  <mc:AlternateContent xmlns:mc="http://schemas.openxmlformats.org/markup-compatibility/2006" xmlns:p14="http://schemas.microsoft.com/office/powerpoint/2010/main">
+    <mc:Choice Requires="p14">
       <p:transition spd="slow" p14:dur="1200">
         <p14:prism/>
       </p:transition>
     </mc:Choice>
-    <mc:Fallback>
+    <mc:Fallback xmlns="">
       <p:transition spd="slow">
         <p:fade/>
       </p:transition>
@@ -5276,7 +7097,7 @@
           <p:nvPr/>
         </p:nvPicPr>
         <p:blipFill rotWithShape="1">
-          <a:blip r:embed="rId2">
+          <a:blip r:embed="rId3">
             <a:extLst>
               <a:ext uri="{28A0092B-C50C-407E-A947-70E740481C1C}">
                 <a14:useLocalDpi xmlns:a14="http://schemas.microsoft.com/office/drawing/2010/main" val="0"/>
@@ -5316,13 +7137,13 @@
   <p:clrMapOvr>
     <a:masterClrMapping/>
   </p:clrMapOvr>
-  <mc:AlternateContent xmlns:mc="http://schemas.openxmlformats.org/markup-compatibility/2006">
-    <mc:Choice xmlns:p14="http://schemas.microsoft.com/office/powerpoint/2010/main" Requires="p14">
+  <mc:AlternateContent xmlns:mc="http://schemas.openxmlformats.org/markup-compatibility/2006" xmlns:p14="http://schemas.microsoft.com/office/powerpoint/2010/main">
+    <mc:Choice Requires="p14">
       <p:transition spd="slow" p14:dur="1200">
         <p14:prism/>
       </p:transition>
     </mc:Choice>
-    <mc:Fallback>
+    <mc:Fallback xmlns="">
       <p:transition spd="slow">
         <p:fade/>
       </p:transition>
@@ -5396,7 +7217,7 @@
           <p:nvPr/>
         </p:nvPicPr>
         <p:blipFill>
-          <a:blip r:embed="rId2">
+          <a:blip r:embed="rId3">
             <a:extLst>
               <a:ext uri="{28A0092B-C50C-407E-A947-70E740481C1C}">
                 <a14:useLocalDpi xmlns:a14="http://schemas.microsoft.com/office/drawing/2010/main" val="0"/>
@@ -5438,13 +7259,13 @@
   <p:clrMapOvr>
     <a:masterClrMapping/>
   </p:clrMapOvr>
-  <mc:AlternateContent xmlns:mc="http://schemas.openxmlformats.org/markup-compatibility/2006">
-    <mc:Choice xmlns:p14="http://schemas.microsoft.com/office/powerpoint/2010/main" Requires="p14">
+  <mc:AlternateContent xmlns:mc="http://schemas.openxmlformats.org/markup-compatibility/2006" xmlns:p14="http://schemas.microsoft.com/office/powerpoint/2010/main">
+    <mc:Choice Requires="p14">
       <p:transition spd="slow" p14:dur="1200">
         <p14:prism/>
       </p:transition>
     </mc:Choice>
-    <mc:Fallback>
+    <mc:Fallback xmlns="">
       <p:transition spd="slow">
         <p:fade/>
       </p:transition>
@@ -5521,13 +7342,89 @@
         </p:nvSpPr>
         <p:spPr/>
         <p:txBody>
-          <a:bodyPr/>
+          <a:bodyPr>
+            <a:normAutofit fontScale="92500" lnSpcReduction="20000"/>
+          </a:bodyPr>
           <a:lstStyle/>
           <a:p>
-            <a:pPr marL="0" indent="0">
+            <a:pPr>
+              <a:buFontTx/>
+              <a:buChar char="-"/>
+            </a:pPr>
+            <a:r>
+              <a:rPr lang="fr-CH" dirty="0" smtClean="0"/>
+              <a:t>Verrouillage en mode pessimiste des application lors de la réception d’un événement</a:t>
+            </a:r>
+          </a:p>
+          <a:p>
+            <a:pPr>
+              <a:buFontTx/>
+              <a:buChar char="-"/>
+            </a:pPr>
+            <a:endParaRPr lang="fr-CH" dirty="0" smtClean="0"/>
+          </a:p>
+          <a:p>
+            <a:pPr lvl="1">
+              <a:buFontTx/>
+              <a:buChar char="-"/>
+            </a:pPr>
+            <a:r>
+              <a:rPr lang="fr-CH" dirty="0" smtClean="0"/>
+              <a:t>Eviter de se retrouver avec deux </a:t>
+            </a:r>
+            <a:r>
+              <a:rPr lang="fr-CH" dirty="0" err="1" smtClean="0"/>
+              <a:t>EndUser</a:t>
+            </a:r>
+            <a:r>
+              <a:rPr lang="fr-CH" dirty="0" smtClean="0"/>
+              <a:t> ayant le même numéro dans une même application</a:t>
+            </a:r>
+          </a:p>
+          <a:p>
+            <a:pPr lvl="1">
+              <a:buFontTx/>
+              <a:buChar char="-"/>
+            </a:pPr>
+            <a:r>
+              <a:rPr lang="fr-CH" dirty="0" smtClean="0"/>
+              <a:t>Contrainte UNIQUE (Application, </a:t>
+            </a:r>
+            <a:r>
+              <a:rPr lang="fr-CH" dirty="0" err="1" smtClean="0"/>
+              <a:t>EndUserNumber</a:t>
+            </a:r>
+            <a:r>
+              <a:rPr lang="fr-CH" dirty="0" smtClean="0"/>
+              <a:t>) non implémentée (alors que cela aurait été judicieux)</a:t>
+            </a:r>
+          </a:p>
+          <a:p>
+            <a:pPr lvl="2">
+              <a:buFontTx/>
+              <a:buChar char="-"/>
+            </a:pPr>
+            <a:r>
+              <a:rPr lang="fr-CH" dirty="0" smtClean="0"/>
+              <a:t>Donc pas d’exception de clé !</a:t>
+            </a:r>
+            <a:endParaRPr lang="fr-CH" dirty="0" smtClean="0"/>
+          </a:p>
+          <a:p>
+            <a:pPr marL="457200" lvl="1" indent="0">
               <a:buNone/>
             </a:pPr>
-            <a:endParaRPr lang="fr-CH" dirty="0"/>
+            <a:endParaRPr lang="fr-CH" i="1" dirty="0" smtClean="0"/>
+          </a:p>
+          <a:p>
+            <a:pPr marL="457200" lvl="1" indent="0">
+              <a:buNone/>
+            </a:pPr>
+            <a:r>
+              <a:rPr lang="fr-CH" i="1" dirty="0" smtClean="0"/>
+              <a:t>Le verrouillage optimiste avec numéro de version n’aurait pas résolu le problème, bien que plus performant</a:t>
+            </a:r>
+            <a:endParaRPr lang="fr-CH" i="1" dirty="0"/>
           </a:p>
         </p:txBody>
       </p:sp>
@@ -5541,13 +7438,13 @@
   <p:clrMapOvr>
     <a:masterClrMapping/>
   </p:clrMapOvr>
-  <mc:AlternateContent xmlns:mc="http://schemas.openxmlformats.org/markup-compatibility/2006">
-    <mc:Choice xmlns:p14="http://schemas.microsoft.com/office/powerpoint/2010/main" Requires="p14">
+  <mc:AlternateContent xmlns:mc="http://schemas.openxmlformats.org/markup-compatibility/2006" xmlns:p14="http://schemas.microsoft.com/office/powerpoint/2010/main">
+    <mc:Choice Requires="p14">
       <p:transition spd="slow" p14:dur="1200">
         <p14:prism/>
       </p:transition>
     </mc:Choice>
-    <mc:Fallback>
+    <mc:Fallback xmlns="">
       <p:transition spd="slow">
         <p:fade/>
       </p:transition>
@@ -5556,7 +7453,317 @@
   <p:timing>
     <p:tnLst>
       <p:par>
-        <p:cTn id="1" dur="indefinite" restart="never" nodeType="tmRoot"/>
+        <p:cTn id="1" dur="indefinite" restart="never" nodeType="tmRoot">
+          <p:childTnLst>
+            <p:seq concurrent="1" nextAc="seek">
+              <p:cTn id="2" dur="indefinite" nodeType="mainSeq">
+                <p:childTnLst>
+                  <p:par>
+                    <p:cTn id="3" fill="hold">
+                      <p:stCondLst>
+                        <p:cond delay="indefinite"/>
+                      </p:stCondLst>
+                      <p:childTnLst>
+                        <p:par>
+                          <p:cTn id="4" fill="hold">
+                            <p:stCondLst>
+                              <p:cond delay="0"/>
+                            </p:stCondLst>
+                            <p:childTnLst>
+                              <p:par>
+                                <p:cTn id="5" presetID="10" presetClass="entr" presetSubtype="0" fill="hold" nodeType="clickEffect">
+                                  <p:stCondLst>
+                                    <p:cond delay="0"/>
+                                  </p:stCondLst>
+                                  <p:childTnLst>
+                                    <p:set>
+                                      <p:cBhvr>
+                                        <p:cTn id="6" dur="1" fill="hold">
+                                          <p:stCondLst>
+                                            <p:cond delay="0"/>
+                                          </p:stCondLst>
+                                        </p:cTn>
+                                        <p:tgtEl>
+                                          <p:spTgt spid="3">
+                                            <p:txEl>
+                                              <p:pRg st="0" end="0"/>
+                                            </p:txEl>
+                                          </p:spTgt>
+                                        </p:tgtEl>
+                                        <p:attrNameLst>
+                                          <p:attrName>style.visibility</p:attrName>
+                                        </p:attrNameLst>
+                                      </p:cBhvr>
+                                      <p:to>
+                                        <p:strVal val="visible"/>
+                                      </p:to>
+                                    </p:set>
+                                    <p:animEffect transition="in" filter="fade">
+                                      <p:cBhvr>
+                                        <p:cTn id="7" dur="500"/>
+                                        <p:tgtEl>
+                                          <p:spTgt spid="3">
+                                            <p:txEl>
+                                              <p:pRg st="0" end="0"/>
+                                            </p:txEl>
+                                          </p:spTgt>
+                                        </p:tgtEl>
+                                      </p:cBhvr>
+                                    </p:animEffect>
+                                  </p:childTnLst>
+                                </p:cTn>
+                              </p:par>
+                            </p:childTnLst>
+                          </p:cTn>
+                        </p:par>
+                      </p:childTnLst>
+                    </p:cTn>
+                  </p:par>
+                  <p:par>
+                    <p:cTn id="8" fill="hold">
+                      <p:stCondLst>
+                        <p:cond delay="indefinite"/>
+                      </p:stCondLst>
+                      <p:childTnLst>
+                        <p:par>
+                          <p:cTn id="9" fill="hold">
+                            <p:stCondLst>
+                              <p:cond delay="0"/>
+                            </p:stCondLst>
+                            <p:childTnLst>
+                              <p:par>
+                                <p:cTn id="10" presetID="10" presetClass="entr" presetSubtype="0" fill="hold" nodeType="clickEffect">
+                                  <p:stCondLst>
+                                    <p:cond delay="0"/>
+                                  </p:stCondLst>
+                                  <p:childTnLst>
+                                    <p:set>
+                                      <p:cBhvr>
+                                        <p:cTn id="11" dur="1" fill="hold">
+                                          <p:stCondLst>
+                                            <p:cond delay="0"/>
+                                          </p:stCondLst>
+                                        </p:cTn>
+                                        <p:tgtEl>
+                                          <p:spTgt spid="3">
+                                            <p:txEl>
+                                              <p:pRg st="2" end="2"/>
+                                            </p:txEl>
+                                          </p:spTgt>
+                                        </p:tgtEl>
+                                        <p:attrNameLst>
+                                          <p:attrName>style.visibility</p:attrName>
+                                        </p:attrNameLst>
+                                      </p:cBhvr>
+                                      <p:to>
+                                        <p:strVal val="visible"/>
+                                      </p:to>
+                                    </p:set>
+                                    <p:animEffect transition="in" filter="fade">
+                                      <p:cBhvr>
+                                        <p:cTn id="12" dur="500"/>
+                                        <p:tgtEl>
+                                          <p:spTgt spid="3">
+                                            <p:txEl>
+                                              <p:pRg st="2" end="2"/>
+                                            </p:txEl>
+                                          </p:spTgt>
+                                        </p:tgtEl>
+                                      </p:cBhvr>
+                                    </p:animEffect>
+                                  </p:childTnLst>
+                                </p:cTn>
+                              </p:par>
+                            </p:childTnLst>
+                          </p:cTn>
+                        </p:par>
+                      </p:childTnLst>
+                    </p:cTn>
+                  </p:par>
+                  <p:par>
+                    <p:cTn id="13" fill="hold">
+                      <p:stCondLst>
+                        <p:cond delay="indefinite"/>
+                      </p:stCondLst>
+                      <p:childTnLst>
+                        <p:par>
+                          <p:cTn id="14" fill="hold">
+                            <p:stCondLst>
+                              <p:cond delay="0"/>
+                            </p:stCondLst>
+                            <p:childTnLst>
+                              <p:par>
+                                <p:cTn id="15" presetID="10" presetClass="entr" presetSubtype="0" fill="hold" nodeType="clickEffect">
+                                  <p:stCondLst>
+                                    <p:cond delay="0"/>
+                                  </p:stCondLst>
+                                  <p:childTnLst>
+                                    <p:set>
+                                      <p:cBhvr>
+                                        <p:cTn id="16" dur="1" fill="hold">
+                                          <p:stCondLst>
+                                            <p:cond delay="0"/>
+                                          </p:stCondLst>
+                                        </p:cTn>
+                                        <p:tgtEl>
+                                          <p:spTgt spid="3">
+                                            <p:txEl>
+                                              <p:pRg st="3" end="3"/>
+                                            </p:txEl>
+                                          </p:spTgt>
+                                        </p:tgtEl>
+                                        <p:attrNameLst>
+                                          <p:attrName>style.visibility</p:attrName>
+                                        </p:attrNameLst>
+                                      </p:cBhvr>
+                                      <p:to>
+                                        <p:strVal val="visible"/>
+                                      </p:to>
+                                    </p:set>
+                                    <p:animEffect transition="in" filter="fade">
+                                      <p:cBhvr>
+                                        <p:cTn id="17" dur="500"/>
+                                        <p:tgtEl>
+                                          <p:spTgt spid="3">
+                                            <p:txEl>
+                                              <p:pRg st="3" end="3"/>
+                                            </p:txEl>
+                                          </p:spTgt>
+                                        </p:tgtEl>
+                                      </p:cBhvr>
+                                    </p:animEffect>
+                                  </p:childTnLst>
+                                </p:cTn>
+                              </p:par>
+                              <p:par>
+                                <p:cTn id="18" presetID="10" presetClass="entr" presetSubtype="0" fill="hold" nodeType="withEffect">
+                                  <p:stCondLst>
+                                    <p:cond delay="0"/>
+                                  </p:stCondLst>
+                                  <p:childTnLst>
+                                    <p:set>
+                                      <p:cBhvr>
+                                        <p:cTn id="19" dur="1" fill="hold">
+                                          <p:stCondLst>
+                                            <p:cond delay="0"/>
+                                          </p:stCondLst>
+                                        </p:cTn>
+                                        <p:tgtEl>
+                                          <p:spTgt spid="3">
+                                            <p:txEl>
+                                              <p:pRg st="4" end="4"/>
+                                            </p:txEl>
+                                          </p:spTgt>
+                                        </p:tgtEl>
+                                        <p:attrNameLst>
+                                          <p:attrName>style.visibility</p:attrName>
+                                        </p:attrNameLst>
+                                      </p:cBhvr>
+                                      <p:to>
+                                        <p:strVal val="visible"/>
+                                      </p:to>
+                                    </p:set>
+                                    <p:animEffect transition="in" filter="fade">
+                                      <p:cBhvr>
+                                        <p:cTn id="20" dur="500"/>
+                                        <p:tgtEl>
+                                          <p:spTgt spid="3">
+                                            <p:txEl>
+                                              <p:pRg st="4" end="4"/>
+                                            </p:txEl>
+                                          </p:spTgt>
+                                        </p:tgtEl>
+                                      </p:cBhvr>
+                                    </p:animEffect>
+                                  </p:childTnLst>
+                                </p:cTn>
+                              </p:par>
+                            </p:childTnLst>
+                          </p:cTn>
+                        </p:par>
+                      </p:childTnLst>
+                    </p:cTn>
+                  </p:par>
+                  <p:par>
+                    <p:cTn id="21" fill="hold">
+                      <p:stCondLst>
+                        <p:cond delay="indefinite"/>
+                      </p:stCondLst>
+                      <p:childTnLst>
+                        <p:par>
+                          <p:cTn id="22" fill="hold">
+                            <p:stCondLst>
+                              <p:cond delay="0"/>
+                            </p:stCondLst>
+                            <p:childTnLst>
+                              <p:par>
+                                <p:cTn id="23" presetID="10" presetClass="entr" presetSubtype="0" fill="hold" nodeType="clickEffect">
+                                  <p:stCondLst>
+                                    <p:cond delay="0"/>
+                                  </p:stCondLst>
+                                  <p:childTnLst>
+                                    <p:set>
+                                      <p:cBhvr>
+                                        <p:cTn id="24" dur="1" fill="hold">
+                                          <p:stCondLst>
+                                            <p:cond delay="0"/>
+                                          </p:stCondLst>
+                                        </p:cTn>
+                                        <p:tgtEl>
+                                          <p:spTgt spid="3">
+                                            <p:txEl>
+                                              <p:pRg st="6" end="6"/>
+                                            </p:txEl>
+                                          </p:spTgt>
+                                        </p:tgtEl>
+                                        <p:attrNameLst>
+                                          <p:attrName>style.visibility</p:attrName>
+                                        </p:attrNameLst>
+                                      </p:cBhvr>
+                                      <p:to>
+                                        <p:strVal val="visible"/>
+                                      </p:to>
+                                    </p:set>
+                                    <p:animEffect transition="in" filter="fade">
+                                      <p:cBhvr>
+                                        <p:cTn id="25" dur="500"/>
+                                        <p:tgtEl>
+                                          <p:spTgt spid="3">
+                                            <p:txEl>
+                                              <p:pRg st="6" end="6"/>
+                                            </p:txEl>
+                                          </p:spTgt>
+                                        </p:tgtEl>
+                                      </p:cBhvr>
+                                    </p:animEffect>
+                                  </p:childTnLst>
+                                </p:cTn>
+                              </p:par>
+                            </p:childTnLst>
+                          </p:cTn>
+                        </p:par>
+                      </p:childTnLst>
+                    </p:cTn>
+                  </p:par>
+                </p:childTnLst>
+              </p:cTn>
+              <p:prevCondLst>
+                <p:cond evt="onPrev" delay="0">
+                  <p:tgtEl>
+                    <p:sldTgt/>
+                  </p:tgtEl>
+                </p:cond>
+              </p:prevCondLst>
+              <p:nextCondLst>
+                <p:cond evt="onNext" delay="0">
+                  <p:tgtEl>
+                    <p:sldTgt/>
+                  </p:tgtEl>
+                </p:cond>
+              </p:nextCondLst>
+            </p:seq>
+          </p:childTnLst>
+        </p:cTn>
       </p:par>
     </p:tnLst>
   </p:timing>
@@ -5599,6 +7806,417 @@
           <a:p>
             <a:r>
               <a:rPr lang="fr-CH" dirty="0" smtClean="0"/>
+              <a:t>Phase 2</a:t>
+            </a:r>
+            <a:br>
+              <a:rPr lang="fr-CH" dirty="0" smtClean="0"/>
+            </a:br>
+            <a:r>
+              <a:rPr lang="fr-CH" b="1" dirty="0" smtClean="0"/>
+              <a:t>Difficultés rencontrées</a:t>
+            </a:r>
+            <a:endParaRPr lang="fr-CH" b="1" dirty="0"/>
+          </a:p>
+        </p:txBody>
+      </p:sp>
+      <p:sp>
+        <p:nvSpPr>
+          <p:cNvPr id="3" name="Espace réservé du contenu 2"/>
+          <p:cNvSpPr>
+            <a:spLocks noGrp="1"/>
+          </p:cNvSpPr>
+          <p:nvPr>
+            <p:ph idx="1"/>
+          </p:nvPr>
+        </p:nvSpPr>
+        <p:spPr/>
+        <p:txBody>
+          <a:bodyPr>
+            <a:normAutofit/>
+          </a:bodyPr>
+          <a:lstStyle/>
+          <a:p>
+            <a:pPr>
+              <a:buFontTx/>
+              <a:buChar char="-"/>
+            </a:pPr>
+            <a:r>
+              <a:rPr lang="fr-CH" dirty="0" smtClean="0"/>
+              <a:t>Modélisation du système de règles</a:t>
+            </a:r>
+          </a:p>
+          <a:p>
+            <a:pPr lvl="1">
+              <a:buFontTx/>
+              <a:buChar char="-"/>
+            </a:pPr>
+            <a:r>
+              <a:rPr lang="fr-CH" dirty="0" smtClean="0"/>
+              <a:t>Opinions différentes donc légère perte de temps pour la modélisation</a:t>
+            </a:r>
+            <a:endParaRPr lang="fr-CH" dirty="0"/>
+          </a:p>
+          <a:p>
+            <a:pPr lvl="1">
+              <a:buFontTx/>
+              <a:buChar char="-"/>
+            </a:pPr>
+            <a:endParaRPr lang="fr-CH" dirty="0"/>
+          </a:p>
+          <a:p>
+            <a:pPr>
+              <a:buFontTx/>
+              <a:buChar char="-"/>
+            </a:pPr>
+            <a:r>
+              <a:rPr lang="fr-CH" dirty="0" smtClean="0"/>
+              <a:t>API </a:t>
+            </a:r>
+            <a:r>
+              <a:rPr lang="fr-CH" dirty="0" err="1" smtClean="0"/>
+              <a:t>Rest</a:t>
+            </a:r>
+            <a:r>
+              <a:rPr lang="fr-CH" dirty="0" smtClean="0"/>
+              <a:t> avec JAX-RS qui ne fonctionnait pas tout de suite dû à des problèmes de package</a:t>
+            </a:r>
+          </a:p>
+          <a:p>
+            <a:pPr>
+              <a:buFontTx/>
+              <a:buChar char="-"/>
+            </a:pPr>
+            <a:endParaRPr lang="fr-CH" dirty="0" smtClean="0"/>
+          </a:p>
+          <a:p>
+            <a:pPr>
+              <a:buFontTx/>
+              <a:buChar char="-"/>
+            </a:pPr>
+            <a:r>
+              <a:rPr lang="fr-CH" dirty="0" smtClean="0"/>
+              <a:t>Ecriture des tests automatisés</a:t>
+            </a:r>
+          </a:p>
+        </p:txBody>
+      </p:sp>
+    </p:spTree>
+    <p:extLst>
+      <p:ext uri="{BB962C8B-B14F-4D97-AF65-F5344CB8AC3E}">
+        <p14:creationId xmlns:p14="http://schemas.microsoft.com/office/powerpoint/2010/main" val="841191416"/>
+      </p:ext>
+    </p:extLst>
+  </p:cSld>
+  <p:clrMapOvr>
+    <a:masterClrMapping/>
+  </p:clrMapOvr>
+  <mc:AlternateContent xmlns:mc="http://schemas.openxmlformats.org/markup-compatibility/2006" xmlns:p14="http://schemas.microsoft.com/office/powerpoint/2010/main">
+    <mc:Choice Requires="p14">
+      <p:transition spd="slow" p14:dur="1200">
+        <p14:prism/>
+      </p:transition>
+    </mc:Choice>
+    <mc:Fallback xmlns="">
+      <p:transition spd="slow">
+        <p:fade/>
+      </p:transition>
+    </mc:Fallback>
+  </mc:AlternateContent>
+  <p:timing>
+    <p:tnLst>
+      <p:par>
+        <p:cTn id="1" dur="indefinite" restart="never" nodeType="tmRoot">
+          <p:childTnLst>
+            <p:seq concurrent="1" nextAc="seek">
+              <p:cTn id="2" dur="indefinite" nodeType="mainSeq">
+                <p:childTnLst>
+                  <p:par>
+                    <p:cTn id="3" fill="hold">
+                      <p:stCondLst>
+                        <p:cond delay="indefinite"/>
+                      </p:stCondLst>
+                      <p:childTnLst>
+                        <p:par>
+                          <p:cTn id="4" fill="hold">
+                            <p:stCondLst>
+                              <p:cond delay="0"/>
+                            </p:stCondLst>
+                            <p:childTnLst>
+                              <p:par>
+                                <p:cTn id="5" presetID="10" presetClass="entr" presetSubtype="0" fill="hold" nodeType="clickEffect">
+                                  <p:stCondLst>
+                                    <p:cond delay="0"/>
+                                  </p:stCondLst>
+                                  <p:childTnLst>
+                                    <p:set>
+                                      <p:cBhvr>
+                                        <p:cTn id="6" dur="1" fill="hold">
+                                          <p:stCondLst>
+                                            <p:cond delay="0"/>
+                                          </p:stCondLst>
+                                        </p:cTn>
+                                        <p:tgtEl>
+                                          <p:spTgt spid="3">
+                                            <p:txEl>
+                                              <p:pRg st="0" end="0"/>
+                                            </p:txEl>
+                                          </p:spTgt>
+                                        </p:tgtEl>
+                                        <p:attrNameLst>
+                                          <p:attrName>style.visibility</p:attrName>
+                                        </p:attrNameLst>
+                                      </p:cBhvr>
+                                      <p:to>
+                                        <p:strVal val="visible"/>
+                                      </p:to>
+                                    </p:set>
+                                    <p:animEffect transition="in" filter="fade">
+                                      <p:cBhvr>
+                                        <p:cTn id="7" dur="500"/>
+                                        <p:tgtEl>
+                                          <p:spTgt spid="3">
+                                            <p:txEl>
+                                              <p:pRg st="0" end="0"/>
+                                            </p:txEl>
+                                          </p:spTgt>
+                                        </p:tgtEl>
+                                      </p:cBhvr>
+                                    </p:animEffect>
+                                  </p:childTnLst>
+                                </p:cTn>
+                              </p:par>
+                              <p:par>
+                                <p:cTn id="8" presetID="10" presetClass="entr" presetSubtype="0" fill="hold" nodeType="withEffect">
+                                  <p:stCondLst>
+                                    <p:cond delay="0"/>
+                                  </p:stCondLst>
+                                  <p:childTnLst>
+                                    <p:set>
+                                      <p:cBhvr>
+                                        <p:cTn id="9" dur="1" fill="hold">
+                                          <p:stCondLst>
+                                            <p:cond delay="0"/>
+                                          </p:stCondLst>
+                                        </p:cTn>
+                                        <p:tgtEl>
+                                          <p:spTgt spid="3">
+                                            <p:txEl>
+                                              <p:pRg st="1" end="1"/>
+                                            </p:txEl>
+                                          </p:spTgt>
+                                        </p:tgtEl>
+                                        <p:attrNameLst>
+                                          <p:attrName>style.visibility</p:attrName>
+                                        </p:attrNameLst>
+                                      </p:cBhvr>
+                                      <p:to>
+                                        <p:strVal val="visible"/>
+                                      </p:to>
+                                    </p:set>
+                                    <p:animEffect transition="in" filter="fade">
+                                      <p:cBhvr>
+                                        <p:cTn id="10" dur="500"/>
+                                        <p:tgtEl>
+                                          <p:spTgt spid="3">
+                                            <p:txEl>
+                                              <p:pRg st="1" end="1"/>
+                                            </p:txEl>
+                                          </p:spTgt>
+                                        </p:tgtEl>
+                                      </p:cBhvr>
+                                    </p:animEffect>
+                                  </p:childTnLst>
+                                </p:cTn>
+                              </p:par>
+                            </p:childTnLst>
+                          </p:cTn>
+                        </p:par>
+                      </p:childTnLst>
+                    </p:cTn>
+                  </p:par>
+                  <p:par>
+                    <p:cTn id="11" fill="hold">
+                      <p:stCondLst>
+                        <p:cond delay="indefinite"/>
+                      </p:stCondLst>
+                      <p:childTnLst>
+                        <p:par>
+                          <p:cTn id="12" fill="hold">
+                            <p:stCondLst>
+                              <p:cond delay="0"/>
+                            </p:stCondLst>
+                            <p:childTnLst>
+                              <p:par>
+                                <p:cTn id="13" presetID="10" presetClass="entr" presetSubtype="0" fill="hold" nodeType="clickEffect">
+                                  <p:stCondLst>
+                                    <p:cond delay="0"/>
+                                  </p:stCondLst>
+                                  <p:childTnLst>
+                                    <p:set>
+                                      <p:cBhvr>
+                                        <p:cTn id="14" dur="1" fill="hold">
+                                          <p:stCondLst>
+                                            <p:cond delay="0"/>
+                                          </p:stCondLst>
+                                        </p:cTn>
+                                        <p:tgtEl>
+                                          <p:spTgt spid="3">
+                                            <p:txEl>
+                                              <p:pRg st="3" end="3"/>
+                                            </p:txEl>
+                                          </p:spTgt>
+                                        </p:tgtEl>
+                                        <p:attrNameLst>
+                                          <p:attrName>style.visibility</p:attrName>
+                                        </p:attrNameLst>
+                                      </p:cBhvr>
+                                      <p:to>
+                                        <p:strVal val="visible"/>
+                                      </p:to>
+                                    </p:set>
+                                    <p:animEffect transition="in" filter="fade">
+                                      <p:cBhvr>
+                                        <p:cTn id="15" dur="500"/>
+                                        <p:tgtEl>
+                                          <p:spTgt spid="3">
+                                            <p:txEl>
+                                              <p:pRg st="3" end="3"/>
+                                            </p:txEl>
+                                          </p:spTgt>
+                                        </p:tgtEl>
+                                      </p:cBhvr>
+                                    </p:animEffect>
+                                  </p:childTnLst>
+                                </p:cTn>
+                              </p:par>
+                            </p:childTnLst>
+                          </p:cTn>
+                        </p:par>
+                      </p:childTnLst>
+                    </p:cTn>
+                  </p:par>
+                  <p:par>
+                    <p:cTn id="16" fill="hold">
+                      <p:stCondLst>
+                        <p:cond delay="indefinite"/>
+                      </p:stCondLst>
+                      <p:childTnLst>
+                        <p:par>
+                          <p:cTn id="17" fill="hold">
+                            <p:stCondLst>
+                              <p:cond delay="0"/>
+                            </p:stCondLst>
+                            <p:childTnLst>
+                              <p:par>
+                                <p:cTn id="18" presetID="10" presetClass="entr" presetSubtype="0" fill="hold" nodeType="clickEffect">
+                                  <p:stCondLst>
+                                    <p:cond delay="0"/>
+                                  </p:stCondLst>
+                                  <p:childTnLst>
+                                    <p:set>
+                                      <p:cBhvr>
+                                        <p:cTn id="19" dur="1" fill="hold">
+                                          <p:stCondLst>
+                                            <p:cond delay="0"/>
+                                          </p:stCondLst>
+                                        </p:cTn>
+                                        <p:tgtEl>
+                                          <p:spTgt spid="3">
+                                            <p:txEl>
+                                              <p:pRg st="5" end="5"/>
+                                            </p:txEl>
+                                          </p:spTgt>
+                                        </p:tgtEl>
+                                        <p:attrNameLst>
+                                          <p:attrName>style.visibility</p:attrName>
+                                        </p:attrNameLst>
+                                      </p:cBhvr>
+                                      <p:to>
+                                        <p:strVal val="visible"/>
+                                      </p:to>
+                                    </p:set>
+                                    <p:animEffect transition="in" filter="fade">
+                                      <p:cBhvr>
+                                        <p:cTn id="20" dur="500"/>
+                                        <p:tgtEl>
+                                          <p:spTgt spid="3">
+                                            <p:txEl>
+                                              <p:pRg st="5" end="5"/>
+                                            </p:txEl>
+                                          </p:spTgt>
+                                        </p:tgtEl>
+                                      </p:cBhvr>
+                                    </p:animEffect>
+                                  </p:childTnLst>
+                                </p:cTn>
+                              </p:par>
+                            </p:childTnLst>
+                          </p:cTn>
+                        </p:par>
+                      </p:childTnLst>
+                    </p:cTn>
+                  </p:par>
+                </p:childTnLst>
+              </p:cTn>
+              <p:prevCondLst>
+                <p:cond evt="onPrev" delay="0">
+                  <p:tgtEl>
+                    <p:sldTgt/>
+                  </p:tgtEl>
+                </p:cond>
+              </p:prevCondLst>
+              <p:nextCondLst>
+                <p:cond evt="onNext" delay="0">
+                  <p:tgtEl>
+                    <p:sldTgt/>
+                  </p:tgtEl>
+                </p:cond>
+              </p:nextCondLst>
+            </p:seq>
+          </p:childTnLst>
+        </p:cTn>
+      </p:par>
+    </p:tnLst>
+  </p:timing>
+</p:sld>
+</file>
+
+<file path=ppt/slides/slide7.xml><?xml version="1.0" encoding="utf-8"?>
+<p:sld xmlns:a="http://schemas.openxmlformats.org/drawingml/2006/main" xmlns:r="http://schemas.openxmlformats.org/officeDocument/2006/relationships" xmlns:p="http://schemas.openxmlformats.org/presentationml/2006/main">
+  <p:cSld>
+    <p:spTree>
+      <p:nvGrpSpPr>
+        <p:cNvPr id="1" name=""/>
+        <p:cNvGrpSpPr/>
+        <p:nvPr/>
+      </p:nvGrpSpPr>
+      <p:grpSpPr>
+        <a:xfrm>
+          <a:off x="0" y="0"/>
+          <a:ext cx="0" cy="0"/>
+          <a:chOff x="0" y="0"/>
+          <a:chExt cx="0" cy="0"/>
+        </a:xfrm>
+      </p:grpSpPr>
+      <p:sp>
+        <p:nvSpPr>
+          <p:cNvPr id="2" name="Titre 1"/>
+          <p:cNvSpPr>
+            <a:spLocks noGrp="1"/>
+          </p:cNvSpPr>
+          <p:nvPr>
+            <p:ph type="title"/>
+          </p:nvPr>
+        </p:nvSpPr>
+        <p:spPr/>
+        <p:txBody>
+          <a:bodyPr>
+            <a:normAutofit fontScale="90000"/>
+          </a:bodyPr>
+          <a:lstStyle/>
+          <a:p>
+            <a:r>
+              <a:rPr lang="fr-CH" dirty="0" smtClean="0"/>
               <a:t>Phase 3</a:t>
             </a:r>
             <a:br>
@@ -5690,7 +8308,7 @@
           <p:nvPr/>
         </p:nvPicPr>
         <p:blipFill rotWithShape="1">
-          <a:blip r:embed="rId2">
+          <a:blip r:embed="rId3">
             <a:extLst>
               <a:ext uri="{28A0092B-C50C-407E-A947-70E740481C1C}">
                 <a14:useLocalDpi xmlns:a14="http://schemas.microsoft.com/office/drawing/2010/main" val="0"/>
@@ -5737,7 +8355,7 @@
           <p:nvPr/>
         </p:nvPicPr>
         <p:blipFill>
-          <a:blip r:embed="rId3">
+          <a:blip r:embed="rId4">
             <a:extLst>
               <a:ext uri="{28A0092B-C50C-407E-A947-70E740481C1C}">
                 <a14:useLocalDpi xmlns:a14="http://schemas.microsoft.com/office/drawing/2010/main" val="0"/>
@@ -5778,7 +8396,7 @@
           <p:nvPr/>
         </p:nvPicPr>
         <p:blipFill>
-          <a:blip r:embed="rId4">
+          <a:blip r:embed="rId5">
             <a:extLst>
               <a:ext uri="{28A0092B-C50C-407E-A947-70E740481C1C}">
                 <a14:useLocalDpi xmlns:a14="http://schemas.microsoft.com/office/drawing/2010/main" val="0"/>
@@ -5896,13 +8514,13 @@
   <p:clrMapOvr>
     <a:masterClrMapping/>
   </p:clrMapOvr>
-  <mc:AlternateContent xmlns:mc="http://schemas.openxmlformats.org/markup-compatibility/2006">
-    <mc:Choice xmlns:p14="http://schemas.microsoft.com/office/powerpoint/2010/main" Requires="p14">
+  <mc:AlternateContent xmlns:mc="http://schemas.openxmlformats.org/markup-compatibility/2006" xmlns:p14="http://schemas.microsoft.com/office/powerpoint/2010/main">
+    <mc:Choice Requires="p14">
       <p:transition spd="slow" p14:dur="1200">
         <p14:prism/>
       </p:transition>
     </mc:Choice>
-    <mc:Fallback>
+    <mc:Fallback xmlns="">
       <p:transition spd="slow">
         <p:fade/>
       </p:transition>
@@ -6339,7 +8957,7 @@
 </p:sld>
 </file>
 
-<file path=ppt/slides/slide7.xml><?xml version="1.0" encoding="utf-8"?>
+<file path=ppt/slides/slide8.xml><?xml version="1.0" encoding="utf-8"?>
 <p:sld xmlns:a="http://schemas.openxmlformats.org/drawingml/2006/main" xmlns:r="http://schemas.openxmlformats.org/officeDocument/2006/relationships" xmlns:p="http://schemas.openxmlformats.org/presentationml/2006/main">
   <p:cSld>
     <p:spTree>
@@ -6420,11 +9038,7 @@
             </a:r>
             <a:r>
               <a:rPr lang="fr-CH" dirty="0" smtClean="0"/>
-              <a:t>Lors </a:t>
-            </a:r>
-            <a:r>
-              <a:rPr lang="fr-CH" dirty="0" smtClean="0"/>
-              <a:t>de la réception d’événement</a:t>
+              <a:t>Lors de la réception d’événement</a:t>
             </a:r>
           </a:p>
           <a:p>
@@ -6437,23 +9051,11 @@
             </a:r>
             <a:r>
               <a:rPr lang="fr-CH" b="1" dirty="0" smtClean="0"/>
-              <a:t>verrouillage </a:t>
-            </a:r>
-            <a:r>
-              <a:rPr lang="fr-CH" b="1" dirty="0" smtClean="0"/>
-              <a:t>pessimiste de l’applicatio</a:t>
-            </a:r>
-            <a:r>
-              <a:rPr lang="fr-CH" b="1" dirty="0" smtClean="0"/>
-              <a:t>n concernée</a:t>
+              <a:t>verrouillage pessimiste de l’application concernée</a:t>
             </a:r>
             <a:r>
               <a:rPr lang="fr-CH" dirty="0" smtClean="0"/>
-              <a:t>) </a:t>
-            </a:r>
-            <a:r>
-              <a:rPr lang="fr-CH" dirty="0" smtClean="0"/>
-              <a:t>à chaque réception d’événement</a:t>
+              <a:t>) à chaque réception d’événement</a:t>
             </a:r>
           </a:p>
           <a:p>
@@ -6546,13 +9148,13 @@
   <p:clrMapOvr>
     <a:masterClrMapping/>
   </p:clrMapOvr>
-  <mc:AlternateContent xmlns:mc="http://schemas.openxmlformats.org/markup-compatibility/2006">
-    <mc:Choice xmlns:p14="http://schemas.microsoft.com/office/powerpoint/2010/main" Requires="p14">
+  <mc:AlternateContent xmlns:mc="http://schemas.openxmlformats.org/markup-compatibility/2006" xmlns:p14="http://schemas.microsoft.com/office/powerpoint/2010/main">
+    <mc:Choice Requires="p14">
       <p:transition spd="slow" p14:dur="1200">
         <p14:prism/>
       </p:transition>
     </mc:Choice>
-    <mc:Fallback>
+    <mc:Fallback xmlns="">
       <p:transition spd="slow">
         <p:fade/>
       </p:transition>
@@ -6896,7 +9498,7 @@
 </p:sld>
 </file>
 
-<file path=ppt/slides/slide8.xml><?xml version="1.0" encoding="utf-8"?>
+<file path=ppt/slides/slide9.xml><?xml version="1.0" encoding="utf-8"?>
 <p:sld xmlns:a="http://schemas.openxmlformats.org/drawingml/2006/main" xmlns:r="http://schemas.openxmlformats.org/officeDocument/2006/relationships" xmlns:p="http://schemas.openxmlformats.org/presentationml/2006/main">
   <p:cSld>
     <p:spTree>
@@ -6968,12 +9570,541 @@
           <a:p>
             <a:endParaRPr lang="fr-CH" dirty="0"/>
           </a:p>
-          <a:p>
-            <a:r>
-              <a:rPr lang="fr-CH" dirty="0" smtClean="0"/>
-              <a:t>Expliquer…</a:t>
-            </a:r>
-            <a:endParaRPr lang="fr-CH" dirty="0"/>
+        </p:txBody>
+      </p:sp>
+      <p:sp>
+        <p:nvSpPr>
+          <p:cNvPr id="4" name="Rectangle à coins arrondis 3"/>
+          <p:cNvSpPr/>
+          <p:nvPr/>
+        </p:nvSpPr>
+        <p:spPr>
+          <a:xfrm>
+            <a:off x="6444208" y="4833156"/>
+            <a:ext cx="2448272" cy="1584176"/>
+          </a:xfrm>
+          <a:prstGeom prst="roundRect">
+            <a:avLst/>
+          </a:prstGeom>
+        </p:spPr>
+        <p:style>
+          <a:lnRef idx="1">
+            <a:schemeClr val="accent5"/>
+          </a:lnRef>
+          <a:fillRef idx="3">
+            <a:schemeClr val="accent5"/>
+          </a:fillRef>
+          <a:effectRef idx="2">
+            <a:schemeClr val="accent5"/>
+          </a:effectRef>
+          <a:fontRef idx="minor">
+            <a:schemeClr val="lt1"/>
+          </a:fontRef>
+        </p:style>
+        <p:txBody>
+          <a:bodyPr rtlCol="0" anchor="ctr"/>
+          <a:lstStyle/>
+          <a:p>
+            <a:pPr algn="ctr"/>
+            <a:r>
+              <a:rPr lang="fr-CH" sz="2800" dirty="0" smtClean="0"/>
+              <a:t>Base de données</a:t>
+            </a:r>
+            <a:br>
+              <a:rPr lang="fr-CH" sz="2800" dirty="0" smtClean="0"/>
+            </a:br>
+            <a:r>
+              <a:rPr lang="fr-CH" sz="2800" dirty="0" smtClean="0"/>
+              <a:t>(règles)</a:t>
+            </a:r>
+            <a:endParaRPr lang="fr-CH" sz="2800" dirty="0"/>
+          </a:p>
+        </p:txBody>
+      </p:sp>
+      <p:sp>
+        <p:nvSpPr>
+          <p:cNvPr id="5" name="Rectangle à coins arrondis 4"/>
+          <p:cNvSpPr/>
+          <p:nvPr/>
+        </p:nvSpPr>
+        <p:spPr>
+          <a:xfrm>
+            <a:off x="323528" y="5157192"/>
+            <a:ext cx="2448272" cy="914400"/>
+          </a:xfrm>
+          <a:prstGeom prst="roundRect">
+            <a:avLst/>
+          </a:prstGeom>
+        </p:spPr>
+        <p:style>
+          <a:lnRef idx="1">
+            <a:schemeClr val="accent5"/>
+          </a:lnRef>
+          <a:fillRef idx="3">
+            <a:schemeClr val="accent5"/>
+          </a:fillRef>
+          <a:effectRef idx="2">
+            <a:schemeClr val="accent5"/>
+          </a:effectRef>
+          <a:fontRef idx="minor">
+            <a:schemeClr val="lt1"/>
+          </a:fontRef>
+        </p:style>
+        <p:txBody>
+          <a:bodyPr rtlCol="0" anchor="ctr"/>
+          <a:lstStyle/>
+          <a:p>
+            <a:pPr algn="ctr"/>
+            <a:r>
+              <a:rPr lang="fr-CH" sz="2800" dirty="0" smtClean="0"/>
+              <a:t>JPA</a:t>
+            </a:r>
+            <a:endParaRPr lang="fr-CH" sz="2800" dirty="0"/>
+          </a:p>
+        </p:txBody>
+      </p:sp>
+      <p:cxnSp>
+        <p:nvCxnSpPr>
+          <p:cNvPr id="7" name="Connecteur droit avec flèche 6"/>
+          <p:cNvCxnSpPr>
+            <a:stCxn id="5" idx="3"/>
+            <a:endCxn id="4" idx="1"/>
+          </p:cNvCxnSpPr>
+          <p:nvPr/>
+        </p:nvCxnSpPr>
+        <p:spPr>
+          <a:xfrm>
+            <a:off x="2771800" y="5614392"/>
+            <a:ext cx="3672408" cy="10852"/>
+          </a:xfrm>
+          <a:prstGeom prst="straightConnector1">
+            <a:avLst/>
+          </a:prstGeom>
+          <a:ln w="76200">
+            <a:solidFill>
+              <a:srgbClr val="FF0000"/>
+            </a:solidFill>
+            <a:headEnd type="arrow"/>
+            <a:tailEnd type="arrow"/>
+          </a:ln>
+        </p:spPr>
+        <p:style>
+          <a:lnRef idx="1">
+            <a:schemeClr val="accent1"/>
+          </a:lnRef>
+          <a:fillRef idx="0">
+            <a:schemeClr val="accent1"/>
+          </a:fillRef>
+          <a:effectRef idx="0">
+            <a:schemeClr val="accent1"/>
+          </a:effectRef>
+          <a:fontRef idx="minor">
+            <a:schemeClr val="tx1"/>
+          </a:fontRef>
+        </p:style>
+      </p:cxnSp>
+      <p:pic>
+        <p:nvPicPr>
+          <p:cNvPr id="1026" name="Picture 2"/>
+          <p:cNvPicPr>
+            <a:picLocks noChangeAspect="1" noChangeArrowheads="1"/>
+          </p:cNvPicPr>
+          <p:nvPr/>
+        </p:nvPicPr>
+        <p:blipFill>
+          <a:blip r:embed="rId3">
+            <a:extLst>
+              <a:ext uri="{28A0092B-C50C-407E-A947-70E740481C1C}">
+                <a14:useLocalDpi xmlns:a14="http://schemas.microsoft.com/office/drawing/2010/main" val="0"/>
+              </a:ext>
+            </a:extLst>
+          </a:blip>
+          <a:srcRect/>
+          <a:stretch>
+            <a:fillRect/>
+          </a:stretch>
+        </p:blipFill>
+        <p:spPr bwMode="auto">
+          <a:xfrm>
+            <a:off x="4127834" y="5289696"/>
+            <a:ext cx="952500" cy="885825"/>
+          </a:xfrm>
+          <a:prstGeom prst="rect">
+            <a:avLst/>
+          </a:prstGeom>
+          <a:noFill/>
+          <a:ln>
+            <a:noFill/>
+          </a:ln>
+          <a:extLst>
+            <a:ext uri="{909E8E84-426E-40DD-AFC4-6F175D3DCCD1}">
+              <a14:hiddenFill xmlns:a14="http://schemas.microsoft.com/office/drawing/2010/main">
+                <a:solidFill>
+                  <a:schemeClr val="accent1"/>
+                </a:solidFill>
+              </a14:hiddenFill>
+            </a:ext>
+            <a:ext uri="{91240B29-F687-4F45-9708-019B960494DF}">
+              <a14:hiddenLine xmlns:a14="http://schemas.microsoft.com/office/drawing/2010/main" w="9525">
+                <a:solidFill>
+                  <a:schemeClr val="tx1"/>
+                </a:solidFill>
+                <a:miter lim="800000"/>
+                <a:headEnd/>
+                <a:tailEnd/>
+              </a14:hiddenLine>
+            </a:ext>
+          </a:extLst>
+        </p:spPr>
+      </p:pic>
+      <p:sp>
+        <p:nvSpPr>
+          <p:cNvPr id="13" name="Rectangle à coins arrondis 12"/>
+          <p:cNvSpPr/>
+          <p:nvPr/>
+        </p:nvSpPr>
+        <p:spPr>
+          <a:xfrm>
+            <a:off x="3163924" y="3636314"/>
+            <a:ext cx="2880320" cy="1044116"/>
+          </a:xfrm>
+          <a:prstGeom prst="roundRect">
+            <a:avLst/>
+          </a:prstGeom>
+        </p:spPr>
+        <p:style>
+          <a:lnRef idx="1">
+            <a:schemeClr val="accent3"/>
+          </a:lnRef>
+          <a:fillRef idx="3">
+            <a:schemeClr val="accent3"/>
+          </a:fillRef>
+          <a:effectRef idx="2">
+            <a:schemeClr val="accent3"/>
+          </a:effectRef>
+          <a:fontRef idx="minor">
+            <a:schemeClr val="lt1"/>
+          </a:fontRef>
+        </p:style>
+        <p:txBody>
+          <a:bodyPr rtlCol="0" anchor="ctr"/>
+          <a:lstStyle/>
+          <a:p>
+            <a:pPr algn="ctr"/>
+            <a:r>
+              <a:rPr lang="fr-CH" sz="4400" dirty="0" smtClean="0"/>
+              <a:t>Cache</a:t>
+            </a:r>
+            <a:endParaRPr lang="fr-CH" sz="4400" dirty="0"/>
+          </a:p>
+        </p:txBody>
+      </p:sp>
+      <p:sp>
+        <p:nvSpPr>
+          <p:cNvPr id="15" name="Rectangle à coins arrondis 14"/>
+          <p:cNvSpPr/>
+          <p:nvPr/>
+        </p:nvSpPr>
+        <p:spPr>
+          <a:xfrm>
+            <a:off x="467544" y="2416261"/>
+            <a:ext cx="2880320" cy="1044116"/>
+          </a:xfrm>
+          <a:prstGeom prst="roundRect">
+            <a:avLst/>
+          </a:prstGeom>
+        </p:spPr>
+        <p:style>
+          <a:lnRef idx="0">
+            <a:schemeClr val="accent6"/>
+          </a:lnRef>
+          <a:fillRef idx="3">
+            <a:schemeClr val="accent6"/>
+          </a:fillRef>
+          <a:effectRef idx="3">
+            <a:schemeClr val="accent6"/>
+          </a:effectRef>
+          <a:fontRef idx="minor">
+            <a:schemeClr val="lt1"/>
+          </a:fontRef>
+        </p:style>
+        <p:txBody>
+          <a:bodyPr rtlCol="0" anchor="ctr"/>
+          <a:lstStyle/>
+          <a:p>
+            <a:pPr algn="ctr"/>
+            <a:r>
+              <a:rPr lang="fr-CH" sz="3000" dirty="0" err="1" smtClean="0"/>
+              <a:t>RulesManager</a:t>
+            </a:r>
+            <a:endParaRPr lang="fr-CH" sz="3000" dirty="0"/>
+          </a:p>
+        </p:txBody>
+      </p:sp>
+      <p:cxnSp>
+        <p:nvCxnSpPr>
+          <p:cNvPr id="16" name="Connecteur en angle 15"/>
+          <p:cNvCxnSpPr>
+            <a:stCxn id="15" idx="3"/>
+            <a:endCxn id="13" idx="0"/>
+          </p:cNvCxnSpPr>
+          <p:nvPr/>
+        </p:nvCxnSpPr>
+        <p:spPr>
+          <a:xfrm>
+            <a:off x="3347864" y="2938319"/>
+            <a:ext cx="1256220" cy="697995"/>
+          </a:xfrm>
+          <a:prstGeom prst="bentConnector2">
+            <a:avLst/>
+          </a:prstGeom>
+          <a:ln w="57150">
+            <a:solidFill>
+              <a:srgbClr val="0070C0"/>
+            </a:solidFill>
+            <a:tailEnd type="arrow"/>
+          </a:ln>
+        </p:spPr>
+        <p:style>
+          <a:lnRef idx="1">
+            <a:schemeClr val="accent1"/>
+          </a:lnRef>
+          <a:fillRef idx="0">
+            <a:schemeClr val="accent1"/>
+          </a:fillRef>
+          <a:effectRef idx="0">
+            <a:schemeClr val="accent1"/>
+          </a:effectRef>
+          <a:fontRef idx="minor">
+            <a:schemeClr val="tx1"/>
+          </a:fontRef>
+        </p:style>
+      </p:cxnSp>
+      <p:sp>
+        <p:nvSpPr>
+          <p:cNvPr id="17" name="ZoneTexte 16"/>
+          <p:cNvSpPr txBox="1"/>
+          <p:nvPr/>
+        </p:nvSpPr>
+        <p:spPr>
+          <a:xfrm>
+            <a:off x="3374504" y="2452246"/>
+            <a:ext cx="2286973" cy="369332"/>
+          </a:xfrm>
+          <a:prstGeom prst="rect">
+            <a:avLst/>
+          </a:prstGeom>
+          <a:noFill/>
+        </p:spPr>
+        <p:txBody>
+          <a:bodyPr wrap="none" rtlCol="0">
+            <a:spAutoFit/>
+          </a:bodyPr>
+          <a:lstStyle/>
+          <a:p>
+            <a:r>
+              <a:rPr lang="fr-CH" b="1" dirty="0" err="1" smtClean="0">
+                <a:solidFill>
+                  <a:srgbClr val="0070C0"/>
+                </a:solidFill>
+              </a:rPr>
+              <a:t>findRules</a:t>
+            </a:r>
+            <a:r>
+              <a:rPr lang="fr-CH" b="1" dirty="0" smtClean="0">
+                <a:solidFill>
+                  <a:srgbClr val="0070C0"/>
+                </a:solidFill>
+              </a:rPr>
+              <a:t> for an </a:t>
+            </a:r>
+            <a:r>
+              <a:rPr lang="fr-CH" b="1" dirty="0" err="1" smtClean="0">
+                <a:solidFill>
+                  <a:srgbClr val="0070C0"/>
+                </a:solidFill>
+              </a:rPr>
+              <a:t>event</a:t>
+            </a:r>
+            <a:endParaRPr lang="fr-CH" b="1" dirty="0">
+              <a:solidFill>
+                <a:srgbClr val="0070C0"/>
+              </a:solidFill>
+            </a:endParaRPr>
+          </a:p>
+        </p:txBody>
+      </p:sp>
+      <p:cxnSp>
+        <p:nvCxnSpPr>
+          <p:cNvPr id="22" name="Connecteur en angle 21"/>
+          <p:cNvCxnSpPr>
+            <a:stCxn id="4" idx="0"/>
+            <a:endCxn id="13" idx="3"/>
+          </p:cNvCxnSpPr>
+          <p:nvPr/>
+        </p:nvCxnSpPr>
+        <p:spPr>
+          <a:xfrm rot="16200000" flipV="1">
+            <a:off x="6518902" y="3683714"/>
+            <a:ext cx="674784" cy="1624100"/>
+          </a:xfrm>
+          <a:prstGeom prst="bentConnector2">
+            <a:avLst/>
+          </a:prstGeom>
+          <a:ln w="57150">
+            <a:tailEnd type="arrow"/>
+          </a:ln>
+        </p:spPr>
+        <p:style>
+          <a:lnRef idx="1">
+            <a:schemeClr val="accent1"/>
+          </a:lnRef>
+          <a:fillRef idx="0">
+            <a:schemeClr val="accent1"/>
+          </a:fillRef>
+          <a:effectRef idx="0">
+            <a:schemeClr val="accent1"/>
+          </a:effectRef>
+          <a:fontRef idx="minor">
+            <a:schemeClr val="tx1"/>
+          </a:fontRef>
+        </p:style>
+      </p:cxnSp>
+      <p:sp>
+        <p:nvSpPr>
+          <p:cNvPr id="30" name="ZoneTexte 29"/>
+          <p:cNvSpPr txBox="1"/>
+          <p:nvPr/>
+        </p:nvSpPr>
+        <p:spPr>
+          <a:xfrm>
+            <a:off x="6266466" y="3655459"/>
+            <a:ext cx="2566985" cy="369332"/>
+          </a:xfrm>
+          <a:prstGeom prst="rect">
+            <a:avLst/>
+          </a:prstGeom>
+          <a:noFill/>
+        </p:spPr>
+        <p:txBody>
+          <a:bodyPr wrap="none" rtlCol="0">
+            <a:spAutoFit/>
+          </a:bodyPr>
+          <a:lstStyle/>
+          <a:p>
+            <a:r>
+              <a:rPr lang="fr-CH" b="1" dirty="0" err="1" smtClean="0">
+                <a:solidFill>
+                  <a:srgbClr val="0070C0"/>
+                </a:solidFill>
+              </a:rPr>
+              <a:t>loadAllRules</a:t>
+            </a:r>
+            <a:r>
+              <a:rPr lang="fr-CH" b="1" dirty="0" smtClean="0">
+                <a:solidFill>
+                  <a:srgbClr val="0070C0"/>
+                </a:solidFill>
+              </a:rPr>
+              <a:t> (cache vide)</a:t>
+            </a:r>
+            <a:endParaRPr lang="fr-CH" b="1" dirty="0">
+              <a:solidFill>
+                <a:srgbClr val="0070C0"/>
+              </a:solidFill>
+            </a:endParaRPr>
+          </a:p>
+        </p:txBody>
+      </p:sp>
+      <p:cxnSp>
+        <p:nvCxnSpPr>
+          <p:cNvPr id="36" name="Connecteur en angle 35"/>
+          <p:cNvCxnSpPr>
+            <a:stCxn id="15" idx="2"/>
+            <a:endCxn id="13" idx="1"/>
+          </p:cNvCxnSpPr>
+          <p:nvPr/>
+        </p:nvCxnSpPr>
+        <p:spPr>
+          <a:xfrm rot="16200000" flipH="1">
+            <a:off x="2186817" y="3181264"/>
+            <a:ext cx="697995" cy="1256220"/>
+          </a:xfrm>
+          <a:prstGeom prst="bentConnector2">
+            <a:avLst/>
+          </a:prstGeom>
+          <a:ln w="57150">
+            <a:solidFill>
+              <a:srgbClr val="00B050"/>
+            </a:solidFill>
+            <a:tailEnd type="arrow"/>
+          </a:ln>
+        </p:spPr>
+        <p:style>
+          <a:lnRef idx="1">
+            <a:schemeClr val="accent1"/>
+          </a:lnRef>
+          <a:fillRef idx="0">
+            <a:schemeClr val="accent1"/>
+          </a:fillRef>
+          <a:effectRef idx="0">
+            <a:schemeClr val="accent1"/>
+          </a:effectRef>
+          <a:fontRef idx="minor">
+            <a:schemeClr val="tx1"/>
+          </a:fontRef>
+        </p:style>
+      </p:cxnSp>
+      <p:sp>
+        <p:nvSpPr>
+          <p:cNvPr id="38" name="ZoneTexte 37"/>
+          <p:cNvSpPr txBox="1"/>
+          <p:nvPr/>
+        </p:nvSpPr>
+        <p:spPr>
+          <a:xfrm>
+            <a:off x="1115616" y="4294837"/>
+            <a:ext cx="1885324" cy="646331"/>
+          </a:xfrm>
+          <a:prstGeom prst="rect">
+            <a:avLst/>
+          </a:prstGeom>
+          <a:noFill/>
+        </p:spPr>
+        <p:txBody>
+          <a:bodyPr wrap="none" rtlCol="0">
+            <a:spAutoFit/>
+          </a:bodyPr>
+          <a:lstStyle/>
+          <a:p>
+            <a:r>
+              <a:rPr lang="fr-CH" b="1" dirty="0" smtClean="0">
+                <a:solidFill>
+                  <a:srgbClr val="00B050"/>
+                </a:solidFill>
+              </a:rPr>
+              <a:t>Ajout d’une règle </a:t>
+            </a:r>
+            <a:br>
+              <a:rPr lang="fr-CH" b="1" dirty="0" smtClean="0">
+                <a:solidFill>
+                  <a:srgbClr val="00B050"/>
+                </a:solidFill>
+              </a:rPr>
+            </a:br>
+            <a:r>
+              <a:rPr lang="fr-CH" b="1" dirty="0" smtClean="0">
+                <a:solidFill>
+                  <a:srgbClr val="00B050"/>
+                </a:solidFill>
+              </a:rPr>
+              <a:t>(vidage du cache)</a:t>
+            </a:r>
+            <a:endParaRPr lang="fr-CH" b="1" dirty="0">
+              <a:solidFill>
+                <a:srgbClr val="00B050"/>
+              </a:solidFill>
+            </a:endParaRPr>
           </a:p>
         </p:txBody>
       </p:sp>
@@ -6987,13 +10118,13 @@
   <p:clrMapOvr>
     <a:masterClrMapping/>
   </p:clrMapOvr>
-  <mc:AlternateContent xmlns:mc="http://schemas.openxmlformats.org/markup-compatibility/2006">
-    <mc:Choice xmlns:p14="http://schemas.microsoft.com/office/powerpoint/2010/main" Requires="p14">
+  <mc:AlternateContent xmlns:mc="http://schemas.openxmlformats.org/markup-compatibility/2006" xmlns:p14="http://schemas.microsoft.com/office/powerpoint/2010/main">
+    <mc:Choice Requires="p14">
       <p:transition spd="slow" p14:dur="1200">
         <p14:prism/>
       </p:transition>
     </mc:Choice>
-    <mc:Fallback>
+    <mc:Fallback xmlns="">
       <p:transition spd="slow">
         <p:fade/>
       </p:transition>
@@ -7068,67 +10199,6 @@
                       </p:childTnLst>
                     </p:cTn>
                   </p:par>
-                  <p:par>
-                    <p:cTn id="8" fill="hold">
-                      <p:stCondLst>
-                        <p:cond delay="indefinite"/>
-                      </p:stCondLst>
-                      <p:childTnLst>
-                        <p:par>
-                          <p:cTn id="9" fill="hold">
-                            <p:stCondLst>
-                              <p:cond delay="0"/>
-                            </p:stCondLst>
-                            <p:childTnLst>
-                              <p:par>
-                                <p:cTn id="10" presetID="10" presetClass="entr" presetSubtype="0" fill="hold" nodeType="clickEffect">
-                                  <p:stCondLst>
-                                    <p:cond delay="0"/>
-                                  </p:stCondLst>
-                                  <p:childTnLst>
-                                    <p:set>
-                                      <p:cBhvr>
-                                        <p:cTn id="11" dur="1" fill="hold">
-                                          <p:stCondLst>
-                                            <p:cond delay="0"/>
-                                          </p:stCondLst>
-                                        </p:cTn>
-                                        <p:tgtEl>
-                                          <p:spTgt spid="3">
-                                            <p:txEl>
-                                              <p:pRg st="2" end="2"/>
-                                            </p:txEl>
-                                          </p:spTgt>
-                                        </p:tgtEl>
-                                        <p:attrNameLst>
-                                          <p:attrName>style.visibility</p:attrName>
-                                        </p:attrNameLst>
-                                      </p:cBhvr>
-                                      <p:to>
-                                        <p:strVal val="visible"/>
-                                      </p:to>
-                                    </p:set>
-                                    <p:animEffect transition="in" filter="fade">
-                                      <p:cBhvr>
-                                        <p:cTn id="12" dur="500"/>
-                                        <p:tgtEl>
-                                          <p:spTgt spid="3">
-                                            <p:txEl>
-                                              <p:pRg st="2" end="2"/>
-                                            </p:txEl>
-                                          </p:spTgt>
-                                        </p:tgtEl>
-                                      </p:cBhvr>
-                                    </p:animEffect>
-                                  </p:childTnLst>
-                                </p:cTn>
-                              </p:par>
-                            </p:childTnLst>
-                          </p:cTn>
-                        </p:par>
-                      </p:childTnLst>
-                    </p:cTn>
-                  </p:par>
                 </p:childTnLst>
               </p:cTn>
               <p:prevCondLst>
@@ -7150,436 +10220,6 @@
         </p:cTn>
       </p:par>
     </p:tnLst>
-  </p:timing>
-</p:sld>
-</file>
-
-<file path=ppt/slides/slide9.xml><?xml version="1.0" encoding="utf-8"?>
-<p:sld xmlns:a="http://schemas.openxmlformats.org/drawingml/2006/main" xmlns:r="http://schemas.openxmlformats.org/officeDocument/2006/relationships" xmlns:p="http://schemas.openxmlformats.org/presentationml/2006/main">
-  <p:cSld>
-    <p:spTree>
-      <p:nvGrpSpPr>
-        <p:cNvPr id="1" name=""/>
-        <p:cNvGrpSpPr/>
-        <p:nvPr/>
-      </p:nvGrpSpPr>
-      <p:grpSpPr>
-        <a:xfrm>
-          <a:off x="0" y="0"/>
-          <a:ext cx="0" cy="0"/>
-          <a:chOff x="0" y="0"/>
-          <a:chExt cx="0" cy="0"/>
-        </a:xfrm>
-      </p:grpSpPr>
-      <p:sp>
-        <p:nvSpPr>
-          <p:cNvPr id="2" name="Titre 1"/>
-          <p:cNvSpPr>
-            <a:spLocks noGrp="1"/>
-          </p:cNvSpPr>
-          <p:nvPr>
-            <p:ph type="title"/>
-          </p:nvPr>
-        </p:nvSpPr>
-        <p:spPr/>
-        <p:txBody>
-          <a:bodyPr>
-            <a:normAutofit fontScale="90000"/>
-          </a:bodyPr>
-          <a:lstStyle/>
-          <a:p>
-            <a:r>
-              <a:rPr lang="fr-CH" dirty="0" smtClean="0"/>
-              <a:t>Phase 3</a:t>
-            </a:r>
-            <a:br>
-              <a:rPr lang="fr-CH" dirty="0" smtClean="0"/>
-            </a:br>
-            <a:r>
-              <a:rPr lang="fr-CH" b="1" dirty="0" smtClean="0"/>
-              <a:t>Sans cache VS Avec cache (Synchrone)</a:t>
-            </a:r>
-            <a:endParaRPr lang="fr-CH" b="1" dirty="0"/>
-          </a:p>
-        </p:txBody>
-      </p:sp>
-      <p:pic>
-        <p:nvPicPr>
-          <p:cNvPr id="1026" name="Picture 2" descr="D:\HEIG-VD\Semestre 5\AMT - Applications multi-tiers\Teaching-HEIGVD-AMT-2015-Project\report\pictures\picturesPartie3\VersionSansCache\Sync\Pool10.PNG"/>
-          <p:cNvPicPr>
-            <a:picLocks noChangeAspect="1" noChangeArrowheads="1"/>
-          </p:cNvPicPr>
-          <p:nvPr/>
-        </p:nvPicPr>
-        <p:blipFill rotWithShape="1">
-          <a:blip r:embed="rId2">
-            <a:extLst>
-              <a:ext uri="{28A0092B-C50C-407E-A947-70E740481C1C}">
-                <a14:useLocalDpi xmlns:a14="http://schemas.microsoft.com/office/drawing/2010/main" val="0"/>
-              </a:ext>
-            </a:extLst>
-          </a:blip>
-          <a:srcRect l="1172" t="16039" r="6581" b="5486"/>
-          <a:stretch/>
-        </p:blipFill>
-        <p:spPr bwMode="auto">
-          <a:xfrm>
-            <a:off x="23711" y="1988840"/>
-            <a:ext cx="8796761" cy="4032448"/>
-          </a:xfrm>
-          <a:prstGeom prst="rect">
-            <a:avLst/>
-          </a:prstGeom>
-          <a:noFill/>
-          <a:extLst>
-            <a:ext uri="{909E8E84-426E-40DD-AFC4-6F175D3DCCD1}">
-              <a14:hiddenFill xmlns:a14="http://schemas.microsoft.com/office/drawing/2010/main">
-                <a:solidFill>
-                  <a:srgbClr val="FFFFFF"/>
-                </a:solidFill>
-              </a14:hiddenFill>
-            </a:ext>
-          </a:extLst>
-        </p:spPr>
-      </p:pic>
-      <p:pic>
-        <p:nvPicPr>
-          <p:cNvPr id="1027" name="Picture 3" descr="D:\HEIG-VD\Semestre 5\AMT - Applications multi-tiers\Teaching-HEIGVD-AMT-2015-Project\report\pictures\picturesPartie3\VersionAvecCache\Sync\Pool10.PNG"/>
-          <p:cNvPicPr>
-            <a:picLocks noChangeAspect="1" noChangeArrowheads="1"/>
-          </p:cNvPicPr>
-          <p:nvPr/>
-        </p:nvPicPr>
-        <p:blipFill>
-          <a:blip r:embed="rId3">
-            <a:extLst>
-              <a:ext uri="{28A0092B-C50C-407E-A947-70E740481C1C}">
-                <a14:useLocalDpi xmlns:a14="http://schemas.microsoft.com/office/drawing/2010/main" val="0"/>
-              </a:ext>
-            </a:extLst>
-          </a:blip>
-          <a:srcRect/>
-          <a:stretch>
-            <a:fillRect/>
-          </a:stretch>
-        </p:blipFill>
-        <p:spPr bwMode="auto">
-          <a:xfrm>
-            <a:off x="1358203" y="3212977"/>
-            <a:ext cx="7798048" cy="3672408"/>
-          </a:xfrm>
-          <a:prstGeom prst="rect">
-            <a:avLst/>
-          </a:prstGeom>
-          <a:noFill/>
-          <a:extLst>
-            <a:ext uri="{909E8E84-426E-40DD-AFC4-6F175D3DCCD1}">
-              <a14:hiddenFill xmlns:a14="http://schemas.microsoft.com/office/drawing/2010/main">
-                <a:solidFill>
-                  <a:srgbClr val="FFFFFF"/>
-                </a:solidFill>
-              </a14:hiddenFill>
-            </a:ext>
-          </a:extLst>
-        </p:spPr>
-      </p:pic>
-      <p:sp>
-        <p:nvSpPr>
-          <p:cNvPr id="5" name="ZoneTexte 4"/>
-          <p:cNvSpPr txBox="1"/>
-          <p:nvPr/>
-        </p:nvSpPr>
-        <p:spPr>
-          <a:xfrm>
-            <a:off x="251520" y="1772816"/>
-            <a:ext cx="1326004" cy="769441"/>
-          </a:xfrm>
-          <a:prstGeom prst="rect">
-            <a:avLst/>
-          </a:prstGeom>
-          <a:noFill/>
-        </p:spPr>
-        <p:txBody>
-          <a:bodyPr wrap="none" rtlCol="0">
-            <a:spAutoFit/>
-          </a:bodyPr>
-          <a:lstStyle/>
-          <a:p>
-            <a:r>
-              <a:rPr lang="fr-CH" sz="4400" b="1" dirty="0" smtClean="0">
-                <a:solidFill>
-                  <a:srgbClr val="FF0000"/>
-                </a:solidFill>
-              </a:rPr>
-              <a:t>6400</a:t>
-            </a:r>
-          </a:p>
-        </p:txBody>
-      </p:sp>
-      <p:sp>
-        <p:nvSpPr>
-          <p:cNvPr id="8" name="ZoneTexte 7"/>
-          <p:cNvSpPr txBox="1"/>
-          <p:nvPr/>
-        </p:nvSpPr>
-        <p:spPr>
-          <a:xfrm>
-            <a:off x="1365099" y="2996951"/>
-            <a:ext cx="1326004" cy="769441"/>
-          </a:xfrm>
-          <a:prstGeom prst="rect">
-            <a:avLst/>
-          </a:prstGeom>
-          <a:noFill/>
-        </p:spPr>
-        <p:txBody>
-          <a:bodyPr wrap="none" rtlCol="0">
-            <a:spAutoFit/>
-          </a:bodyPr>
-          <a:lstStyle/>
-          <a:p>
-            <a:r>
-              <a:rPr lang="fr-CH" sz="4400" b="1" dirty="0" smtClean="0">
-                <a:solidFill>
-                  <a:srgbClr val="00B050"/>
-                </a:solidFill>
-              </a:rPr>
-              <a:t>4000</a:t>
-            </a:r>
-          </a:p>
-        </p:txBody>
-      </p:sp>
-    </p:spTree>
-    <p:extLst>
-      <p:ext uri="{BB962C8B-B14F-4D97-AF65-F5344CB8AC3E}">
-        <p14:creationId xmlns:p14="http://schemas.microsoft.com/office/powerpoint/2010/main" val="3643684807"/>
-      </p:ext>
-    </p:extLst>
-  </p:cSld>
-  <p:clrMapOvr>
-    <a:masterClrMapping/>
-  </p:clrMapOvr>
-  <mc:AlternateContent xmlns:mc="http://schemas.openxmlformats.org/markup-compatibility/2006">
-    <mc:Choice xmlns:p14="http://schemas.microsoft.com/office/powerpoint/2010/main" Requires="p14">
-      <p:transition spd="slow" p14:dur="1200">
-        <p14:prism/>
-      </p:transition>
-    </mc:Choice>
-    <mc:Fallback>
-      <p:transition spd="slow">
-        <p:fade/>
-      </p:transition>
-    </mc:Fallback>
-  </mc:AlternateContent>
-  <p:timing>
-    <p:tnLst>
-      <p:par>
-        <p:cTn id="1" dur="indefinite" restart="never" nodeType="tmRoot">
-          <p:childTnLst>
-            <p:seq concurrent="1" nextAc="seek">
-              <p:cTn id="2" dur="indefinite" nodeType="mainSeq">
-                <p:childTnLst>
-                  <p:par>
-                    <p:cTn id="3" fill="hold">
-                      <p:stCondLst>
-                        <p:cond delay="indefinite"/>
-                      </p:stCondLst>
-                      <p:childTnLst>
-                        <p:par>
-                          <p:cTn id="4" fill="hold">
-                            <p:stCondLst>
-                              <p:cond delay="0"/>
-                            </p:stCondLst>
-                            <p:childTnLst>
-                              <p:par>
-                                <p:cTn id="5" presetID="10" presetClass="entr" presetSubtype="0" fill="hold" grpId="0" nodeType="clickEffect">
-                                  <p:stCondLst>
-                                    <p:cond delay="0"/>
-                                  </p:stCondLst>
-                                  <p:childTnLst>
-                                    <p:set>
-                                      <p:cBhvr>
-                                        <p:cTn id="6" dur="1" fill="hold">
-                                          <p:stCondLst>
-                                            <p:cond delay="0"/>
-                                          </p:stCondLst>
-                                        </p:cTn>
-                                        <p:tgtEl>
-                                          <p:spTgt spid="5"/>
-                                        </p:tgtEl>
-                                        <p:attrNameLst>
-                                          <p:attrName>style.visibility</p:attrName>
-                                        </p:attrNameLst>
-                                      </p:cBhvr>
-                                      <p:to>
-                                        <p:strVal val="visible"/>
-                                      </p:to>
-                                    </p:set>
-                                    <p:animEffect transition="in" filter="fade">
-                                      <p:cBhvr>
-                                        <p:cTn id="7" dur="500"/>
-                                        <p:tgtEl>
-                                          <p:spTgt spid="5"/>
-                                        </p:tgtEl>
-                                      </p:cBhvr>
-                                    </p:animEffect>
-                                  </p:childTnLst>
-                                </p:cTn>
-                              </p:par>
-                              <p:par>
-                                <p:cTn id="8" presetID="10" presetClass="entr" presetSubtype="0" fill="hold" nodeType="withEffect">
-                                  <p:stCondLst>
-                                    <p:cond delay="0"/>
-                                  </p:stCondLst>
-                                  <p:childTnLst>
-                                    <p:set>
-                                      <p:cBhvr>
-                                        <p:cTn id="9" dur="1" fill="hold">
-                                          <p:stCondLst>
-                                            <p:cond delay="0"/>
-                                          </p:stCondLst>
-                                        </p:cTn>
-                                        <p:tgtEl>
-                                          <p:spTgt spid="1026"/>
-                                        </p:tgtEl>
-                                        <p:attrNameLst>
-                                          <p:attrName>style.visibility</p:attrName>
-                                        </p:attrNameLst>
-                                      </p:cBhvr>
-                                      <p:to>
-                                        <p:strVal val="visible"/>
-                                      </p:to>
-                                    </p:set>
-                                    <p:animEffect transition="in" filter="fade">
-                                      <p:cBhvr>
-                                        <p:cTn id="10" dur="500"/>
-                                        <p:tgtEl>
-                                          <p:spTgt spid="1026"/>
-                                        </p:tgtEl>
-                                      </p:cBhvr>
-                                    </p:animEffect>
-                                  </p:childTnLst>
-                                </p:cTn>
-                              </p:par>
-                            </p:childTnLst>
-                          </p:cTn>
-                        </p:par>
-                      </p:childTnLst>
-                    </p:cTn>
-                  </p:par>
-                  <p:par>
-                    <p:cTn id="11" fill="hold">
-                      <p:stCondLst>
-                        <p:cond delay="indefinite"/>
-                      </p:stCondLst>
-                      <p:childTnLst>
-                        <p:par>
-                          <p:cTn id="12" fill="hold">
-                            <p:stCondLst>
-                              <p:cond delay="0"/>
-                            </p:stCondLst>
-                            <p:childTnLst>
-                              <p:par>
-                                <p:cTn id="13" presetID="10" presetClass="entr" presetSubtype="0" fill="hold" nodeType="clickEffect">
-                                  <p:stCondLst>
-                                    <p:cond delay="0"/>
-                                  </p:stCondLst>
-                                  <p:childTnLst>
-                                    <p:set>
-                                      <p:cBhvr>
-                                        <p:cTn id="14" dur="1" fill="hold">
-                                          <p:stCondLst>
-                                            <p:cond delay="0"/>
-                                          </p:stCondLst>
-                                        </p:cTn>
-                                        <p:tgtEl>
-                                          <p:spTgt spid="1027"/>
-                                        </p:tgtEl>
-                                        <p:attrNameLst>
-                                          <p:attrName>style.visibility</p:attrName>
-                                        </p:attrNameLst>
-                                      </p:cBhvr>
-                                      <p:to>
-                                        <p:strVal val="visible"/>
-                                      </p:to>
-                                    </p:set>
-                                    <p:animEffect transition="in" filter="fade">
-                                      <p:cBhvr>
-                                        <p:cTn id="15" dur="500"/>
-                                        <p:tgtEl>
-                                          <p:spTgt spid="1027"/>
-                                        </p:tgtEl>
-                                      </p:cBhvr>
-                                    </p:animEffect>
-                                  </p:childTnLst>
-                                </p:cTn>
-                              </p:par>
-                              <p:par>
-                                <p:cTn id="16" presetID="10" presetClass="entr" presetSubtype="0" fill="hold" grpId="0" nodeType="withEffect">
-                                  <p:stCondLst>
-                                    <p:cond delay="0"/>
-                                  </p:stCondLst>
-                                  <p:childTnLst>
-                                    <p:set>
-                                      <p:cBhvr>
-                                        <p:cTn id="17" dur="1" fill="hold">
-                                          <p:stCondLst>
-                                            <p:cond delay="0"/>
-                                          </p:stCondLst>
-                                        </p:cTn>
-                                        <p:tgtEl>
-                                          <p:spTgt spid="8"/>
-                                        </p:tgtEl>
-                                        <p:attrNameLst>
-                                          <p:attrName>style.visibility</p:attrName>
-                                        </p:attrNameLst>
-                                      </p:cBhvr>
-                                      <p:to>
-                                        <p:strVal val="visible"/>
-                                      </p:to>
-                                    </p:set>
-                                    <p:animEffect transition="in" filter="fade">
-                                      <p:cBhvr>
-                                        <p:cTn id="18" dur="500"/>
-                                        <p:tgtEl>
-                                          <p:spTgt spid="8"/>
-                                        </p:tgtEl>
-                                      </p:cBhvr>
-                                    </p:animEffect>
-                                  </p:childTnLst>
-                                </p:cTn>
-                              </p:par>
-                            </p:childTnLst>
-                          </p:cTn>
-                        </p:par>
-                      </p:childTnLst>
-                    </p:cTn>
-                  </p:par>
-                </p:childTnLst>
-              </p:cTn>
-              <p:prevCondLst>
-                <p:cond evt="onPrev" delay="0">
-                  <p:tgtEl>
-                    <p:sldTgt/>
-                  </p:tgtEl>
-                </p:cond>
-              </p:prevCondLst>
-              <p:nextCondLst>
-                <p:cond evt="onNext" delay="0">
-                  <p:tgtEl>
-                    <p:sldTgt/>
-                  </p:tgtEl>
-                </p:cond>
-              </p:nextCondLst>
-            </p:seq>
-          </p:childTnLst>
-        </p:cTn>
-      </p:par>
-    </p:tnLst>
-    <p:bldLst>
-      <p:bldP spid="5" grpId="0"/>
-      <p:bldP spid="8" grpId="0"/>
-    </p:bldLst>
   </p:timing>
 </p:sld>
 </file>

--- a/presentation/presentation.pptx
+++ b/presentation/presentation.pptx
@@ -6355,7 +6355,7 @@
         <p:spPr/>
         <p:txBody>
           <a:bodyPr>
-            <a:normAutofit fontScale="85000" lnSpcReduction="20000"/>
+            <a:normAutofit fontScale="77500" lnSpcReduction="20000"/>
           </a:bodyPr>
           <a:lstStyle/>
           <a:p>
@@ -6389,8 +6389,9 @@
             <a:pPr lvl="1"/>
             <a:r>
               <a:rPr lang="fr-CH" dirty="0" smtClean="0"/>
-              <a:t>Problèmes rencontrés</a:t>
-            </a:r>
+              <a:t>Difficultés rencontrées</a:t>
+            </a:r>
+            <a:endParaRPr lang="fr-CH" dirty="0" smtClean="0"/>
           </a:p>
           <a:p>
             <a:r>
@@ -6422,8 +6423,20 @@
             <a:pPr lvl="1"/>
             <a:r>
               <a:rPr lang="fr-CH" dirty="0" smtClean="0"/>
-              <a:t>Solution partielle implémentée</a:t>
-            </a:r>
+              <a:t>Solution partielle </a:t>
+            </a:r>
+            <a:r>
+              <a:rPr lang="fr-CH" dirty="0" smtClean="0"/>
+              <a:t>implémentée</a:t>
+            </a:r>
+          </a:p>
+          <a:p>
+            <a:pPr lvl="1"/>
+            <a:r>
+              <a:rPr lang="fr-CH" dirty="0" smtClean="0"/>
+              <a:t>Difficultés rencontrées</a:t>
+            </a:r>
+            <a:endParaRPr lang="fr-CH" dirty="0" smtClean="0"/>
           </a:p>
           <a:p>
             <a:r>
@@ -6886,33 +6899,15 @@
                                   </p:childTnLst>
                                 </p:cTn>
                               </p:par>
-                            </p:childTnLst>
-                          </p:cTn>
-                        </p:par>
-                      </p:childTnLst>
-                    </p:cTn>
-                  </p:par>
-                  <p:par>
-                    <p:cTn id="34" fill="hold">
-                      <p:stCondLst>
-                        <p:cond delay="indefinite"/>
-                      </p:stCondLst>
-                      <p:childTnLst>
-                        <p:par>
-                          <p:cTn id="35" fill="hold">
-                            <p:stCondLst>
-                              <p:cond delay="0"/>
-                            </p:stCondLst>
-                            <p:childTnLst>
                               <p:par>
-                                <p:cTn id="36" presetID="10" presetClass="entr" presetSubtype="0" fill="hold" nodeType="clickEffect">
+                                <p:cTn id="34" presetID="10" presetClass="entr" presetSubtype="0" fill="hold" nodeType="withEffect">
                                   <p:stCondLst>
                                     <p:cond delay="0"/>
                                   </p:stCondLst>
                                   <p:childTnLst>
                                     <p:set>
                                       <p:cBhvr>
-                                        <p:cTn id="37" dur="1" fill="hold">
+                                        <p:cTn id="35" dur="1" fill="hold">
                                           <p:stCondLst>
                                             <p:cond delay="0"/>
                                           </p:stCondLst>
@@ -6934,7 +6929,7 @@
                                     </p:set>
                                     <p:animEffect transition="in" filter="fade">
                                       <p:cBhvr>
-                                        <p:cTn id="38" dur="500"/>
+                                        <p:cTn id="36" dur="500"/>
                                         <p:tgtEl>
                                           <p:spTgt spid="3">
                                             <p:txEl>
@@ -6954,26 +6949,26 @@
                     </p:cTn>
                   </p:par>
                   <p:par>
-                    <p:cTn id="39" fill="hold">
+                    <p:cTn id="37" fill="hold">
                       <p:stCondLst>
                         <p:cond delay="indefinite"/>
                       </p:stCondLst>
                       <p:childTnLst>
                         <p:par>
-                          <p:cTn id="40" fill="hold">
+                          <p:cTn id="38" fill="hold">
                             <p:stCondLst>
                               <p:cond delay="0"/>
                             </p:stCondLst>
                             <p:childTnLst>
                               <p:par>
-                                <p:cTn id="41" presetID="10" presetClass="entr" presetSubtype="0" fill="hold" nodeType="clickEffect">
+                                <p:cTn id="39" presetID="10" presetClass="entr" presetSubtype="0" fill="hold" nodeType="clickEffect">
                                   <p:stCondLst>
                                     <p:cond delay="0"/>
                                   </p:stCondLst>
                                   <p:childTnLst>
                                     <p:set>
                                       <p:cBhvr>
-                                        <p:cTn id="42" dur="1" fill="hold">
+                                        <p:cTn id="40" dur="1" fill="hold">
                                           <p:stCondLst>
                                             <p:cond delay="0"/>
                                           </p:stCondLst>
@@ -6995,11 +6990,72 @@
                                     </p:set>
                                     <p:animEffect transition="in" filter="fade">
                                       <p:cBhvr>
-                                        <p:cTn id="43" dur="500"/>
+                                        <p:cTn id="41" dur="500"/>
                                         <p:tgtEl>
                                           <p:spTgt spid="3">
                                             <p:txEl>
                                               <p:pRg st="10" end="10"/>
+                                            </p:txEl>
+                                          </p:spTgt>
+                                        </p:tgtEl>
+                                      </p:cBhvr>
+                                    </p:animEffect>
+                                  </p:childTnLst>
+                                </p:cTn>
+                              </p:par>
+                            </p:childTnLst>
+                          </p:cTn>
+                        </p:par>
+                      </p:childTnLst>
+                    </p:cTn>
+                  </p:par>
+                  <p:par>
+                    <p:cTn id="42" fill="hold">
+                      <p:stCondLst>
+                        <p:cond delay="indefinite"/>
+                      </p:stCondLst>
+                      <p:childTnLst>
+                        <p:par>
+                          <p:cTn id="43" fill="hold">
+                            <p:stCondLst>
+                              <p:cond delay="0"/>
+                            </p:stCondLst>
+                            <p:childTnLst>
+                              <p:par>
+                                <p:cTn id="44" presetID="10" presetClass="entr" presetSubtype="0" fill="hold" nodeType="clickEffect">
+                                  <p:stCondLst>
+                                    <p:cond delay="0"/>
+                                  </p:stCondLst>
+                                  <p:childTnLst>
+                                    <p:set>
+                                      <p:cBhvr>
+                                        <p:cTn id="45" dur="1" fill="hold">
+                                          <p:stCondLst>
+                                            <p:cond delay="0"/>
+                                          </p:stCondLst>
+                                        </p:cTn>
+                                        <p:tgtEl>
+                                          <p:spTgt spid="3">
+                                            <p:txEl>
+                                              <p:pRg st="11" end="11"/>
+                                            </p:txEl>
+                                          </p:spTgt>
+                                        </p:tgtEl>
+                                        <p:attrNameLst>
+                                          <p:attrName>style.visibility</p:attrName>
+                                        </p:attrNameLst>
+                                      </p:cBhvr>
+                                      <p:to>
+                                        <p:strVal val="visible"/>
+                                      </p:to>
+                                    </p:set>
+                                    <p:animEffect transition="in" filter="fade">
+                                      <p:cBhvr>
+                                        <p:cTn id="46" dur="500"/>
+                                        <p:tgtEl>
+                                          <p:spTgt spid="3">
+                                            <p:txEl>
+                                              <p:pRg st="11" end="11"/>
                                             </p:txEl>
                                           </p:spTgt>
                                         </p:tgtEl>
@@ -7408,7 +7464,6 @@
               <a:rPr lang="fr-CH" dirty="0" smtClean="0"/>
               <a:t>Donc pas d’exception de clé !</a:t>
             </a:r>
-            <a:endParaRPr lang="fr-CH" dirty="0" smtClean="0"/>
           </a:p>
           <a:p>
             <a:pPr marL="457200" lvl="1" indent="0">
@@ -10193,6 +10248,426 @@
                                   </p:childTnLst>
                                 </p:cTn>
                               </p:par>
+                              <p:par>
+                                <p:cTn id="8" presetID="10" presetClass="entr" presetSubtype="0" fill="hold" grpId="0" nodeType="withEffect">
+                                  <p:stCondLst>
+                                    <p:cond delay="0"/>
+                                  </p:stCondLst>
+                                  <p:childTnLst>
+                                    <p:set>
+                                      <p:cBhvr>
+                                        <p:cTn id="9" dur="1" fill="hold">
+                                          <p:stCondLst>
+                                            <p:cond delay="0"/>
+                                          </p:stCondLst>
+                                        </p:cTn>
+                                        <p:tgtEl>
+                                          <p:spTgt spid="4"/>
+                                        </p:tgtEl>
+                                        <p:attrNameLst>
+                                          <p:attrName>style.visibility</p:attrName>
+                                        </p:attrNameLst>
+                                      </p:cBhvr>
+                                      <p:to>
+                                        <p:strVal val="visible"/>
+                                      </p:to>
+                                    </p:set>
+                                    <p:animEffect transition="in" filter="fade">
+                                      <p:cBhvr>
+                                        <p:cTn id="10" dur="500"/>
+                                        <p:tgtEl>
+                                          <p:spTgt spid="4"/>
+                                        </p:tgtEl>
+                                      </p:cBhvr>
+                                    </p:animEffect>
+                                  </p:childTnLst>
+                                </p:cTn>
+                              </p:par>
+                              <p:par>
+                                <p:cTn id="11" presetID="10" presetClass="entr" presetSubtype="0" fill="hold" grpId="0" nodeType="withEffect">
+                                  <p:stCondLst>
+                                    <p:cond delay="0"/>
+                                  </p:stCondLst>
+                                  <p:childTnLst>
+                                    <p:set>
+                                      <p:cBhvr>
+                                        <p:cTn id="12" dur="1" fill="hold">
+                                          <p:stCondLst>
+                                            <p:cond delay="0"/>
+                                          </p:stCondLst>
+                                        </p:cTn>
+                                        <p:tgtEl>
+                                          <p:spTgt spid="5"/>
+                                        </p:tgtEl>
+                                        <p:attrNameLst>
+                                          <p:attrName>style.visibility</p:attrName>
+                                        </p:attrNameLst>
+                                      </p:cBhvr>
+                                      <p:to>
+                                        <p:strVal val="visible"/>
+                                      </p:to>
+                                    </p:set>
+                                    <p:animEffect transition="in" filter="fade">
+                                      <p:cBhvr>
+                                        <p:cTn id="13" dur="500"/>
+                                        <p:tgtEl>
+                                          <p:spTgt spid="5"/>
+                                        </p:tgtEl>
+                                      </p:cBhvr>
+                                    </p:animEffect>
+                                  </p:childTnLst>
+                                </p:cTn>
+                              </p:par>
+                              <p:par>
+                                <p:cTn id="14" presetID="10" presetClass="entr" presetSubtype="0" fill="hold" nodeType="withEffect">
+                                  <p:stCondLst>
+                                    <p:cond delay="0"/>
+                                  </p:stCondLst>
+                                  <p:childTnLst>
+                                    <p:set>
+                                      <p:cBhvr>
+                                        <p:cTn id="15" dur="1" fill="hold">
+                                          <p:stCondLst>
+                                            <p:cond delay="0"/>
+                                          </p:stCondLst>
+                                        </p:cTn>
+                                        <p:tgtEl>
+                                          <p:spTgt spid="7"/>
+                                        </p:tgtEl>
+                                        <p:attrNameLst>
+                                          <p:attrName>style.visibility</p:attrName>
+                                        </p:attrNameLst>
+                                      </p:cBhvr>
+                                      <p:to>
+                                        <p:strVal val="visible"/>
+                                      </p:to>
+                                    </p:set>
+                                    <p:animEffect transition="in" filter="fade">
+                                      <p:cBhvr>
+                                        <p:cTn id="16" dur="500"/>
+                                        <p:tgtEl>
+                                          <p:spTgt spid="7"/>
+                                        </p:tgtEl>
+                                      </p:cBhvr>
+                                    </p:animEffect>
+                                  </p:childTnLst>
+                                </p:cTn>
+                              </p:par>
+                              <p:par>
+                                <p:cTn id="17" presetID="10" presetClass="entr" presetSubtype="0" fill="hold" nodeType="withEffect">
+                                  <p:stCondLst>
+                                    <p:cond delay="0"/>
+                                  </p:stCondLst>
+                                  <p:childTnLst>
+                                    <p:set>
+                                      <p:cBhvr>
+                                        <p:cTn id="18" dur="1" fill="hold">
+                                          <p:stCondLst>
+                                            <p:cond delay="0"/>
+                                          </p:stCondLst>
+                                        </p:cTn>
+                                        <p:tgtEl>
+                                          <p:spTgt spid="1026"/>
+                                        </p:tgtEl>
+                                        <p:attrNameLst>
+                                          <p:attrName>style.visibility</p:attrName>
+                                        </p:attrNameLst>
+                                      </p:cBhvr>
+                                      <p:to>
+                                        <p:strVal val="visible"/>
+                                      </p:to>
+                                    </p:set>
+                                    <p:animEffect transition="in" filter="fade">
+                                      <p:cBhvr>
+                                        <p:cTn id="19" dur="500"/>
+                                        <p:tgtEl>
+                                          <p:spTgt spid="1026"/>
+                                        </p:tgtEl>
+                                      </p:cBhvr>
+                                    </p:animEffect>
+                                  </p:childTnLst>
+                                </p:cTn>
+                              </p:par>
+                              <p:par>
+                                <p:cTn id="20" presetID="10" presetClass="entr" presetSubtype="0" fill="hold" grpId="0" nodeType="withEffect">
+                                  <p:stCondLst>
+                                    <p:cond delay="0"/>
+                                  </p:stCondLst>
+                                  <p:childTnLst>
+                                    <p:set>
+                                      <p:cBhvr>
+                                        <p:cTn id="21" dur="1" fill="hold">
+                                          <p:stCondLst>
+                                            <p:cond delay="0"/>
+                                          </p:stCondLst>
+                                        </p:cTn>
+                                        <p:tgtEl>
+                                          <p:spTgt spid="13"/>
+                                        </p:tgtEl>
+                                        <p:attrNameLst>
+                                          <p:attrName>style.visibility</p:attrName>
+                                        </p:attrNameLst>
+                                      </p:cBhvr>
+                                      <p:to>
+                                        <p:strVal val="visible"/>
+                                      </p:to>
+                                    </p:set>
+                                    <p:animEffect transition="in" filter="fade">
+                                      <p:cBhvr>
+                                        <p:cTn id="22" dur="500"/>
+                                        <p:tgtEl>
+                                          <p:spTgt spid="13"/>
+                                        </p:tgtEl>
+                                      </p:cBhvr>
+                                    </p:animEffect>
+                                  </p:childTnLst>
+                                </p:cTn>
+                              </p:par>
+                              <p:par>
+                                <p:cTn id="23" presetID="10" presetClass="entr" presetSubtype="0" fill="hold" grpId="0" nodeType="withEffect">
+                                  <p:stCondLst>
+                                    <p:cond delay="0"/>
+                                  </p:stCondLst>
+                                  <p:childTnLst>
+                                    <p:set>
+                                      <p:cBhvr>
+                                        <p:cTn id="24" dur="1" fill="hold">
+                                          <p:stCondLst>
+                                            <p:cond delay="0"/>
+                                          </p:stCondLst>
+                                        </p:cTn>
+                                        <p:tgtEl>
+                                          <p:spTgt spid="15"/>
+                                        </p:tgtEl>
+                                        <p:attrNameLst>
+                                          <p:attrName>style.visibility</p:attrName>
+                                        </p:attrNameLst>
+                                      </p:cBhvr>
+                                      <p:to>
+                                        <p:strVal val="visible"/>
+                                      </p:to>
+                                    </p:set>
+                                    <p:animEffect transition="in" filter="fade">
+                                      <p:cBhvr>
+                                        <p:cTn id="25" dur="500"/>
+                                        <p:tgtEl>
+                                          <p:spTgt spid="15"/>
+                                        </p:tgtEl>
+                                      </p:cBhvr>
+                                    </p:animEffect>
+                                  </p:childTnLst>
+                                </p:cTn>
+                              </p:par>
+                              <p:par>
+                                <p:cTn id="26" presetID="10" presetClass="entr" presetSubtype="0" fill="hold" nodeType="withEffect">
+                                  <p:stCondLst>
+                                    <p:cond delay="0"/>
+                                  </p:stCondLst>
+                                  <p:childTnLst>
+                                    <p:set>
+                                      <p:cBhvr>
+                                        <p:cTn id="27" dur="1" fill="hold">
+                                          <p:stCondLst>
+                                            <p:cond delay="0"/>
+                                          </p:stCondLst>
+                                        </p:cTn>
+                                        <p:tgtEl>
+                                          <p:spTgt spid="16"/>
+                                        </p:tgtEl>
+                                        <p:attrNameLst>
+                                          <p:attrName>style.visibility</p:attrName>
+                                        </p:attrNameLst>
+                                      </p:cBhvr>
+                                      <p:to>
+                                        <p:strVal val="visible"/>
+                                      </p:to>
+                                    </p:set>
+                                    <p:animEffect transition="in" filter="fade">
+                                      <p:cBhvr>
+                                        <p:cTn id="28" dur="500"/>
+                                        <p:tgtEl>
+                                          <p:spTgt spid="16"/>
+                                        </p:tgtEl>
+                                      </p:cBhvr>
+                                    </p:animEffect>
+                                  </p:childTnLst>
+                                </p:cTn>
+                              </p:par>
+                              <p:par>
+                                <p:cTn id="29" presetID="10" presetClass="entr" presetSubtype="0" fill="hold" grpId="0" nodeType="withEffect">
+                                  <p:stCondLst>
+                                    <p:cond delay="0"/>
+                                  </p:stCondLst>
+                                  <p:childTnLst>
+                                    <p:set>
+                                      <p:cBhvr>
+                                        <p:cTn id="30" dur="1" fill="hold">
+                                          <p:stCondLst>
+                                            <p:cond delay="0"/>
+                                          </p:stCondLst>
+                                        </p:cTn>
+                                        <p:tgtEl>
+                                          <p:spTgt spid="17"/>
+                                        </p:tgtEl>
+                                        <p:attrNameLst>
+                                          <p:attrName>style.visibility</p:attrName>
+                                        </p:attrNameLst>
+                                      </p:cBhvr>
+                                      <p:to>
+                                        <p:strVal val="visible"/>
+                                      </p:to>
+                                    </p:set>
+                                    <p:animEffect transition="in" filter="fade">
+                                      <p:cBhvr>
+                                        <p:cTn id="31" dur="500"/>
+                                        <p:tgtEl>
+                                          <p:spTgt spid="17"/>
+                                        </p:tgtEl>
+                                      </p:cBhvr>
+                                    </p:animEffect>
+                                  </p:childTnLst>
+                                </p:cTn>
+                              </p:par>
+                              <p:par>
+                                <p:cTn id="32" presetID="10" presetClass="entr" presetSubtype="0" fill="hold" nodeType="withEffect">
+                                  <p:stCondLst>
+                                    <p:cond delay="0"/>
+                                  </p:stCondLst>
+                                  <p:childTnLst>
+                                    <p:set>
+                                      <p:cBhvr>
+                                        <p:cTn id="33" dur="1" fill="hold">
+                                          <p:stCondLst>
+                                            <p:cond delay="0"/>
+                                          </p:stCondLst>
+                                        </p:cTn>
+                                        <p:tgtEl>
+                                          <p:spTgt spid="22"/>
+                                        </p:tgtEl>
+                                        <p:attrNameLst>
+                                          <p:attrName>style.visibility</p:attrName>
+                                        </p:attrNameLst>
+                                      </p:cBhvr>
+                                      <p:to>
+                                        <p:strVal val="visible"/>
+                                      </p:to>
+                                    </p:set>
+                                    <p:animEffect transition="in" filter="fade">
+                                      <p:cBhvr>
+                                        <p:cTn id="34" dur="500"/>
+                                        <p:tgtEl>
+                                          <p:spTgt spid="22"/>
+                                        </p:tgtEl>
+                                      </p:cBhvr>
+                                    </p:animEffect>
+                                  </p:childTnLst>
+                                </p:cTn>
+                              </p:par>
+                              <p:par>
+                                <p:cTn id="35" presetID="10" presetClass="entr" presetSubtype="0" fill="hold" grpId="0" nodeType="withEffect">
+                                  <p:stCondLst>
+                                    <p:cond delay="0"/>
+                                  </p:stCondLst>
+                                  <p:childTnLst>
+                                    <p:set>
+                                      <p:cBhvr>
+                                        <p:cTn id="36" dur="1" fill="hold">
+                                          <p:stCondLst>
+                                            <p:cond delay="0"/>
+                                          </p:stCondLst>
+                                        </p:cTn>
+                                        <p:tgtEl>
+                                          <p:spTgt spid="30"/>
+                                        </p:tgtEl>
+                                        <p:attrNameLst>
+                                          <p:attrName>style.visibility</p:attrName>
+                                        </p:attrNameLst>
+                                      </p:cBhvr>
+                                      <p:to>
+                                        <p:strVal val="visible"/>
+                                      </p:to>
+                                    </p:set>
+                                    <p:animEffect transition="in" filter="fade">
+                                      <p:cBhvr>
+                                        <p:cTn id="37" dur="500"/>
+                                        <p:tgtEl>
+                                          <p:spTgt spid="30"/>
+                                        </p:tgtEl>
+                                      </p:cBhvr>
+                                    </p:animEffect>
+                                  </p:childTnLst>
+                                </p:cTn>
+                              </p:par>
+                              <p:par>
+                                <p:cTn id="38" presetID="10" presetClass="entr" presetSubtype="0" fill="hold" nodeType="withEffect">
+                                  <p:stCondLst>
+                                    <p:cond delay="0"/>
+                                  </p:stCondLst>
+                                  <p:childTnLst>
+                                    <p:set>
+                                      <p:cBhvr>
+                                        <p:cTn id="39" dur="1" fill="hold">
+                                          <p:stCondLst>
+                                            <p:cond delay="0"/>
+                                          </p:stCondLst>
+                                        </p:cTn>
+                                        <p:tgtEl>
+                                          <p:spTgt spid="36"/>
+                                        </p:tgtEl>
+                                        <p:attrNameLst>
+                                          <p:attrName>style.visibility</p:attrName>
+                                        </p:attrNameLst>
+                                      </p:cBhvr>
+                                      <p:to>
+                                        <p:strVal val="visible"/>
+                                      </p:to>
+                                    </p:set>
+                                    <p:animEffect transition="in" filter="fade">
+                                      <p:cBhvr>
+                                        <p:cTn id="40" dur="500"/>
+                                        <p:tgtEl>
+                                          <p:spTgt spid="36"/>
+                                        </p:tgtEl>
+                                      </p:cBhvr>
+                                    </p:animEffect>
+                                  </p:childTnLst>
+                                </p:cTn>
+                              </p:par>
+                              <p:par>
+                                <p:cTn id="41" presetID="10" presetClass="entr" presetSubtype="0" fill="hold" grpId="0" nodeType="withEffect">
+                                  <p:stCondLst>
+                                    <p:cond delay="0"/>
+                                  </p:stCondLst>
+                                  <p:childTnLst>
+                                    <p:set>
+                                      <p:cBhvr>
+                                        <p:cTn id="42" dur="1" fill="hold">
+                                          <p:stCondLst>
+                                            <p:cond delay="0"/>
+                                          </p:stCondLst>
+                                        </p:cTn>
+                                        <p:tgtEl>
+                                          <p:spTgt spid="38"/>
+                                        </p:tgtEl>
+                                        <p:attrNameLst>
+                                          <p:attrName>style.visibility</p:attrName>
+                                        </p:attrNameLst>
+                                      </p:cBhvr>
+                                      <p:to>
+                                        <p:strVal val="visible"/>
+                                      </p:to>
+                                    </p:set>
+                                    <p:animEffect transition="in" filter="fade">
+                                      <p:cBhvr>
+                                        <p:cTn id="43" dur="500"/>
+                                        <p:tgtEl>
+                                          <p:spTgt spid="38"/>
+                                        </p:tgtEl>
+                                      </p:cBhvr>
+                                    </p:animEffect>
+                                  </p:childTnLst>
+                                </p:cTn>
+                              </p:par>
                             </p:childTnLst>
                           </p:cTn>
                         </p:par>
@@ -10220,6 +10695,15 @@
         </p:cTn>
       </p:par>
     </p:tnLst>
+    <p:bldLst>
+      <p:bldP spid="4" grpId="0" animBg="1"/>
+      <p:bldP spid="5" grpId="0" animBg="1"/>
+      <p:bldP spid="13" grpId="0" animBg="1"/>
+      <p:bldP spid="15" grpId="0" animBg="1"/>
+      <p:bldP spid="17" grpId="0"/>
+      <p:bldP spid="30" grpId="0"/>
+      <p:bldP spid="38" grpId="0"/>
+    </p:bldLst>
   </p:timing>
 </p:sld>
 </file>

--- a/presentation/presentation.pptx
+++ b/presentation/presentation.pptx
@@ -119,6 +119,22 @@
       </a:defRPr>
     </a:lvl9pPr>
   </p:defaultTextStyle>
+  <p:extLst>
+    <p:ext uri="{EFAFB233-063F-42B5-8137-9DF3F51BA10A}">
+      <p15:sldGuideLst xmlns:p15="http://schemas.microsoft.com/office/powerpoint/2012/main" xmlns="">
+        <p15:guide id="1" orient="horz" pos="2160">
+          <p15:clr>
+            <a:srgbClr val="A4A3A4"/>
+          </p15:clr>
+        </p15:guide>
+        <p15:guide id="2" pos="2880">
+          <p15:clr>
+            <a:srgbClr val="A4A3A4"/>
+          </p15:clr>
+        </p15:guide>
+      </p15:sldGuideLst>
+    </p:ext>
+  </p:extLst>
 </p:presentation>
 </file>
 
@@ -518,8 +534,9 @@
           <a:p>
             <a:r>
               <a:rPr lang="fr-CH" dirty="0" smtClean="0"/>
-              <a:t>RAPHAEL</a:t>
-            </a:r>
+              <a:t>VANESSA</a:t>
+            </a:r>
+            <a:endParaRPr lang="fr-CH" dirty="0" smtClean="0"/>
           </a:p>
         </p:txBody>
       </p:sp>
@@ -695,8 +712,9 @@
           <a:p>
             <a:r>
               <a:rPr lang="fr-CH" dirty="0" smtClean="0"/>
-              <a:t>VANESSA</a:t>
-            </a:r>
+              <a:t>RAPHAEL</a:t>
+            </a:r>
+            <a:endParaRPr lang="fr-CH" dirty="0" smtClean="0"/>
           </a:p>
         </p:txBody>
       </p:sp>
@@ -782,7 +800,7 @@
           <a:p>
             <a:r>
               <a:rPr lang="fr-CH" dirty="0" smtClean="0"/>
-              <a:t>RAPHAEL</a:t>
+              <a:t>VANESSA</a:t>
             </a:r>
             <a:endParaRPr lang="fr-CH" dirty="0"/>
           </a:p>
@@ -958,8 +976,9 @@
           <a:p>
             <a:r>
               <a:rPr lang="fr-CH" dirty="0" smtClean="0"/>
-              <a:t>RAPHAEL</a:t>
-            </a:r>
+              <a:t>VANESSA</a:t>
+            </a:r>
+            <a:endParaRPr lang="fr-CH" dirty="0" smtClean="0"/>
           </a:p>
         </p:txBody>
       </p:sp>
@@ -1311,7 +1330,20 @@
               <a:rPr lang="fr-CH" dirty="0" smtClean="0"/>
               <a:t>ALEXANDRE</a:t>
             </a:r>
-            <a:endParaRPr lang="fr-CH" dirty="0"/>
+          </a:p>
+          <a:p>
+            <a:endParaRPr lang="fr-CH" sz="1000" dirty="0" smtClean="0"/>
+          </a:p>
+          <a:p>
+            <a:r>
+              <a:rPr lang="fr-CH" sz="1000" dirty="0" smtClean="0"/>
+              <a:t>Dans le fond</a:t>
+            </a:r>
+            <a:r>
+              <a:rPr lang="fr-CH" sz="1000" baseline="0" dirty="0" smtClean="0"/>
+              <a:t> chacun a sa façon de penser … lorsque nous nous sommes lancés dans la création de règles chacun avait ses propre conception de comment fonctionne les règles. </a:t>
+            </a:r>
+            <a:endParaRPr lang="fr-CH" sz="1000" dirty="0"/>
           </a:p>
         </p:txBody>
       </p:sp>
@@ -1575,8 +1607,9 @@
           <a:p>
             <a:r>
               <a:rPr lang="fr-CH" dirty="0" smtClean="0"/>
-              <a:t>ALEX</a:t>
-            </a:r>
+              <a:t>RAPHAEL</a:t>
+            </a:r>
+            <a:endParaRPr lang="fr-CH" dirty="0" smtClean="0"/>
           </a:p>
         </p:txBody>
       </p:sp>
@@ -6391,7 +6424,6 @@
               <a:rPr lang="fr-CH" dirty="0" smtClean="0"/>
               <a:t>Difficultés rencontrées</a:t>
             </a:r>
-            <a:endParaRPr lang="fr-CH" dirty="0" smtClean="0"/>
           </a:p>
           <a:p>
             <a:r>
@@ -6423,11 +6455,7 @@
             <a:pPr lvl="1"/>
             <a:r>
               <a:rPr lang="fr-CH" dirty="0" smtClean="0"/>
-              <a:t>Solution partielle </a:t>
-            </a:r>
-            <a:r>
-              <a:rPr lang="fr-CH" dirty="0" smtClean="0"/>
-              <a:t>implémentée</a:t>
+              <a:t>Solution partielle implémentée</a:t>
             </a:r>
           </a:p>
           <a:p>
@@ -6436,7 +6464,6 @@
               <a:rPr lang="fr-CH" dirty="0" smtClean="0"/>
               <a:t>Difficultés rencontrées</a:t>
             </a:r>
-            <a:endParaRPr lang="fr-CH" dirty="0" smtClean="0"/>
           </a:p>
           <a:p>
             <a:r>
@@ -7887,7 +7914,7 @@
         <p:spPr/>
         <p:txBody>
           <a:bodyPr>
-            <a:normAutofit/>
+            <a:normAutofit fontScale="92500" lnSpcReduction="20000"/>
           </a:bodyPr>
           <a:lstStyle/>
           <a:p>
@@ -7933,7 +7960,17 @@
             </a:r>
             <a:r>
               <a:rPr lang="fr-CH" dirty="0" smtClean="0"/>
-              <a:t> avec JAX-RS qui ne fonctionnait pas tout de suite dû à des problèmes de package</a:t>
+              <a:t> avec JAX-RS qui ne fonctionnait pas tout de suite dû à des problèmes de package. </a:t>
+            </a:r>
+          </a:p>
+          <a:p>
+            <a:pPr lvl="1">
+              <a:buFontTx/>
+              <a:buChar char="-"/>
+            </a:pPr>
+            <a:r>
+              <a:rPr lang="fr-CH" dirty="0" smtClean="0"/>
+              <a:t>La version ne correspondait pas … </a:t>
             </a:r>
           </a:p>
           <a:p>
@@ -7951,6 +7988,16 @@
             <a:r>
               <a:rPr lang="fr-CH" dirty="0" smtClean="0"/>
               <a:t>Ecriture des tests automatisés</a:t>
+            </a:r>
+          </a:p>
+          <a:p>
+            <a:pPr>
+              <a:buFontTx/>
+              <a:buChar char="-"/>
+            </a:pPr>
+            <a:r>
+              <a:rPr lang="fr-CH" dirty="0" smtClean="0"/>
+              <a:t>Git …</a:t>
             </a:r>
           </a:p>
         </p:txBody>
@@ -8178,7 +8225,7 @@
                                         <p:tgtEl>
                                           <p:spTgt spid="3">
                                             <p:txEl>
-                                              <p:pRg st="5" end="5"/>
+                                              <p:pRg st="4" end="4"/>
                                             </p:txEl>
                                           </p:spTgt>
                                         </p:tgtEl>
@@ -8196,7 +8243,129 @@
                                         <p:tgtEl>
                                           <p:spTgt spid="3">
                                             <p:txEl>
-                                              <p:pRg st="5" end="5"/>
+                                              <p:pRg st="4" end="4"/>
+                                            </p:txEl>
+                                          </p:spTgt>
+                                        </p:tgtEl>
+                                      </p:cBhvr>
+                                    </p:animEffect>
+                                  </p:childTnLst>
+                                </p:cTn>
+                              </p:par>
+                            </p:childTnLst>
+                          </p:cTn>
+                        </p:par>
+                      </p:childTnLst>
+                    </p:cTn>
+                  </p:par>
+                  <p:par>
+                    <p:cTn id="21" fill="hold">
+                      <p:stCondLst>
+                        <p:cond delay="indefinite"/>
+                      </p:stCondLst>
+                      <p:childTnLst>
+                        <p:par>
+                          <p:cTn id="22" fill="hold">
+                            <p:stCondLst>
+                              <p:cond delay="0"/>
+                            </p:stCondLst>
+                            <p:childTnLst>
+                              <p:par>
+                                <p:cTn id="23" presetID="10" presetClass="entr" presetSubtype="0" fill="hold" nodeType="clickEffect">
+                                  <p:stCondLst>
+                                    <p:cond delay="0"/>
+                                  </p:stCondLst>
+                                  <p:childTnLst>
+                                    <p:set>
+                                      <p:cBhvr>
+                                        <p:cTn id="24" dur="1" fill="hold">
+                                          <p:stCondLst>
+                                            <p:cond delay="0"/>
+                                          </p:stCondLst>
+                                        </p:cTn>
+                                        <p:tgtEl>
+                                          <p:spTgt spid="3">
+                                            <p:txEl>
+                                              <p:pRg st="6" end="6"/>
+                                            </p:txEl>
+                                          </p:spTgt>
+                                        </p:tgtEl>
+                                        <p:attrNameLst>
+                                          <p:attrName>style.visibility</p:attrName>
+                                        </p:attrNameLst>
+                                      </p:cBhvr>
+                                      <p:to>
+                                        <p:strVal val="visible"/>
+                                      </p:to>
+                                    </p:set>
+                                    <p:animEffect transition="in" filter="fade">
+                                      <p:cBhvr>
+                                        <p:cTn id="25" dur="500"/>
+                                        <p:tgtEl>
+                                          <p:spTgt spid="3">
+                                            <p:txEl>
+                                              <p:pRg st="6" end="6"/>
+                                            </p:txEl>
+                                          </p:spTgt>
+                                        </p:tgtEl>
+                                      </p:cBhvr>
+                                    </p:animEffect>
+                                  </p:childTnLst>
+                                </p:cTn>
+                              </p:par>
+                            </p:childTnLst>
+                          </p:cTn>
+                        </p:par>
+                      </p:childTnLst>
+                    </p:cTn>
+                  </p:par>
+                  <p:par>
+                    <p:cTn id="26" fill="hold">
+                      <p:stCondLst>
+                        <p:cond delay="indefinite"/>
+                      </p:stCondLst>
+                      <p:childTnLst>
+                        <p:par>
+                          <p:cTn id="27" fill="hold">
+                            <p:stCondLst>
+                              <p:cond delay="0"/>
+                            </p:stCondLst>
+                            <p:childTnLst>
+                              <p:par>
+                                <p:cTn id="28" presetID="10" presetClass="entr" presetSubtype="0" fill="hold" nodeType="clickEffect">
+                                  <p:stCondLst>
+                                    <p:cond delay="0"/>
+                                  </p:stCondLst>
+                                  <p:childTnLst>
+                                    <p:set>
+                                      <p:cBhvr>
+                                        <p:cTn id="29" dur="1" fill="hold">
+                                          <p:stCondLst>
+                                            <p:cond delay="0"/>
+                                          </p:stCondLst>
+                                        </p:cTn>
+                                        <p:tgtEl>
+                                          <p:spTgt spid="3">
+                                            <p:txEl>
+                                              <p:pRg st="7" end="7"/>
+                                            </p:txEl>
+                                          </p:spTgt>
+                                        </p:tgtEl>
+                                        <p:attrNameLst>
+                                          <p:attrName>style.visibility</p:attrName>
+                                        </p:attrNameLst>
+                                      </p:cBhvr>
+                                      <p:to>
+                                        <p:strVal val="visible"/>
+                                      </p:to>
+                                    </p:set>
+                                    <p:animEffect transition="in" filter="fade">
+                                      <p:cBhvr>
+                                        <p:cTn id="30" dur="500"/>
+                                        <p:tgtEl>
+                                          <p:spTgt spid="3">
+                                            <p:txEl>
+                                              <p:pRg st="7" end="7"/>
                                             </p:txEl>
                                           </p:spTgt>
                                         </p:tgtEl>
